--- a/present.pptx
+++ b/present.pptx
@@ -5,7 +5,7 @@
     <p:sldMasterId id="2147483684" r:id="rId1"/>
   </p:sldMasterIdLst>
   <p:notesMasterIdLst>
-    <p:notesMasterId r:id="rId48"/>
+    <p:notesMasterId r:id="rId47"/>
   </p:notesMasterIdLst>
   <p:sldIdLst>
     <p:sldId id="256" r:id="rId2"/>
@@ -20,40 +20,39 @@
     <p:sldId id="344" r:id="rId11"/>
     <p:sldId id="345" r:id="rId12"/>
     <p:sldId id="346" r:id="rId13"/>
-    <p:sldId id="275" r:id="rId14"/>
-    <p:sldId id="347" r:id="rId15"/>
-    <p:sldId id="348" r:id="rId16"/>
-    <p:sldId id="349" r:id="rId17"/>
-    <p:sldId id="350" r:id="rId18"/>
-    <p:sldId id="351" r:id="rId19"/>
-    <p:sldId id="352" r:id="rId20"/>
-    <p:sldId id="291" r:id="rId21"/>
-    <p:sldId id="293" r:id="rId22"/>
-    <p:sldId id="353" r:id="rId23"/>
-    <p:sldId id="354" r:id="rId24"/>
-    <p:sldId id="355" r:id="rId25"/>
-    <p:sldId id="379" r:id="rId26"/>
-    <p:sldId id="356" r:id="rId27"/>
-    <p:sldId id="357" r:id="rId28"/>
-    <p:sldId id="358" r:id="rId29"/>
-    <p:sldId id="359" r:id="rId30"/>
-    <p:sldId id="360" r:id="rId31"/>
-    <p:sldId id="370" r:id="rId32"/>
-    <p:sldId id="361" r:id="rId33"/>
-    <p:sldId id="362" r:id="rId34"/>
-    <p:sldId id="371" r:id="rId35"/>
-    <p:sldId id="372" r:id="rId36"/>
-    <p:sldId id="363" r:id="rId37"/>
-    <p:sldId id="373" r:id="rId38"/>
-    <p:sldId id="374" r:id="rId39"/>
-    <p:sldId id="364" r:id="rId40"/>
-    <p:sldId id="375" r:id="rId41"/>
-    <p:sldId id="376" r:id="rId42"/>
-    <p:sldId id="365" r:id="rId43"/>
-    <p:sldId id="377" r:id="rId44"/>
-    <p:sldId id="378" r:id="rId45"/>
-    <p:sldId id="366" r:id="rId46"/>
-    <p:sldId id="367" r:id="rId47"/>
+    <p:sldId id="347" r:id="rId14"/>
+    <p:sldId id="348" r:id="rId15"/>
+    <p:sldId id="349" r:id="rId16"/>
+    <p:sldId id="350" r:id="rId17"/>
+    <p:sldId id="351" r:id="rId18"/>
+    <p:sldId id="352" r:id="rId19"/>
+    <p:sldId id="291" r:id="rId20"/>
+    <p:sldId id="293" r:id="rId21"/>
+    <p:sldId id="353" r:id="rId22"/>
+    <p:sldId id="354" r:id="rId23"/>
+    <p:sldId id="355" r:id="rId24"/>
+    <p:sldId id="379" r:id="rId25"/>
+    <p:sldId id="356" r:id="rId26"/>
+    <p:sldId id="357" r:id="rId27"/>
+    <p:sldId id="358" r:id="rId28"/>
+    <p:sldId id="359" r:id="rId29"/>
+    <p:sldId id="360" r:id="rId30"/>
+    <p:sldId id="362" r:id="rId31"/>
+    <p:sldId id="371" r:id="rId32"/>
+    <p:sldId id="372" r:id="rId33"/>
+    <p:sldId id="363" r:id="rId34"/>
+    <p:sldId id="373" r:id="rId35"/>
+    <p:sldId id="374" r:id="rId36"/>
+    <p:sldId id="364" r:id="rId37"/>
+    <p:sldId id="375" r:id="rId38"/>
+    <p:sldId id="376" r:id="rId39"/>
+    <p:sldId id="365" r:id="rId40"/>
+    <p:sldId id="377" r:id="rId41"/>
+    <p:sldId id="382" r:id="rId42"/>
+    <p:sldId id="378" r:id="rId43"/>
+    <p:sldId id="366" r:id="rId44"/>
+    <p:sldId id="367" r:id="rId45"/>
+    <p:sldId id="380" r:id="rId46"/>
   </p:sldIdLst>
   <p:sldSz cx="12192000" cy="6858000"/>
   <p:notesSz cx="6858000" cy="9144000"/>
@@ -254,7 +253,7 @@
           <a:p>
             <a:fld id="{D17FAEFB-2EC0-42B4-B2E8-39E6BFEF0D7E}" type="datetimeFigureOut">
               <a:rPr lang="en-US" smtClean="0"/>
-              <a:t>6/12/2017</a:t>
+              <a:t>6/14/2017</a:t>
             </a:fld>
             <a:endParaRPr lang="en-US" dirty="0"/>
           </a:p>
@@ -737,7 +736,7 @@
           <a:p>
             <a:fld id="{8B379384-0B38-409C-BD4B-52239BB173E4}" type="datetime1">
               <a:rPr lang="en-US" smtClean="0"/>
-              <a:t>6/12/2017</a:t>
+              <a:t>6/14/2017</a:t>
             </a:fld>
             <a:endParaRPr lang="en-US" dirty="0"/>
           </a:p>
@@ -891,7 +890,7 @@
           <a:p>
             <a:fld id="{73FBCDA2-2326-43DE-AE11-EA98B28EE8CE}" type="datetime1">
               <a:rPr lang="en-US" smtClean="0"/>
-              <a:t>6/12/2017</a:t>
+              <a:t>6/14/2017</a:t>
             </a:fld>
             <a:endParaRPr lang="en-US" dirty="0"/>
           </a:p>
@@ -1071,7 +1070,7 @@
           <a:p>
             <a:fld id="{C9EC8CF8-D795-4FDB-B0D1-947D31C186F7}" type="datetime1">
               <a:rPr lang="en-US" smtClean="0"/>
-              <a:t>6/12/2017</a:t>
+              <a:t>6/14/2017</a:t>
             </a:fld>
             <a:endParaRPr lang="en-US" dirty="0"/>
           </a:p>
@@ -1335,7 +1334,7 @@
           <a:p>
             <a:fld id="{F597910E-7A2D-4EFB-9EB4-6E0C31982753}" type="datetime1">
               <a:rPr lang="en-US" smtClean="0"/>
-              <a:t>6/12/2017</a:t>
+              <a:t>6/14/2017</a:t>
             </a:fld>
             <a:endParaRPr lang="en-US" dirty="0"/>
           </a:p>
@@ -1596,7 +1595,7 @@
           <a:p>
             <a:fld id="{07C5B42F-B20A-4C4F-95EE-8B323ECD7037}" type="datetime1">
               <a:rPr lang="en-US" smtClean="0"/>
-              <a:t>6/12/2017</a:t>
+              <a:t>6/14/2017</a:t>
             </a:fld>
             <a:endParaRPr lang="en-US" dirty="0"/>
           </a:p>
@@ -1871,7 +1870,7 @@
           <a:p>
             <a:fld id="{361F8473-DD47-49BD-AF3C-99F429BF4621}" type="datetime1">
               <a:rPr lang="en-US" smtClean="0"/>
-              <a:t>6/12/2017</a:t>
+              <a:t>6/14/2017</a:t>
             </a:fld>
             <a:endParaRPr lang="en-US" dirty="0"/>
           </a:p>
@@ -2281,7 +2280,7 @@
           <a:p>
             <a:fld id="{1F02B5F3-18F3-4188-925D-24DDC07899E7}" type="datetime1">
               <a:rPr lang="en-US" smtClean="0"/>
-              <a:t>6/12/2017</a:t>
+              <a:t>6/14/2017</a:t>
             </a:fld>
             <a:endParaRPr lang="en-US" dirty="0"/>
           </a:p>
@@ -2410,7 +2409,7 @@
           <a:p>
             <a:fld id="{8E4E031D-2357-4558-AB14-B858845377EE}" type="datetime1">
               <a:rPr lang="en-US" smtClean="0"/>
-              <a:t>6/12/2017</a:t>
+              <a:t>6/14/2017</a:t>
             </a:fld>
             <a:endParaRPr lang="en-US" dirty="0"/>
           </a:p>
@@ -2512,7 +2511,7 @@
           <a:p>
             <a:fld id="{1C84B1C6-CA6B-4EF7-B8C6-92E736D6FB6C}" type="datetime1">
               <a:rPr lang="en-US" smtClean="0"/>
-              <a:t>6/12/2017</a:t>
+              <a:t>6/14/2017</a:t>
             </a:fld>
             <a:endParaRPr lang="en-US" dirty="0"/>
           </a:p>
@@ -2796,7 +2795,7 @@
           <a:p>
             <a:fld id="{C5E7423D-8221-4947-BD46-57F4FD94558B}" type="datetime1">
               <a:rPr lang="en-US" smtClean="0"/>
-              <a:t>6/12/2017</a:t>
+              <a:t>6/14/2017</a:t>
             </a:fld>
             <a:endParaRPr lang="en-US" dirty="0"/>
           </a:p>
@@ -3060,7 +3059,7 @@
           <a:p>
             <a:fld id="{AF3CF5A2-8E7C-4F69-8048-A1BD6D9C97FE}" type="datetime1">
               <a:rPr lang="en-US" smtClean="0"/>
-              <a:t>6/12/2017</a:t>
+              <a:t>6/14/2017</a:t>
             </a:fld>
             <a:endParaRPr lang="en-US" dirty="0"/>
           </a:p>
@@ -3273,7 +3272,7 @@
           <a:p>
             <a:fld id="{ED7BEE26-B567-4C11-B05F-9DA47913194B}" type="datetime1">
               <a:rPr lang="en-US" smtClean="0"/>
-              <a:t>6/12/2017</a:t>
+              <a:t>6/14/2017</a:t>
             </a:fld>
             <a:endParaRPr lang="en-US" dirty="0"/>
           </a:p>
@@ -4092,7 +4091,19 @@
               <a:rPr lang="fa-IR" sz="2400" dirty="0">
                 <a:cs typeface="B Nazanin" panose="00000400000000000000" pitchFamily="2" charset="-78"/>
               </a:rPr>
-              <a:t> مدل‌های گرافی و بیزی </a:t>
+              <a:t> </a:t>
+            </a:r>
+            <a:r>
+              <a:rPr lang="fa-IR" sz="2400" dirty="0" smtClean="0">
+                <a:cs typeface="B Nazanin" panose="00000400000000000000" pitchFamily="2" charset="-78"/>
+              </a:rPr>
+              <a:t>مدل‌های </a:t>
+            </a:r>
+            <a:r>
+              <a:rPr lang="fa-IR" sz="2400" dirty="0">
+                <a:cs typeface="B Nazanin" panose="00000400000000000000" pitchFamily="2" charset="-78"/>
+              </a:rPr>
+              <a:t>بیزی </a:t>
             </a:r>
           </a:p>
           <a:p>
@@ -11236,3104 +11247,6 @@
       </p:grpSpPr>
       <p:sp>
         <p:nvSpPr>
-          <p:cNvPr id="89" name="Rectangle 88"/>
-          <p:cNvSpPr/>
-          <p:nvPr/>
-        </p:nvSpPr>
-        <p:spPr>
-          <a:xfrm>
-            <a:off x="3423571" y="515646"/>
-            <a:ext cx="5400837" cy="769441"/>
-          </a:xfrm>
-          <a:prstGeom prst="rect">
-            <a:avLst/>
-          </a:prstGeom>
-        </p:spPr>
-        <p:txBody>
-          <a:bodyPr wrap="none">
-            <a:spAutoFit/>
-          </a:bodyPr>
-          <a:lstStyle/>
-          <a:p>
-            <a:pPr algn="ctr" rtl="1"/>
-            <a:r>
-              <a:rPr lang="fa-IR" sz="4400" b="1" dirty="0">
-                <a:cs typeface="B Nazanin" panose="00000400000000000000" pitchFamily="2" charset="-78"/>
-              </a:rPr>
-              <a:t>مرور کارهای </a:t>
-            </a:r>
-            <a:r>
-              <a:rPr lang="fa-IR" sz="4400" b="1" dirty="0" smtClean="0">
-                <a:cs typeface="B Nazanin" panose="00000400000000000000" pitchFamily="2" charset="-78"/>
-              </a:rPr>
-              <a:t>پیشین: </a:t>
-            </a:r>
-            <a:r>
-              <a:rPr lang="en-US" sz="4400" dirty="0" err="1" smtClean="0">
-                <a:cs typeface="B Nazanin" panose="00000400000000000000" pitchFamily="2" charset="-78"/>
-              </a:rPr>
-              <a:t>tf-idf</a:t>
-            </a:r>
-            <a:endParaRPr lang="fa-IR" sz="4400" dirty="0">
-              <a:cs typeface="B Nazanin" panose="00000400000000000000" pitchFamily="2" charset="-78"/>
-            </a:endParaRPr>
-          </a:p>
-        </p:txBody>
-      </p:sp>
-      <p:grpSp>
-        <p:nvGrpSpPr>
-          <p:cNvPr id="73" name="Group 72"/>
-          <p:cNvGrpSpPr/>
-          <p:nvPr/>
-        </p:nvGrpSpPr>
-        <p:grpSpPr>
-          <a:xfrm>
-            <a:off x="168815" y="1983053"/>
-            <a:ext cx="4457106" cy="4769605"/>
-            <a:chOff x="671131" y="737805"/>
-            <a:chExt cx="4745708" cy="5776287"/>
-          </a:xfrm>
-        </p:grpSpPr>
-        <p:cxnSp>
-          <p:nvCxnSpPr>
-            <p:cNvPr id="77" name="Straight Connector 76"/>
-            <p:cNvCxnSpPr/>
-            <p:nvPr/>
-          </p:nvCxnSpPr>
-          <p:spPr>
-            <a:xfrm>
-              <a:off x="1418882" y="3601618"/>
-              <a:ext cx="3132000" cy="0"/>
-            </a:xfrm>
-            <a:prstGeom prst="line">
-              <a:avLst/>
-            </a:prstGeom>
-            <a:noFill/>
-            <a:ln w="50800">
-              <a:solidFill>
-                <a:schemeClr val="accent1"/>
-              </a:solidFill>
-              <a:tailEnd type="none"/>
-            </a:ln>
-          </p:spPr>
-        </p:cxnSp>
-        <p:sp>
-          <p:nvSpPr>
-            <p:cNvPr id="78" name="TextBox 77"/>
-            <p:cNvSpPr txBox="1"/>
-            <p:nvPr/>
-          </p:nvSpPr>
-          <p:spPr>
-            <a:xfrm>
-              <a:off x="1482220" y="744322"/>
-              <a:ext cx="706266" cy="410010"/>
-            </a:xfrm>
-            <a:prstGeom prst="rect">
-              <a:avLst/>
-            </a:prstGeom>
-            <a:noFill/>
-          </p:spPr>
-          <p:txBody>
-            <a:bodyPr wrap="square" rtlCol="0">
-              <a:spAutoFit/>
-            </a:bodyPr>
-            <a:lstStyle/>
-            <a:p>
-              <a:r>
-                <a:rPr lang="fa-IR" altLang="zh-CN" sz="1600" b="1" dirty="0" smtClean="0">
-                  <a:solidFill>
-                    <a:schemeClr val="tx1">
-                      <a:lumMod val="50000"/>
-                      <a:lumOff val="50000"/>
-                    </a:schemeClr>
-                  </a:solidFill>
-                  <a:latin typeface="XB Zar" panose="02000506090000020003" pitchFamily="2" charset="-78"/>
-                  <a:cs typeface="XB Zar" panose="02000506090000020003" pitchFamily="2" charset="-78"/>
-                </a:rPr>
-                <a:t>1986</a:t>
-              </a:r>
-            </a:p>
-          </p:txBody>
-        </p:sp>
-        <p:cxnSp>
-          <p:nvCxnSpPr>
-            <p:cNvPr id="80" name="Straight Connector 79"/>
-            <p:cNvCxnSpPr/>
-            <p:nvPr/>
-          </p:nvCxnSpPr>
-          <p:spPr>
-            <a:xfrm>
-              <a:off x="671131" y="1287300"/>
-              <a:ext cx="3816000" cy="0"/>
-            </a:xfrm>
-            <a:prstGeom prst="line">
-              <a:avLst/>
-            </a:prstGeom>
-            <a:noFill/>
-            <a:ln w="50800">
-              <a:solidFill>
-                <a:schemeClr val="accent1"/>
-              </a:solidFill>
-              <a:headEnd type="oval"/>
-              <a:tailEnd type="none"/>
-            </a:ln>
-          </p:spPr>
-        </p:cxnSp>
-        <p:cxnSp>
-          <p:nvCxnSpPr>
-            <p:cNvPr id="81" name="Straight Connector 80"/>
-            <p:cNvCxnSpPr/>
-            <p:nvPr/>
-          </p:nvCxnSpPr>
-          <p:spPr>
-            <a:xfrm>
-              <a:off x="1446239" y="2437865"/>
-              <a:ext cx="3132000" cy="0"/>
-            </a:xfrm>
-            <a:prstGeom prst="line">
-              <a:avLst/>
-            </a:prstGeom>
-            <a:noFill/>
-            <a:ln w="50800">
-              <a:solidFill>
-                <a:schemeClr val="accent1"/>
-              </a:solidFill>
-              <a:tailEnd type="none"/>
-            </a:ln>
-          </p:spPr>
-        </p:cxnSp>
-        <p:sp>
-          <p:nvSpPr>
-            <p:cNvPr id="82" name="Arc 81"/>
-            <p:cNvSpPr/>
-            <p:nvPr/>
-          </p:nvSpPr>
-          <p:spPr>
-            <a:xfrm>
-              <a:off x="3932867" y="1285955"/>
-              <a:ext cx="1165195" cy="1156000"/>
-            </a:xfrm>
-            <a:prstGeom prst="arc">
-              <a:avLst>
-                <a:gd name="adj1" fmla="val 15919140"/>
-                <a:gd name="adj2" fmla="val 5171460"/>
-              </a:avLst>
-            </a:prstGeom>
-            <a:noFill/>
-            <a:ln w="50800">
-              <a:solidFill>
-                <a:schemeClr val="accent1"/>
-              </a:solidFill>
-            </a:ln>
-          </p:spPr>
-          <p:txBody>
-            <a:bodyPr vert="horz" wrap="square" lIns="91440" tIns="45720" rIns="91440" bIns="45720" numCol="1" anchor="t" anchorCtr="0" compatLnSpc="1">
-              <a:prstTxWarp prst="textNoShape">
-                <a:avLst/>
-              </a:prstTxWarp>
-            </a:bodyPr>
-            <a:lstStyle/>
-            <a:p>
-              <a:endParaRPr lang="zh-CN" altLang="en-US" sz="1400">
-                <a:latin typeface="XB Zar" panose="02000506090000020003" pitchFamily="2" charset="-78"/>
-                <a:cs typeface="XB Zar" panose="02000506090000020003" pitchFamily="2" charset="-78"/>
-              </a:endParaRPr>
-            </a:p>
-          </p:txBody>
-        </p:sp>
-        <p:sp>
-          <p:nvSpPr>
-            <p:cNvPr id="83" name="Arc 82"/>
-            <p:cNvSpPr/>
-            <p:nvPr/>
-          </p:nvSpPr>
-          <p:spPr>
-            <a:xfrm flipH="1">
-              <a:off x="887272" y="2435641"/>
-              <a:ext cx="1165195" cy="1165195"/>
-            </a:xfrm>
-            <a:prstGeom prst="arc">
-              <a:avLst>
-                <a:gd name="adj1" fmla="val 16200000"/>
-                <a:gd name="adj2" fmla="val 5171460"/>
-              </a:avLst>
-            </a:prstGeom>
-            <a:noFill/>
-            <a:ln w="50800">
-              <a:solidFill>
-                <a:schemeClr val="accent1"/>
-              </a:solidFill>
-            </a:ln>
-          </p:spPr>
-          <p:txBody>
-            <a:bodyPr vert="horz" wrap="square" lIns="91440" tIns="45720" rIns="91440" bIns="45720" numCol="1" anchor="t" anchorCtr="0" compatLnSpc="1">
-              <a:prstTxWarp prst="textNoShape">
-                <a:avLst/>
-              </a:prstTxWarp>
-            </a:bodyPr>
-            <a:lstStyle/>
-            <a:p>
-              <a:endParaRPr lang="zh-CN" altLang="en-US" sz="1400">
-                <a:latin typeface="XB Zar" panose="02000506090000020003" pitchFamily="2" charset="-78"/>
-                <a:cs typeface="XB Zar" panose="02000506090000020003" pitchFamily="2" charset="-78"/>
-              </a:endParaRPr>
-            </a:p>
-          </p:txBody>
-        </p:sp>
-        <p:sp>
-          <p:nvSpPr>
-            <p:cNvPr id="84" name="Oval 42"/>
-            <p:cNvSpPr>
-              <a:spLocks noChangeArrowheads="1"/>
-            </p:cNvSpPr>
-            <p:nvPr/>
-          </p:nvSpPr>
-          <p:spPr bwMode="auto">
-            <a:xfrm>
-              <a:off x="2324469" y="1191250"/>
-              <a:ext cx="178044" cy="192101"/>
-            </a:xfrm>
-            <a:prstGeom prst="ellipse">
-              <a:avLst/>
-            </a:prstGeom>
-            <a:solidFill>
-              <a:srgbClr val="E2E2E2"/>
-            </a:solidFill>
-            <a:ln w="19050">
-              <a:solidFill>
-                <a:schemeClr val="accent3"/>
-              </a:solidFill>
-              <a:round/>
-              <a:headEnd/>
-              <a:tailEnd/>
-            </a:ln>
-            <a:extLst/>
-          </p:spPr>
-          <p:txBody>
-            <a:bodyPr vert="horz" wrap="square" lIns="91440" tIns="45720" rIns="91440" bIns="45720" numCol="1" anchor="t" anchorCtr="0" compatLnSpc="1">
-              <a:prstTxWarp prst="textNoShape">
-                <a:avLst/>
-              </a:prstTxWarp>
-            </a:bodyPr>
-            <a:lstStyle/>
-            <a:p>
-              <a:endParaRPr lang="zh-CN" altLang="en-US" sz="1400">
-                <a:latin typeface="XB Zar" panose="02000506090000020003" pitchFamily="2" charset="-78"/>
-                <a:cs typeface="XB Zar" panose="02000506090000020003" pitchFamily="2" charset="-78"/>
-              </a:endParaRPr>
-            </a:p>
-          </p:txBody>
-        </p:sp>
-        <p:sp>
-          <p:nvSpPr>
-            <p:cNvPr id="85" name="Oval 84"/>
-            <p:cNvSpPr>
-              <a:spLocks noChangeArrowheads="1"/>
-            </p:cNvSpPr>
-            <p:nvPr/>
-          </p:nvSpPr>
-          <p:spPr bwMode="auto">
-            <a:xfrm>
-              <a:off x="2913902" y="1191250"/>
-              <a:ext cx="178044" cy="192101"/>
-            </a:xfrm>
-            <a:prstGeom prst="ellipse">
-              <a:avLst/>
-            </a:prstGeom>
-            <a:solidFill>
-              <a:srgbClr val="E2E2E2"/>
-            </a:solidFill>
-            <a:ln w="19050">
-              <a:solidFill>
-                <a:schemeClr val="accent3"/>
-              </a:solidFill>
-              <a:round/>
-              <a:headEnd/>
-              <a:tailEnd/>
-            </a:ln>
-            <a:extLst/>
-          </p:spPr>
-          <p:txBody>
-            <a:bodyPr vert="horz" wrap="square" lIns="91440" tIns="45720" rIns="91440" bIns="45720" numCol="1" anchor="t" anchorCtr="0" compatLnSpc="1">
-              <a:prstTxWarp prst="textNoShape">
-                <a:avLst/>
-              </a:prstTxWarp>
-            </a:bodyPr>
-            <a:lstStyle/>
-            <a:p>
-              <a:endParaRPr lang="zh-CN" altLang="en-US" sz="1400">
-                <a:latin typeface="XB Zar" panose="02000506090000020003" pitchFamily="2" charset="-78"/>
-                <a:cs typeface="XB Zar" panose="02000506090000020003" pitchFamily="2" charset="-78"/>
-              </a:endParaRPr>
-            </a:p>
-          </p:txBody>
-        </p:sp>
-        <p:sp>
-          <p:nvSpPr>
-            <p:cNvPr id="87" name="Oval 42"/>
-            <p:cNvSpPr>
-              <a:spLocks noChangeArrowheads="1"/>
-            </p:cNvSpPr>
-            <p:nvPr/>
-          </p:nvSpPr>
-          <p:spPr bwMode="auto">
-            <a:xfrm>
-              <a:off x="3513862" y="1191250"/>
-              <a:ext cx="178044" cy="192101"/>
-            </a:xfrm>
-            <a:prstGeom prst="ellipse">
-              <a:avLst/>
-            </a:prstGeom>
-            <a:solidFill>
-              <a:srgbClr val="E2E2E2"/>
-            </a:solidFill>
-            <a:ln w="19050">
-              <a:solidFill>
-                <a:schemeClr val="accent3"/>
-              </a:solidFill>
-              <a:round/>
-              <a:headEnd/>
-              <a:tailEnd/>
-            </a:ln>
-            <a:extLst/>
-          </p:spPr>
-          <p:txBody>
-            <a:bodyPr vert="horz" wrap="square" lIns="91440" tIns="45720" rIns="91440" bIns="45720" numCol="1" anchor="t" anchorCtr="0" compatLnSpc="1">
-              <a:prstTxWarp prst="textNoShape">
-                <a:avLst/>
-              </a:prstTxWarp>
-            </a:bodyPr>
-            <a:lstStyle/>
-            <a:p>
-              <a:endParaRPr lang="zh-CN" altLang="en-US" sz="1400">
-                <a:latin typeface="XB Zar" panose="02000506090000020003" pitchFamily="2" charset="-78"/>
-                <a:cs typeface="XB Zar" panose="02000506090000020003" pitchFamily="2" charset="-78"/>
-              </a:endParaRPr>
-            </a:p>
-          </p:txBody>
-        </p:sp>
-        <p:sp>
-          <p:nvSpPr>
-            <p:cNvPr id="110" name="Oval 42"/>
-            <p:cNvSpPr>
-              <a:spLocks noChangeArrowheads="1"/>
-            </p:cNvSpPr>
-            <p:nvPr/>
-          </p:nvSpPr>
-          <p:spPr bwMode="auto">
-            <a:xfrm>
-              <a:off x="1726483" y="1191250"/>
-              <a:ext cx="178044" cy="192101"/>
-            </a:xfrm>
-            <a:prstGeom prst="ellipse">
-              <a:avLst/>
-            </a:prstGeom>
-            <a:solidFill>
-              <a:srgbClr val="E2E2E2"/>
-            </a:solidFill>
-            <a:ln w="19050">
-              <a:solidFill>
-                <a:schemeClr val="accent3"/>
-              </a:solidFill>
-              <a:round/>
-              <a:headEnd/>
-              <a:tailEnd/>
-            </a:ln>
-            <a:extLst/>
-          </p:spPr>
-          <p:txBody>
-            <a:bodyPr vert="horz" wrap="square" lIns="91440" tIns="45720" rIns="91440" bIns="45720" numCol="1" anchor="t" anchorCtr="0" compatLnSpc="1">
-              <a:prstTxWarp prst="textNoShape">
-                <a:avLst/>
-              </a:prstTxWarp>
-            </a:bodyPr>
-            <a:lstStyle/>
-            <a:p>
-              <a:endParaRPr lang="zh-CN" altLang="en-US" sz="1400">
-                <a:latin typeface="XB Zar" panose="02000506090000020003" pitchFamily="2" charset="-78"/>
-                <a:cs typeface="XB Zar" panose="02000506090000020003" pitchFamily="2" charset="-78"/>
-              </a:endParaRPr>
-            </a:p>
-          </p:txBody>
-        </p:sp>
-        <p:cxnSp>
-          <p:nvCxnSpPr>
-            <p:cNvPr id="111" name="Straight Connector 110"/>
-            <p:cNvCxnSpPr/>
-            <p:nvPr/>
-          </p:nvCxnSpPr>
-          <p:spPr>
-            <a:xfrm>
-              <a:off x="1446239" y="4758152"/>
-              <a:ext cx="3132000" cy="0"/>
-            </a:xfrm>
-            <a:prstGeom prst="line">
-              <a:avLst/>
-            </a:prstGeom>
-            <a:noFill/>
-            <a:ln w="50800">
-              <a:solidFill>
-                <a:schemeClr val="accent1"/>
-              </a:solidFill>
-              <a:tailEnd type="none"/>
-            </a:ln>
-          </p:spPr>
-        </p:cxnSp>
-        <p:sp>
-          <p:nvSpPr>
-            <p:cNvPr id="112" name="Arc 111"/>
-            <p:cNvSpPr/>
-            <p:nvPr/>
-          </p:nvSpPr>
-          <p:spPr>
-            <a:xfrm>
-              <a:off x="3932867" y="3601540"/>
-              <a:ext cx="1165195" cy="1156000"/>
-            </a:xfrm>
-            <a:prstGeom prst="arc">
-              <a:avLst>
-                <a:gd name="adj1" fmla="val 15919140"/>
-                <a:gd name="adj2" fmla="val 5171460"/>
-              </a:avLst>
-            </a:prstGeom>
-            <a:noFill/>
-            <a:ln w="50800">
-              <a:solidFill>
-                <a:schemeClr val="accent1"/>
-              </a:solidFill>
-            </a:ln>
-          </p:spPr>
-          <p:txBody>
-            <a:bodyPr vert="horz" wrap="square" lIns="91440" tIns="45720" rIns="91440" bIns="45720" numCol="1" anchor="t" anchorCtr="0" compatLnSpc="1">
-              <a:prstTxWarp prst="textNoShape">
-                <a:avLst/>
-              </a:prstTxWarp>
-            </a:bodyPr>
-            <a:lstStyle/>
-            <a:p>
-              <a:endParaRPr lang="zh-CN" altLang="en-US" sz="1400">
-                <a:latin typeface="XB Zar" panose="02000506090000020003" pitchFamily="2" charset="-78"/>
-                <a:cs typeface="XB Zar" panose="02000506090000020003" pitchFamily="2" charset="-78"/>
-              </a:endParaRPr>
-            </a:p>
-          </p:txBody>
-        </p:sp>
-        <p:cxnSp>
-          <p:nvCxnSpPr>
-            <p:cNvPr id="113" name="Straight Connector 112"/>
-            <p:cNvCxnSpPr/>
-            <p:nvPr/>
-          </p:nvCxnSpPr>
-          <p:spPr>
-            <a:xfrm>
-              <a:off x="1420839" y="5921444"/>
-              <a:ext cx="3996000" cy="0"/>
-            </a:xfrm>
-            <a:prstGeom prst="line">
-              <a:avLst/>
-            </a:prstGeom>
-            <a:noFill/>
-            <a:ln w="50800">
-              <a:solidFill>
-                <a:schemeClr val="accent1"/>
-              </a:solidFill>
-              <a:tailEnd type="triangle"/>
-            </a:ln>
-          </p:spPr>
-        </p:cxnSp>
-        <p:sp>
-          <p:nvSpPr>
-            <p:cNvPr id="114" name="Arc 113"/>
-            <p:cNvSpPr/>
-            <p:nvPr/>
-          </p:nvSpPr>
-          <p:spPr>
-            <a:xfrm flipH="1">
-              <a:off x="887272" y="4758579"/>
-              <a:ext cx="1165195" cy="1165195"/>
-            </a:xfrm>
-            <a:prstGeom prst="arc">
-              <a:avLst>
-                <a:gd name="adj1" fmla="val 16200000"/>
-                <a:gd name="adj2" fmla="val 5171460"/>
-              </a:avLst>
-            </a:prstGeom>
-            <a:noFill/>
-            <a:ln w="50800">
-              <a:solidFill>
-                <a:schemeClr val="accent1"/>
-              </a:solidFill>
-            </a:ln>
-          </p:spPr>
-          <p:txBody>
-            <a:bodyPr vert="horz" wrap="square" lIns="91440" tIns="45720" rIns="91440" bIns="45720" numCol="1" anchor="t" anchorCtr="0" compatLnSpc="1">
-              <a:prstTxWarp prst="textNoShape">
-                <a:avLst/>
-              </a:prstTxWarp>
-            </a:bodyPr>
-            <a:lstStyle/>
-            <a:p>
-              <a:endParaRPr lang="zh-CN" altLang="en-US" sz="1400">
-                <a:latin typeface="XB Zar" panose="02000506090000020003" pitchFamily="2" charset="-78"/>
-                <a:cs typeface="XB Zar" panose="02000506090000020003" pitchFamily="2" charset="-78"/>
-              </a:endParaRPr>
-            </a:p>
-          </p:txBody>
-        </p:sp>
-        <p:sp>
-          <p:nvSpPr>
-            <p:cNvPr id="127" name="TextBox 126"/>
-            <p:cNvSpPr txBox="1"/>
-            <p:nvPr/>
-          </p:nvSpPr>
-          <p:spPr>
-            <a:xfrm>
-              <a:off x="2034322" y="1397087"/>
-              <a:ext cx="706266" cy="338554"/>
-            </a:xfrm>
-            <a:prstGeom prst="rect">
-              <a:avLst/>
-            </a:prstGeom>
-            <a:noFill/>
-          </p:spPr>
-          <p:txBody>
-            <a:bodyPr wrap="square" rtlCol="0">
-              <a:spAutoFit/>
-            </a:bodyPr>
-            <a:lstStyle/>
-            <a:p>
-              <a:r>
-                <a:rPr lang="fa-IR" altLang="zh-CN" sz="1600" b="1" dirty="0" smtClean="0">
-                  <a:solidFill>
-                    <a:schemeClr val="tx1">
-                      <a:lumMod val="50000"/>
-                      <a:lumOff val="50000"/>
-                    </a:schemeClr>
-                  </a:solidFill>
-                  <a:latin typeface="XB Zar" panose="02000506090000020003" pitchFamily="2" charset="-78"/>
-                  <a:cs typeface="XB Zar" panose="02000506090000020003" pitchFamily="2" charset="-78"/>
-                </a:rPr>
-                <a:t>1992</a:t>
-              </a:r>
-              <a:endParaRPr lang="zh-CN" altLang="en-US" sz="1600" b="1" dirty="0">
-                <a:solidFill>
-                  <a:schemeClr val="tx1">
-                    <a:lumMod val="50000"/>
-                    <a:lumOff val="50000"/>
-                  </a:schemeClr>
-                </a:solidFill>
-                <a:latin typeface="XB Zar" panose="02000506090000020003" pitchFamily="2" charset="-78"/>
-                <a:cs typeface="XB Zar" panose="02000506090000020003" pitchFamily="2" charset="-78"/>
-              </a:endParaRPr>
-            </a:p>
-          </p:txBody>
-        </p:sp>
-        <p:sp>
-          <p:nvSpPr>
-            <p:cNvPr id="128" name="TextBox 127"/>
-            <p:cNvSpPr txBox="1"/>
-            <p:nvPr/>
-          </p:nvSpPr>
-          <p:spPr>
-            <a:xfrm>
-              <a:off x="2642705" y="742064"/>
-              <a:ext cx="706266" cy="338554"/>
-            </a:xfrm>
-            <a:prstGeom prst="rect">
-              <a:avLst/>
-            </a:prstGeom>
-            <a:noFill/>
-          </p:spPr>
-          <p:txBody>
-            <a:bodyPr wrap="square" rtlCol="0">
-              <a:spAutoFit/>
-            </a:bodyPr>
-            <a:lstStyle/>
-            <a:p>
-              <a:r>
-                <a:rPr lang="fa-IR" altLang="zh-CN" sz="1600" b="1" dirty="0" smtClean="0">
-                  <a:solidFill>
-                    <a:schemeClr val="tx1">
-                      <a:lumMod val="50000"/>
-                      <a:lumOff val="50000"/>
-                    </a:schemeClr>
-                  </a:solidFill>
-                  <a:latin typeface="XB Zar" panose="02000506090000020003" pitchFamily="2" charset="-78"/>
-                  <a:cs typeface="XB Zar" panose="02000506090000020003" pitchFamily="2" charset="-78"/>
-                </a:rPr>
-                <a:t>1993</a:t>
-              </a:r>
-              <a:endParaRPr lang="zh-CN" altLang="en-US" sz="1600" b="1" dirty="0">
-                <a:solidFill>
-                  <a:schemeClr val="tx1">
-                    <a:lumMod val="50000"/>
-                    <a:lumOff val="50000"/>
-                  </a:schemeClr>
-                </a:solidFill>
-                <a:latin typeface="XB Zar" panose="02000506090000020003" pitchFamily="2" charset="-78"/>
-                <a:cs typeface="XB Zar" panose="02000506090000020003" pitchFamily="2" charset="-78"/>
-              </a:endParaRPr>
-            </a:p>
-          </p:txBody>
-        </p:sp>
-        <p:sp>
-          <p:nvSpPr>
-            <p:cNvPr id="129" name="TextBox 128"/>
-            <p:cNvSpPr txBox="1"/>
-            <p:nvPr/>
-          </p:nvSpPr>
-          <p:spPr>
-            <a:xfrm>
-              <a:off x="3239542" y="1409667"/>
-              <a:ext cx="706266" cy="338554"/>
-            </a:xfrm>
-            <a:prstGeom prst="rect">
-              <a:avLst/>
-            </a:prstGeom>
-            <a:noFill/>
-          </p:spPr>
-          <p:txBody>
-            <a:bodyPr wrap="square" rtlCol="0">
-              <a:spAutoFit/>
-            </a:bodyPr>
-            <a:lstStyle/>
-            <a:p>
-              <a:r>
-                <a:rPr lang="fa-IR" altLang="zh-CN" sz="1600" b="1" dirty="0" smtClean="0">
-                  <a:solidFill>
-                    <a:schemeClr val="tx1">
-                      <a:lumMod val="50000"/>
-                      <a:lumOff val="50000"/>
-                    </a:schemeClr>
-                  </a:solidFill>
-                  <a:latin typeface="XB Zar" panose="02000506090000020003" pitchFamily="2" charset="-78"/>
-                  <a:cs typeface="XB Zar" panose="02000506090000020003" pitchFamily="2" charset="-78"/>
-                </a:rPr>
-                <a:t>1994</a:t>
-              </a:r>
-              <a:endParaRPr lang="zh-CN" altLang="en-US" sz="1600" b="1" dirty="0">
-                <a:solidFill>
-                  <a:schemeClr val="tx1">
-                    <a:lumMod val="50000"/>
-                    <a:lumOff val="50000"/>
-                  </a:schemeClr>
-                </a:solidFill>
-                <a:latin typeface="XB Zar" panose="02000506090000020003" pitchFamily="2" charset="-78"/>
-                <a:cs typeface="XB Zar" panose="02000506090000020003" pitchFamily="2" charset="-78"/>
-              </a:endParaRPr>
-            </a:p>
-          </p:txBody>
-        </p:sp>
-        <p:sp>
-          <p:nvSpPr>
-            <p:cNvPr id="130" name="Oval 42"/>
-            <p:cNvSpPr>
-              <a:spLocks noChangeArrowheads="1"/>
-            </p:cNvSpPr>
-            <p:nvPr/>
-          </p:nvSpPr>
-          <p:spPr bwMode="auto">
-            <a:xfrm>
-              <a:off x="4104662" y="1191250"/>
-              <a:ext cx="178044" cy="192101"/>
-            </a:xfrm>
-            <a:prstGeom prst="ellipse">
-              <a:avLst/>
-            </a:prstGeom>
-            <a:solidFill>
-              <a:srgbClr val="E2E2E2"/>
-            </a:solidFill>
-            <a:ln w="19050">
-              <a:solidFill>
-                <a:schemeClr val="accent3"/>
-              </a:solidFill>
-              <a:round/>
-              <a:headEnd/>
-              <a:tailEnd/>
-            </a:ln>
-            <a:extLst/>
-          </p:spPr>
-          <p:txBody>
-            <a:bodyPr vert="horz" wrap="square" lIns="91440" tIns="45720" rIns="91440" bIns="45720" numCol="1" anchor="t" anchorCtr="0" compatLnSpc="1">
-              <a:prstTxWarp prst="textNoShape">
-                <a:avLst/>
-              </a:prstTxWarp>
-            </a:bodyPr>
-            <a:lstStyle/>
-            <a:p>
-              <a:endParaRPr lang="zh-CN" altLang="en-US" sz="1400">
-                <a:latin typeface="XB Zar" panose="02000506090000020003" pitchFamily="2" charset="-78"/>
-                <a:cs typeface="XB Zar" panose="02000506090000020003" pitchFamily="2" charset="-78"/>
-              </a:endParaRPr>
-            </a:p>
-          </p:txBody>
-        </p:sp>
-        <p:sp>
-          <p:nvSpPr>
-            <p:cNvPr id="131" name="TextBox 130"/>
-            <p:cNvSpPr txBox="1"/>
-            <p:nvPr/>
-          </p:nvSpPr>
-          <p:spPr>
-            <a:xfrm>
-              <a:off x="3829685" y="737805"/>
-              <a:ext cx="706266" cy="338554"/>
-            </a:xfrm>
-            <a:prstGeom prst="rect">
-              <a:avLst/>
-            </a:prstGeom>
-            <a:noFill/>
-          </p:spPr>
-          <p:txBody>
-            <a:bodyPr wrap="square" rtlCol="0">
-              <a:spAutoFit/>
-            </a:bodyPr>
-            <a:lstStyle/>
-            <a:p>
-              <a:r>
-                <a:rPr lang="fa-IR" altLang="zh-CN" sz="1600" b="1" dirty="0" smtClean="0">
-                  <a:solidFill>
-                    <a:schemeClr val="tx1">
-                      <a:lumMod val="50000"/>
-                      <a:lumOff val="50000"/>
-                    </a:schemeClr>
-                  </a:solidFill>
-                  <a:latin typeface="XB Zar" panose="02000506090000020003" pitchFamily="2" charset="-78"/>
-                  <a:cs typeface="XB Zar" panose="02000506090000020003" pitchFamily="2" charset="-78"/>
-                </a:rPr>
-                <a:t>1995</a:t>
-              </a:r>
-              <a:endParaRPr lang="zh-CN" altLang="en-US" sz="1600" b="1" dirty="0">
-                <a:solidFill>
-                  <a:schemeClr val="tx1">
-                    <a:lumMod val="50000"/>
-                    <a:lumOff val="50000"/>
-                  </a:schemeClr>
-                </a:solidFill>
-                <a:latin typeface="XB Zar" panose="02000506090000020003" pitchFamily="2" charset="-78"/>
-                <a:cs typeface="XB Zar" panose="02000506090000020003" pitchFamily="2" charset="-78"/>
-              </a:endParaRPr>
-            </a:p>
-          </p:txBody>
-        </p:sp>
-        <p:sp>
-          <p:nvSpPr>
-            <p:cNvPr id="132" name="TextBox 131"/>
-            <p:cNvSpPr txBox="1"/>
-            <p:nvPr/>
-          </p:nvSpPr>
-          <p:spPr>
-            <a:xfrm>
-              <a:off x="1456753" y="1902147"/>
-              <a:ext cx="706266" cy="338554"/>
-            </a:xfrm>
-            <a:prstGeom prst="rect">
-              <a:avLst/>
-            </a:prstGeom>
-            <a:noFill/>
-          </p:spPr>
-          <p:txBody>
-            <a:bodyPr wrap="square" rtlCol="0">
-              <a:spAutoFit/>
-            </a:bodyPr>
-            <a:lstStyle/>
-            <a:p>
-              <a:r>
-                <a:rPr lang="fa-IR" altLang="zh-CN" sz="1600" b="1" dirty="0" smtClean="0">
-                  <a:solidFill>
-                    <a:schemeClr val="tx1">
-                      <a:lumMod val="50000"/>
-                      <a:lumOff val="50000"/>
-                    </a:schemeClr>
-                  </a:solidFill>
-                  <a:latin typeface="XB Zar" panose="02000506090000020003" pitchFamily="2" charset="-78"/>
-                  <a:cs typeface="XB Zar" panose="02000506090000020003" pitchFamily="2" charset="-78"/>
-                </a:rPr>
-                <a:t>2000</a:t>
-              </a:r>
-              <a:endParaRPr lang="zh-CN" altLang="en-US" sz="1600" b="1" dirty="0">
-                <a:solidFill>
-                  <a:schemeClr val="tx1">
-                    <a:lumMod val="50000"/>
-                    <a:lumOff val="50000"/>
-                  </a:schemeClr>
-                </a:solidFill>
-                <a:latin typeface="XB Zar" panose="02000506090000020003" pitchFamily="2" charset="-78"/>
-                <a:cs typeface="XB Zar" panose="02000506090000020003" pitchFamily="2" charset="-78"/>
-              </a:endParaRPr>
-            </a:p>
-          </p:txBody>
-        </p:sp>
-        <p:sp>
-          <p:nvSpPr>
-            <p:cNvPr id="133" name="Oval 42"/>
-            <p:cNvSpPr>
-              <a:spLocks noChangeArrowheads="1"/>
-            </p:cNvSpPr>
-            <p:nvPr/>
-          </p:nvSpPr>
-          <p:spPr bwMode="auto">
-            <a:xfrm>
-              <a:off x="2324469" y="2341815"/>
-              <a:ext cx="178044" cy="192101"/>
-            </a:xfrm>
-            <a:prstGeom prst="ellipse">
-              <a:avLst/>
-            </a:prstGeom>
-            <a:solidFill>
-              <a:srgbClr val="E2E2E2"/>
-            </a:solidFill>
-            <a:ln w="19050">
-              <a:solidFill>
-                <a:schemeClr val="accent2"/>
-              </a:solidFill>
-              <a:round/>
-              <a:headEnd/>
-              <a:tailEnd/>
-            </a:ln>
-            <a:extLst/>
-          </p:spPr>
-          <p:txBody>
-            <a:bodyPr vert="horz" wrap="square" lIns="91440" tIns="45720" rIns="91440" bIns="45720" numCol="1" anchor="t" anchorCtr="0" compatLnSpc="1">
-              <a:prstTxWarp prst="textNoShape">
-                <a:avLst/>
-              </a:prstTxWarp>
-            </a:bodyPr>
-            <a:lstStyle/>
-            <a:p>
-              <a:endParaRPr lang="zh-CN" altLang="en-US" sz="1400">
-                <a:latin typeface="XB Zar" panose="02000506090000020003" pitchFamily="2" charset="-78"/>
-                <a:cs typeface="XB Zar" panose="02000506090000020003" pitchFamily="2" charset="-78"/>
-              </a:endParaRPr>
-            </a:p>
-          </p:txBody>
-        </p:sp>
-        <p:sp>
-          <p:nvSpPr>
-            <p:cNvPr id="134" name="Oval 133"/>
-            <p:cNvSpPr>
-              <a:spLocks noChangeArrowheads="1"/>
-            </p:cNvSpPr>
-            <p:nvPr/>
-          </p:nvSpPr>
-          <p:spPr bwMode="auto">
-            <a:xfrm>
-              <a:off x="2913902" y="2341815"/>
-              <a:ext cx="178044" cy="192101"/>
-            </a:xfrm>
-            <a:prstGeom prst="ellipse">
-              <a:avLst/>
-            </a:prstGeom>
-            <a:solidFill>
-              <a:srgbClr val="E2E2E2"/>
-            </a:solidFill>
-            <a:ln w="19050">
-              <a:solidFill>
-                <a:schemeClr val="accent2"/>
-              </a:solidFill>
-              <a:round/>
-              <a:headEnd/>
-              <a:tailEnd/>
-            </a:ln>
-            <a:extLst/>
-          </p:spPr>
-          <p:txBody>
-            <a:bodyPr vert="horz" wrap="square" lIns="91440" tIns="45720" rIns="91440" bIns="45720" numCol="1" anchor="t" anchorCtr="0" compatLnSpc="1">
-              <a:prstTxWarp prst="textNoShape">
-                <a:avLst/>
-              </a:prstTxWarp>
-            </a:bodyPr>
-            <a:lstStyle/>
-            <a:p>
-              <a:endParaRPr lang="zh-CN" altLang="en-US" sz="1400">
-                <a:latin typeface="XB Zar" panose="02000506090000020003" pitchFamily="2" charset="-78"/>
-                <a:cs typeface="XB Zar" panose="02000506090000020003" pitchFamily="2" charset="-78"/>
-              </a:endParaRPr>
-            </a:p>
-          </p:txBody>
-        </p:sp>
-        <p:sp>
-          <p:nvSpPr>
-            <p:cNvPr id="135" name="Oval 42"/>
-            <p:cNvSpPr>
-              <a:spLocks noChangeArrowheads="1"/>
-            </p:cNvSpPr>
-            <p:nvPr/>
-          </p:nvSpPr>
-          <p:spPr bwMode="auto">
-            <a:xfrm>
-              <a:off x="3513862" y="2341815"/>
-              <a:ext cx="178044" cy="192101"/>
-            </a:xfrm>
-            <a:prstGeom prst="ellipse">
-              <a:avLst/>
-            </a:prstGeom>
-            <a:solidFill>
-              <a:srgbClr val="E2E2E2"/>
-            </a:solidFill>
-            <a:ln w="19050">
-              <a:solidFill>
-                <a:schemeClr val="accent2"/>
-              </a:solidFill>
-              <a:round/>
-              <a:headEnd/>
-              <a:tailEnd/>
-            </a:ln>
-            <a:extLst/>
-          </p:spPr>
-          <p:txBody>
-            <a:bodyPr vert="horz" wrap="square" lIns="91440" tIns="45720" rIns="91440" bIns="45720" numCol="1" anchor="t" anchorCtr="0" compatLnSpc="1">
-              <a:prstTxWarp prst="textNoShape">
-                <a:avLst/>
-              </a:prstTxWarp>
-            </a:bodyPr>
-            <a:lstStyle/>
-            <a:p>
-              <a:endParaRPr lang="zh-CN" altLang="en-US" sz="1400">
-                <a:latin typeface="XB Zar" panose="02000506090000020003" pitchFamily="2" charset="-78"/>
-                <a:cs typeface="XB Zar" panose="02000506090000020003" pitchFamily="2" charset="-78"/>
-              </a:endParaRPr>
-            </a:p>
-          </p:txBody>
-        </p:sp>
-        <p:sp>
-          <p:nvSpPr>
-            <p:cNvPr id="136" name="Oval 42"/>
-            <p:cNvSpPr>
-              <a:spLocks noChangeArrowheads="1"/>
-            </p:cNvSpPr>
-            <p:nvPr/>
-          </p:nvSpPr>
-          <p:spPr bwMode="auto">
-            <a:xfrm>
-              <a:off x="1726483" y="2341815"/>
-              <a:ext cx="178044" cy="192101"/>
-            </a:xfrm>
-            <a:prstGeom prst="ellipse">
-              <a:avLst/>
-            </a:prstGeom>
-            <a:solidFill>
-              <a:srgbClr val="E2E2E2"/>
-            </a:solidFill>
-            <a:ln w="19050">
-              <a:solidFill>
-                <a:schemeClr val="accent2"/>
-              </a:solidFill>
-              <a:round/>
-              <a:headEnd/>
-              <a:tailEnd/>
-            </a:ln>
-            <a:extLst/>
-          </p:spPr>
-          <p:txBody>
-            <a:bodyPr vert="horz" wrap="square" lIns="91440" tIns="45720" rIns="91440" bIns="45720" numCol="1" anchor="t" anchorCtr="0" compatLnSpc="1">
-              <a:prstTxWarp prst="textNoShape">
-                <a:avLst/>
-              </a:prstTxWarp>
-            </a:bodyPr>
-            <a:lstStyle/>
-            <a:p>
-              <a:endParaRPr lang="zh-CN" altLang="en-US" sz="1400">
-                <a:latin typeface="XB Zar" panose="02000506090000020003" pitchFamily="2" charset="-78"/>
-                <a:cs typeface="XB Zar" panose="02000506090000020003" pitchFamily="2" charset="-78"/>
-              </a:endParaRPr>
-            </a:p>
-          </p:txBody>
-        </p:sp>
-        <p:sp>
-          <p:nvSpPr>
-            <p:cNvPr id="137" name="TextBox 136"/>
-            <p:cNvSpPr txBox="1"/>
-            <p:nvPr/>
-          </p:nvSpPr>
-          <p:spPr>
-            <a:xfrm>
-              <a:off x="2034811" y="2480202"/>
-              <a:ext cx="706266" cy="338554"/>
-            </a:xfrm>
-            <a:prstGeom prst="rect">
-              <a:avLst/>
-            </a:prstGeom>
-            <a:noFill/>
-          </p:spPr>
-          <p:txBody>
-            <a:bodyPr wrap="square" rtlCol="0">
-              <a:spAutoFit/>
-            </a:bodyPr>
-            <a:lstStyle/>
-            <a:p>
-              <a:r>
-                <a:rPr lang="fa-IR" altLang="zh-CN" sz="1600" b="1" dirty="0" smtClean="0">
-                  <a:solidFill>
-                    <a:schemeClr val="tx1">
-                      <a:lumMod val="50000"/>
-                      <a:lumOff val="50000"/>
-                    </a:schemeClr>
-                  </a:solidFill>
-                  <a:latin typeface="XB Zar" panose="02000506090000020003" pitchFamily="2" charset="-78"/>
-                  <a:cs typeface="XB Zar" panose="02000506090000020003" pitchFamily="2" charset="-78"/>
-                </a:rPr>
-                <a:t>1999</a:t>
-              </a:r>
-              <a:endParaRPr lang="zh-CN" altLang="en-US" sz="1600" b="1" dirty="0">
-                <a:solidFill>
-                  <a:schemeClr val="tx1">
-                    <a:lumMod val="50000"/>
-                    <a:lumOff val="50000"/>
-                  </a:schemeClr>
-                </a:solidFill>
-                <a:latin typeface="XB Zar" panose="02000506090000020003" pitchFamily="2" charset="-78"/>
-                <a:cs typeface="XB Zar" panose="02000506090000020003" pitchFamily="2" charset="-78"/>
-              </a:endParaRPr>
-            </a:p>
-          </p:txBody>
-        </p:sp>
-        <p:sp>
-          <p:nvSpPr>
-            <p:cNvPr id="138" name="TextBox 137"/>
-            <p:cNvSpPr txBox="1"/>
-            <p:nvPr/>
-          </p:nvSpPr>
-          <p:spPr>
-            <a:xfrm>
-              <a:off x="2643194" y="1912096"/>
-              <a:ext cx="706266" cy="338554"/>
-            </a:xfrm>
-            <a:prstGeom prst="rect">
-              <a:avLst/>
-            </a:prstGeom>
-            <a:noFill/>
-          </p:spPr>
-          <p:txBody>
-            <a:bodyPr wrap="square" rtlCol="0">
-              <a:spAutoFit/>
-            </a:bodyPr>
-            <a:lstStyle/>
-            <a:p>
-              <a:r>
-                <a:rPr lang="fa-IR" altLang="zh-CN" sz="1600" b="1" dirty="0" smtClean="0">
-                  <a:solidFill>
-                    <a:schemeClr val="tx1">
-                      <a:lumMod val="50000"/>
-                      <a:lumOff val="50000"/>
-                    </a:schemeClr>
-                  </a:solidFill>
-                  <a:latin typeface="XB Zar" panose="02000506090000020003" pitchFamily="2" charset="-78"/>
-                  <a:cs typeface="XB Zar" panose="02000506090000020003" pitchFamily="2" charset="-78"/>
-                </a:rPr>
-                <a:t>1998</a:t>
-              </a:r>
-              <a:endParaRPr lang="zh-CN" altLang="en-US" sz="1600" b="1" dirty="0">
-                <a:solidFill>
-                  <a:schemeClr val="tx1">
-                    <a:lumMod val="50000"/>
-                    <a:lumOff val="50000"/>
-                  </a:schemeClr>
-                </a:solidFill>
-                <a:latin typeface="XB Zar" panose="02000506090000020003" pitchFamily="2" charset="-78"/>
-                <a:cs typeface="XB Zar" panose="02000506090000020003" pitchFamily="2" charset="-78"/>
-              </a:endParaRPr>
-            </a:p>
-          </p:txBody>
-        </p:sp>
-        <p:sp>
-          <p:nvSpPr>
-            <p:cNvPr id="139" name="TextBox 138"/>
-            <p:cNvSpPr txBox="1"/>
-            <p:nvPr/>
-          </p:nvSpPr>
-          <p:spPr>
-            <a:xfrm>
-              <a:off x="3240031" y="2579699"/>
-              <a:ext cx="706266" cy="338554"/>
-            </a:xfrm>
-            <a:prstGeom prst="rect">
-              <a:avLst/>
-            </a:prstGeom>
-            <a:noFill/>
-          </p:spPr>
-          <p:txBody>
-            <a:bodyPr wrap="square" rtlCol="0">
-              <a:spAutoFit/>
-            </a:bodyPr>
-            <a:lstStyle/>
-            <a:p>
-              <a:r>
-                <a:rPr lang="fa-IR" altLang="zh-CN" sz="1600" b="1" dirty="0" smtClean="0">
-                  <a:solidFill>
-                    <a:schemeClr val="tx1">
-                      <a:lumMod val="50000"/>
-                      <a:lumOff val="50000"/>
-                    </a:schemeClr>
-                  </a:solidFill>
-                  <a:latin typeface="XB Zar" panose="02000506090000020003" pitchFamily="2" charset="-78"/>
-                  <a:cs typeface="XB Zar" panose="02000506090000020003" pitchFamily="2" charset="-78"/>
-                </a:rPr>
-                <a:t>1997</a:t>
-              </a:r>
-              <a:endParaRPr lang="zh-CN" altLang="en-US" sz="1600" b="1" dirty="0">
-                <a:solidFill>
-                  <a:schemeClr val="tx1">
-                    <a:lumMod val="50000"/>
-                    <a:lumOff val="50000"/>
-                  </a:schemeClr>
-                </a:solidFill>
-                <a:latin typeface="XB Zar" panose="02000506090000020003" pitchFamily="2" charset="-78"/>
-                <a:cs typeface="XB Zar" panose="02000506090000020003" pitchFamily="2" charset="-78"/>
-              </a:endParaRPr>
-            </a:p>
-          </p:txBody>
-        </p:sp>
-        <p:sp>
-          <p:nvSpPr>
-            <p:cNvPr id="140" name="Oval 42"/>
-            <p:cNvSpPr>
-              <a:spLocks noChangeArrowheads="1"/>
-            </p:cNvSpPr>
-            <p:nvPr/>
-          </p:nvSpPr>
-          <p:spPr bwMode="auto">
-            <a:xfrm>
-              <a:off x="4104662" y="2341815"/>
-              <a:ext cx="178044" cy="192101"/>
-            </a:xfrm>
-            <a:prstGeom prst="ellipse">
-              <a:avLst/>
-            </a:prstGeom>
-            <a:solidFill>
-              <a:srgbClr val="E2E2E2"/>
-            </a:solidFill>
-            <a:ln w="19050">
-              <a:solidFill>
-                <a:schemeClr val="accent2"/>
-              </a:solidFill>
-              <a:round/>
-              <a:headEnd/>
-              <a:tailEnd/>
-            </a:ln>
-            <a:extLst/>
-          </p:spPr>
-          <p:txBody>
-            <a:bodyPr vert="horz" wrap="square" lIns="91440" tIns="45720" rIns="91440" bIns="45720" numCol="1" anchor="t" anchorCtr="0" compatLnSpc="1">
-              <a:prstTxWarp prst="textNoShape">
-                <a:avLst/>
-              </a:prstTxWarp>
-            </a:bodyPr>
-            <a:lstStyle/>
-            <a:p>
-              <a:endParaRPr lang="zh-CN" altLang="en-US" sz="1400">
-                <a:latin typeface="XB Zar" panose="02000506090000020003" pitchFamily="2" charset="-78"/>
-                <a:cs typeface="XB Zar" panose="02000506090000020003" pitchFamily="2" charset="-78"/>
-              </a:endParaRPr>
-            </a:p>
-          </p:txBody>
-        </p:sp>
-        <p:sp>
-          <p:nvSpPr>
-            <p:cNvPr id="141" name="TextBox 140"/>
-            <p:cNvSpPr txBox="1"/>
-            <p:nvPr/>
-          </p:nvSpPr>
-          <p:spPr>
-            <a:xfrm>
-              <a:off x="3830174" y="1907837"/>
-              <a:ext cx="706266" cy="338554"/>
-            </a:xfrm>
-            <a:prstGeom prst="rect">
-              <a:avLst/>
-            </a:prstGeom>
-            <a:noFill/>
-          </p:spPr>
-          <p:txBody>
-            <a:bodyPr wrap="square" rtlCol="0">
-              <a:spAutoFit/>
-            </a:bodyPr>
-            <a:lstStyle/>
-            <a:p>
-              <a:r>
-                <a:rPr lang="fa-IR" altLang="zh-CN" sz="1600" b="1" dirty="0" smtClean="0">
-                  <a:solidFill>
-                    <a:schemeClr val="tx1">
-                      <a:lumMod val="50000"/>
-                      <a:lumOff val="50000"/>
-                    </a:schemeClr>
-                  </a:solidFill>
-                  <a:latin typeface="XB Zar" panose="02000506090000020003" pitchFamily="2" charset="-78"/>
-                  <a:cs typeface="XB Zar" panose="02000506090000020003" pitchFamily="2" charset="-78"/>
-                </a:rPr>
-                <a:t>1996</a:t>
-              </a:r>
-              <a:endParaRPr lang="zh-CN" altLang="en-US" sz="1600" b="1" dirty="0">
-                <a:solidFill>
-                  <a:schemeClr val="tx1">
-                    <a:lumMod val="50000"/>
-                    <a:lumOff val="50000"/>
-                  </a:schemeClr>
-                </a:solidFill>
-                <a:latin typeface="XB Zar" panose="02000506090000020003" pitchFamily="2" charset="-78"/>
-                <a:cs typeface="XB Zar" panose="02000506090000020003" pitchFamily="2" charset="-78"/>
-              </a:endParaRPr>
-            </a:p>
-          </p:txBody>
-        </p:sp>
-        <p:sp>
-          <p:nvSpPr>
-            <p:cNvPr id="142" name="TextBox 141"/>
-            <p:cNvSpPr txBox="1"/>
-            <p:nvPr/>
-          </p:nvSpPr>
-          <p:spPr>
-            <a:xfrm>
-              <a:off x="1483377" y="3070472"/>
-              <a:ext cx="706266" cy="338554"/>
-            </a:xfrm>
-            <a:prstGeom prst="rect">
-              <a:avLst/>
-            </a:prstGeom>
-            <a:noFill/>
-          </p:spPr>
-          <p:txBody>
-            <a:bodyPr wrap="square" rtlCol="0">
-              <a:spAutoFit/>
-            </a:bodyPr>
-            <a:lstStyle/>
-            <a:p>
-              <a:r>
-                <a:rPr lang="fa-IR" altLang="zh-CN" sz="1600" b="1" dirty="0" smtClean="0">
-                  <a:solidFill>
-                    <a:schemeClr val="tx1">
-                      <a:lumMod val="50000"/>
-                      <a:lumOff val="50000"/>
-                    </a:schemeClr>
-                  </a:solidFill>
-                  <a:latin typeface="XB Zar" panose="02000506090000020003" pitchFamily="2" charset="-78"/>
-                  <a:cs typeface="XB Zar" panose="02000506090000020003" pitchFamily="2" charset="-78"/>
-                </a:rPr>
-                <a:t>2001</a:t>
-              </a:r>
-              <a:endParaRPr lang="zh-CN" altLang="en-US" sz="1600" b="1" dirty="0">
-                <a:solidFill>
-                  <a:schemeClr val="tx1">
-                    <a:lumMod val="50000"/>
-                    <a:lumOff val="50000"/>
-                  </a:schemeClr>
-                </a:solidFill>
-                <a:latin typeface="XB Zar" panose="02000506090000020003" pitchFamily="2" charset="-78"/>
-                <a:cs typeface="XB Zar" panose="02000506090000020003" pitchFamily="2" charset="-78"/>
-              </a:endParaRPr>
-            </a:p>
-          </p:txBody>
-        </p:sp>
-        <p:sp>
-          <p:nvSpPr>
-            <p:cNvPr id="143" name="Oval 42"/>
-            <p:cNvSpPr>
-              <a:spLocks noChangeArrowheads="1"/>
-            </p:cNvSpPr>
-            <p:nvPr/>
-          </p:nvSpPr>
-          <p:spPr bwMode="auto">
-            <a:xfrm>
-              <a:off x="2324469" y="3505568"/>
-              <a:ext cx="178044" cy="192101"/>
-            </a:xfrm>
-            <a:prstGeom prst="ellipse">
-              <a:avLst/>
-            </a:prstGeom>
-            <a:solidFill>
-              <a:srgbClr val="E2E2E2"/>
-            </a:solidFill>
-            <a:ln w="19050">
-              <a:solidFill>
-                <a:schemeClr val="accent3"/>
-              </a:solidFill>
-              <a:round/>
-              <a:headEnd/>
-              <a:tailEnd/>
-            </a:ln>
-            <a:extLst/>
-          </p:spPr>
-          <p:txBody>
-            <a:bodyPr vert="horz" wrap="square" lIns="91440" tIns="45720" rIns="91440" bIns="45720" numCol="1" anchor="t" anchorCtr="0" compatLnSpc="1">
-              <a:prstTxWarp prst="textNoShape">
-                <a:avLst/>
-              </a:prstTxWarp>
-            </a:bodyPr>
-            <a:lstStyle/>
-            <a:p>
-              <a:endParaRPr lang="zh-CN" altLang="en-US" sz="1400">
-                <a:latin typeface="XB Zar" panose="02000506090000020003" pitchFamily="2" charset="-78"/>
-                <a:cs typeface="XB Zar" panose="02000506090000020003" pitchFamily="2" charset="-78"/>
-              </a:endParaRPr>
-            </a:p>
-          </p:txBody>
-        </p:sp>
-        <p:sp>
-          <p:nvSpPr>
-            <p:cNvPr id="144" name="Oval 143"/>
-            <p:cNvSpPr>
-              <a:spLocks noChangeArrowheads="1"/>
-            </p:cNvSpPr>
-            <p:nvPr/>
-          </p:nvSpPr>
-          <p:spPr bwMode="auto">
-            <a:xfrm>
-              <a:off x="2913902" y="3505568"/>
-              <a:ext cx="178044" cy="192101"/>
-            </a:xfrm>
-            <a:prstGeom prst="ellipse">
-              <a:avLst/>
-            </a:prstGeom>
-            <a:solidFill>
-              <a:srgbClr val="E2E2E2"/>
-            </a:solidFill>
-            <a:ln w="19050">
-              <a:solidFill>
-                <a:schemeClr val="accent3"/>
-              </a:solidFill>
-              <a:round/>
-              <a:headEnd/>
-              <a:tailEnd/>
-            </a:ln>
-            <a:extLst/>
-          </p:spPr>
-          <p:txBody>
-            <a:bodyPr vert="horz" wrap="square" lIns="91440" tIns="45720" rIns="91440" bIns="45720" numCol="1" anchor="t" anchorCtr="0" compatLnSpc="1">
-              <a:prstTxWarp prst="textNoShape">
-                <a:avLst/>
-              </a:prstTxWarp>
-            </a:bodyPr>
-            <a:lstStyle/>
-            <a:p>
-              <a:endParaRPr lang="zh-CN" altLang="en-US" sz="1400">
-                <a:latin typeface="XB Zar" panose="02000506090000020003" pitchFamily="2" charset="-78"/>
-                <a:cs typeface="XB Zar" panose="02000506090000020003" pitchFamily="2" charset="-78"/>
-              </a:endParaRPr>
-            </a:p>
-          </p:txBody>
-        </p:sp>
-        <p:sp>
-          <p:nvSpPr>
-            <p:cNvPr id="145" name="Oval 42"/>
-            <p:cNvSpPr>
-              <a:spLocks noChangeArrowheads="1"/>
-            </p:cNvSpPr>
-            <p:nvPr/>
-          </p:nvSpPr>
-          <p:spPr bwMode="auto">
-            <a:xfrm>
-              <a:off x="3513862" y="3505568"/>
-              <a:ext cx="178044" cy="192101"/>
-            </a:xfrm>
-            <a:prstGeom prst="ellipse">
-              <a:avLst/>
-            </a:prstGeom>
-            <a:solidFill>
-              <a:srgbClr val="E2E2E2"/>
-            </a:solidFill>
-            <a:ln w="19050">
-              <a:solidFill>
-                <a:schemeClr val="accent3"/>
-              </a:solidFill>
-              <a:round/>
-              <a:headEnd/>
-              <a:tailEnd/>
-            </a:ln>
-            <a:extLst/>
-          </p:spPr>
-          <p:txBody>
-            <a:bodyPr vert="horz" wrap="square" lIns="91440" tIns="45720" rIns="91440" bIns="45720" numCol="1" anchor="t" anchorCtr="0" compatLnSpc="1">
-              <a:prstTxWarp prst="textNoShape">
-                <a:avLst/>
-              </a:prstTxWarp>
-            </a:bodyPr>
-            <a:lstStyle/>
-            <a:p>
-              <a:endParaRPr lang="zh-CN" altLang="en-US" sz="1400">
-                <a:latin typeface="XB Zar" panose="02000506090000020003" pitchFamily="2" charset="-78"/>
-                <a:cs typeface="XB Zar" panose="02000506090000020003" pitchFamily="2" charset="-78"/>
-              </a:endParaRPr>
-            </a:p>
-          </p:txBody>
-        </p:sp>
-        <p:sp>
-          <p:nvSpPr>
-            <p:cNvPr id="146" name="Oval 42"/>
-            <p:cNvSpPr>
-              <a:spLocks noChangeArrowheads="1"/>
-            </p:cNvSpPr>
-            <p:nvPr/>
-          </p:nvSpPr>
-          <p:spPr bwMode="auto">
-            <a:xfrm>
-              <a:off x="1726483" y="3505568"/>
-              <a:ext cx="178044" cy="192101"/>
-            </a:xfrm>
-            <a:prstGeom prst="ellipse">
-              <a:avLst/>
-            </a:prstGeom>
-            <a:solidFill>
-              <a:srgbClr val="E2E2E2"/>
-            </a:solidFill>
-            <a:ln w="19050">
-              <a:solidFill>
-                <a:schemeClr val="accent3"/>
-              </a:solidFill>
-              <a:round/>
-              <a:headEnd/>
-              <a:tailEnd/>
-            </a:ln>
-            <a:extLst/>
-          </p:spPr>
-          <p:txBody>
-            <a:bodyPr vert="horz" wrap="square" lIns="91440" tIns="45720" rIns="91440" bIns="45720" numCol="1" anchor="t" anchorCtr="0" compatLnSpc="1">
-              <a:prstTxWarp prst="textNoShape">
-                <a:avLst/>
-              </a:prstTxWarp>
-            </a:bodyPr>
-            <a:lstStyle/>
-            <a:p>
-              <a:endParaRPr lang="zh-CN" altLang="en-US" sz="1400">
-                <a:latin typeface="XB Zar" panose="02000506090000020003" pitchFamily="2" charset="-78"/>
-                <a:cs typeface="XB Zar" panose="02000506090000020003" pitchFamily="2" charset="-78"/>
-              </a:endParaRPr>
-            </a:p>
-          </p:txBody>
-        </p:sp>
-        <p:sp>
-          <p:nvSpPr>
-            <p:cNvPr id="147" name="TextBox 146"/>
-            <p:cNvSpPr txBox="1"/>
-            <p:nvPr/>
-          </p:nvSpPr>
-          <p:spPr>
-            <a:xfrm>
-              <a:off x="2061435" y="3735444"/>
-              <a:ext cx="706266" cy="338554"/>
-            </a:xfrm>
-            <a:prstGeom prst="rect">
-              <a:avLst/>
-            </a:prstGeom>
-            <a:noFill/>
-          </p:spPr>
-          <p:txBody>
-            <a:bodyPr wrap="square" rtlCol="0">
-              <a:spAutoFit/>
-            </a:bodyPr>
-            <a:lstStyle/>
-            <a:p>
-              <a:r>
-                <a:rPr lang="fa-IR" altLang="zh-CN" sz="1600" b="1" dirty="0" smtClean="0">
-                  <a:solidFill>
-                    <a:schemeClr val="tx1">
-                      <a:lumMod val="50000"/>
-                      <a:lumOff val="50000"/>
-                    </a:schemeClr>
-                  </a:solidFill>
-                  <a:latin typeface="XB Zar" panose="02000506090000020003" pitchFamily="2" charset="-78"/>
-                  <a:cs typeface="XB Zar" panose="02000506090000020003" pitchFamily="2" charset="-78"/>
-                </a:rPr>
-                <a:t>2002</a:t>
-              </a:r>
-              <a:endParaRPr lang="zh-CN" altLang="en-US" sz="1600" b="1" dirty="0">
-                <a:solidFill>
-                  <a:schemeClr val="tx1">
-                    <a:lumMod val="50000"/>
-                    <a:lumOff val="50000"/>
-                  </a:schemeClr>
-                </a:solidFill>
-                <a:latin typeface="XB Zar" panose="02000506090000020003" pitchFamily="2" charset="-78"/>
-                <a:cs typeface="XB Zar" panose="02000506090000020003" pitchFamily="2" charset="-78"/>
-              </a:endParaRPr>
-            </a:p>
-          </p:txBody>
-        </p:sp>
-        <p:sp>
-          <p:nvSpPr>
-            <p:cNvPr id="148" name="TextBox 147"/>
-            <p:cNvSpPr txBox="1"/>
-            <p:nvPr/>
-          </p:nvSpPr>
-          <p:spPr>
-            <a:xfrm>
-              <a:off x="2643194" y="3080421"/>
-              <a:ext cx="732890" cy="338554"/>
-            </a:xfrm>
-            <a:prstGeom prst="rect">
-              <a:avLst/>
-            </a:prstGeom>
-            <a:noFill/>
-          </p:spPr>
-          <p:txBody>
-            <a:bodyPr wrap="square" rtlCol="0">
-              <a:spAutoFit/>
-            </a:bodyPr>
-            <a:lstStyle/>
-            <a:p>
-              <a:r>
-                <a:rPr lang="fa-IR" altLang="zh-CN" sz="1600" b="1" dirty="0" smtClean="0">
-                  <a:solidFill>
-                    <a:schemeClr val="tx1">
-                      <a:lumMod val="50000"/>
-                      <a:lumOff val="50000"/>
-                    </a:schemeClr>
-                  </a:solidFill>
-                  <a:latin typeface="XB Zar" panose="02000506090000020003" pitchFamily="2" charset="-78"/>
-                  <a:cs typeface="XB Zar" panose="02000506090000020003" pitchFamily="2" charset="-78"/>
-                </a:rPr>
-                <a:t>2003</a:t>
-              </a:r>
-              <a:endParaRPr lang="zh-CN" altLang="en-US" sz="1600" b="1" dirty="0">
-                <a:solidFill>
-                  <a:schemeClr val="tx1">
-                    <a:lumMod val="50000"/>
-                    <a:lumOff val="50000"/>
-                  </a:schemeClr>
-                </a:solidFill>
-                <a:latin typeface="XB Zar" panose="02000506090000020003" pitchFamily="2" charset="-78"/>
-                <a:cs typeface="XB Zar" panose="02000506090000020003" pitchFamily="2" charset="-78"/>
-              </a:endParaRPr>
-            </a:p>
-          </p:txBody>
-        </p:sp>
-        <p:sp>
-          <p:nvSpPr>
-            <p:cNvPr id="149" name="TextBox 148"/>
-            <p:cNvSpPr txBox="1"/>
-            <p:nvPr/>
-          </p:nvSpPr>
-          <p:spPr>
-            <a:xfrm>
-              <a:off x="3266655" y="3748024"/>
-              <a:ext cx="706266" cy="338554"/>
-            </a:xfrm>
-            <a:prstGeom prst="rect">
-              <a:avLst/>
-            </a:prstGeom>
-            <a:noFill/>
-          </p:spPr>
-          <p:txBody>
-            <a:bodyPr wrap="square" rtlCol="0">
-              <a:spAutoFit/>
-            </a:bodyPr>
-            <a:lstStyle/>
-            <a:p>
-              <a:r>
-                <a:rPr lang="fa-IR" altLang="zh-CN" sz="1600" b="1" dirty="0" smtClean="0">
-                  <a:solidFill>
-                    <a:schemeClr val="tx1">
-                      <a:lumMod val="50000"/>
-                      <a:lumOff val="50000"/>
-                    </a:schemeClr>
-                  </a:solidFill>
-                  <a:latin typeface="XB Zar" panose="02000506090000020003" pitchFamily="2" charset="-78"/>
-                  <a:cs typeface="XB Zar" panose="02000506090000020003" pitchFamily="2" charset="-78"/>
-                </a:rPr>
-                <a:t>2004</a:t>
-              </a:r>
-              <a:endParaRPr lang="zh-CN" altLang="en-US" sz="1600" b="1" dirty="0">
-                <a:solidFill>
-                  <a:schemeClr val="tx1">
-                    <a:lumMod val="50000"/>
-                    <a:lumOff val="50000"/>
-                  </a:schemeClr>
-                </a:solidFill>
-                <a:latin typeface="XB Zar" panose="02000506090000020003" pitchFamily="2" charset="-78"/>
-                <a:cs typeface="XB Zar" panose="02000506090000020003" pitchFamily="2" charset="-78"/>
-              </a:endParaRPr>
-            </a:p>
-          </p:txBody>
-        </p:sp>
-        <p:sp>
-          <p:nvSpPr>
-            <p:cNvPr id="150" name="Oval 42"/>
-            <p:cNvSpPr>
-              <a:spLocks noChangeArrowheads="1"/>
-            </p:cNvSpPr>
-            <p:nvPr/>
-          </p:nvSpPr>
-          <p:spPr bwMode="auto">
-            <a:xfrm>
-              <a:off x="4104662" y="3505568"/>
-              <a:ext cx="178044" cy="192101"/>
-            </a:xfrm>
-            <a:prstGeom prst="ellipse">
-              <a:avLst/>
-            </a:prstGeom>
-            <a:solidFill>
-              <a:srgbClr val="E2E2E2"/>
-            </a:solidFill>
-            <a:ln w="19050">
-              <a:solidFill>
-                <a:schemeClr val="accent3"/>
-              </a:solidFill>
-              <a:round/>
-              <a:headEnd/>
-              <a:tailEnd/>
-            </a:ln>
-            <a:extLst/>
-          </p:spPr>
-          <p:txBody>
-            <a:bodyPr vert="horz" wrap="square" lIns="91440" tIns="45720" rIns="91440" bIns="45720" numCol="1" anchor="t" anchorCtr="0" compatLnSpc="1">
-              <a:prstTxWarp prst="textNoShape">
-                <a:avLst/>
-              </a:prstTxWarp>
-            </a:bodyPr>
-            <a:lstStyle/>
-            <a:p>
-              <a:endParaRPr lang="zh-CN" altLang="en-US" sz="1400">
-                <a:latin typeface="XB Zar" panose="02000506090000020003" pitchFamily="2" charset="-78"/>
-                <a:cs typeface="XB Zar" panose="02000506090000020003" pitchFamily="2" charset="-78"/>
-              </a:endParaRPr>
-            </a:p>
-          </p:txBody>
-        </p:sp>
-        <p:sp>
-          <p:nvSpPr>
-            <p:cNvPr id="151" name="TextBox 150"/>
-            <p:cNvSpPr txBox="1"/>
-            <p:nvPr/>
-          </p:nvSpPr>
-          <p:spPr>
-            <a:xfrm>
-              <a:off x="3856798" y="3076162"/>
-              <a:ext cx="706266" cy="338554"/>
-            </a:xfrm>
-            <a:prstGeom prst="rect">
-              <a:avLst/>
-            </a:prstGeom>
-            <a:noFill/>
-          </p:spPr>
-          <p:txBody>
-            <a:bodyPr wrap="square" rtlCol="0">
-              <a:spAutoFit/>
-            </a:bodyPr>
-            <a:lstStyle/>
-            <a:p>
-              <a:r>
-                <a:rPr lang="fa-IR" altLang="zh-CN" sz="1600" b="1" dirty="0" smtClean="0">
-                  <a:solidFill>
-                    <a:schemeClr val="tx1">
-                      <a:lumMod val="50000"/>
-                      <a:lumOff val="50000"/>
-                    </a:schemeClr>
-                  </a:solidFill>
-                  <a:latin typeface="XB Zar" panose="02000506090000020003" pitchFamily="2" charset="-78"/>
-                  <a:cs typeface="XB Zar" panose="02000506090000020003" pitchFamily="2" charset="-78"/>
-                </a:rPr>
-                <a:t>2005</a:t>
-              </a:r>
-              <a:endParaRPr lang="zh-CN" altLang="en-US" sz="1600" b="1" dirty="0">
-                <a:solidFill>
-                  <a:schemeClr val="tx1">
-                    <a:lumMod val="50000"/>
-                    <a:lumOff val="50000"/>
-                  </a:schemeClr>
-                </a:solidFill>
-                <a:latin typeface="XB Zar" panose="02000506090000020003" pitchFamily="2" charset="-78"/>
-                <a:cs typeface="XB Zar" panose="02000506090000020003" pitchFamily="2" charset="-78"/>
-              </a:endParaRPr>
-            </a:p>
-          </p:txBody>
-        </p:sp>
-        <p:sp>
-          <p:nvSpPr>
-            <p:cNvPr id="152" name="TextBox 151"/>
-            <p:cNvSpPr txBox="1"/>
-            <p:nvPr/>
-          </p:nvSpPr>
-          <p:spPr>
-            <a:xfrm>
-              <a:off x="1456753" y="4218387"/>
-              <a:ext cx="706266" cy="338554"/>
-            </a:xfrm>
-            <a:prstGeom prst="rect">
-              <a:avLst/>
-            </a:prstGeom>
-            <a:noFill/>
-          </p:spPr>
-          <p:txBody>
-            <a:bodyPr wrap="square" rtlCol="0">
-              <a:spAutoFit/>
-            </a:bodyPr>
-            <a:lstStyle/>
-            <a:p>
-              <a:r>
-                <a:rPr lang="fa-IR" altLang="zh-CN" sz="1600" b="1" dirty="0" smtClean="0">
-                  <a:solidFill>
-                    <a:schemeClr val="tx1">
-                      <a:lumMod val="50000"/>
-                      <a:lumOff val="50000"/>
-                    </a:schemeClr>
-                  </a:solidFill>
-                  <a:latin typeface="XB Zar" panose="02000506090000020003" pitchFamily="2" charset="-78"/>
-                  <a:cs typeface="XB Zar" panose="02000506090000020003" pitchFamily="2" charset="-78"/>
-                </a:rPr>
-                <a:t>2010</a:t>
-              </a:r>
-              <a:endParaRPr lang="zh-CN" altLang="en-US" sz="1600" b="1" dirty="0">
-                <a:solidFill>
-                  <a:schemeClr val="tx1">
-                    <a:lumMod val="50000"/>
-                    <a:lumOff val="50000"/>
-                  </a:schemeClr>
-                </a:solidFill>
-                <a:latin typeface="XB Zar" panose="02000506090000020003" pitchFamily="2" charset="-78"/>
-                <a:cs typeface="XB Zar" panose="02000506090000020003" pitchFamily="2" charset="-78"/>
-              </a:endParaRPr>
-            </a:p>
-          </p:txBody>
-        </p:sp>
-        <p:sp>
-          <p:nvSpPr>
-            <p:cNvPr id="153" name="Oval 42"/>
-            <p:cNvSpPr>
-              <a:spLocks noChangeArrowheads="1"/>
-            </p:cNvSpPr>
-            <p:nvPr/>
-          </p:nvSpPr>
-          <p:spPr bwMode="auto">
-            <a:xfrm>
-              <a:off x="2324469" y="4662102"/>
-              <a:ext cx="178044" cy="192101"/>
-            </a:xfrm>
-            <a:prstGeom prst="ellipse">
-              <a:avLst/>
-            </a:prstGeom>
-            <a:solidFill>
-              <a:srgbClr val="E2E2E2"/>
-            </a:solidFill>
-            <a:ln w="19050">
-              <a:solidFill>
-                <a:schemeClr val="accent2"/>
-              </a:solidFill>
-              <a:round/>
-              <a:headEnd/>
-              <a:tailEnd/>
-            </a:ln>
-            <a:extLst/>
-          </p:spPr>
-          <p:txBody>
-            <a:bodyPr vert="horz" wrap="square" lIns="91440" tIns="45720" rIns="91440" bIns="45720" numCol="1" anchor="t" anchorCtr="0" compatLnSpc="1">
-              <a:prstTxWarp prst="textNoShape">
-                <a:avLst/>
-              </a:prstTxWarp>
-            </a:bodyPr>
-            <a:lstStyle/>
-            <a:p>
-              <a:endParaRPr lang="zh-CN" altLang="en-US" sz="1400">
-                <a:latin typeface="XB Zar" panose="02000506090000020003" pitchFamily="2" charset="-78"/>
-                <a:cs typeface="XB Zar" panose="02000506090000020003" pitchFamily="2" charset="-78"/>
-              </a:endParaRPr>
-            </a:p>
-          </p:txBody>
-        </p:sp>
-        <p:sp>
-          <p:nvSpPr>
-            <p:cNvPr id="154" name="Oval 153"/>
-            <p:cNvSpPr>
-              <a:spLocks noChangeArrowheads="1"/>
-            </p:cNvSpPr>
-            <p:nvPr/>
-          </p:nvSpPr>
-          <p:spPr bwMode="auto">
-            <a:xfrm>
-              <a:off x="2913902" y="4662102"/>
-              <a:ext cx="178044" cy="192101"/>
-            </a:xfrm>
-            <a:prstGeom prst="ellipse">
-              <a:avLst/>
-            </a:prstGeom>
-            <a:solidFill>
-              <a:srgbClr val="E2E2E2"/>
-            </a:solidFill>
-            <a:ln w="19050">
-              <a:solidFill>
-                <a:schemeClr val="accent2"/>
-              </a:solidFill>
-              <a:round/>
-              <a:headEnd/>
-              <a:tailEnd/>
-            </a:ln>
-            <a:extLst/>
-          </p:spPr>
-          <p:txBody>
-            <a:bodyPr vert="horz" wrap="square" lIns="91440" tIns="45720" rIns="91440" bIns="45720" numCol="1" anchor="t" anchorCtr="0" compatLnSpc="1">
-              <a:prstTxWarp prst="textNoShape">
-                <a:avLst/>
-              </a:prstTxWarp>
-            </a:bodyPr>
-            <a:lstStyle/>
-            <a:p>
-              <a:endParaRPr lang="zh-CN" altLang="en-US" sz="1400">
-                <a:latin typeface="XB Zar" panose="02000506090000020003" pitchFamily="2" charset="-78"/>
-                <a:cs typeface="XB Zar" panose="02000506090000020003" pitchFamily="2" charset="-78"/>
-              </a:endParaRPr>
-            </a:p>
-          </p:txBody>
-        </p:sp>
-        <p:sp>
-          <p:nvSpPr>
-            <p:cNvPr id="155" name="Oval 42"/>
-            <p:cNvSpPr>
-              <a:spLocks noChangeArrowheads="1"/>
-            </p:cNvSpPr>
-            <p:nvPr/>
-          </p:nvSpPr>
-          <p:spPr bwMode="auto">
-            <a:xfrm>
-              <a:off x="3513862" y="4662102"/>
-              <a:ext cx="178044" cy="192101"/>
-            </a:xfrm>
-            <a:prstGeom prst="ellipse">
-              <a:avLst/>
-            </a:prstGeom>
-            <a:solidFill>
-              <a:srgbClr val="E2E2E2"/>
-            </a:solidFill>
-            <a:ln w="19050">
-              <a:solidFill>
-                <a:schemeClr val="accent2"/>
-              </a:solidFill>
-              <a:round/>
-              <a:headEnd/>
-              <a:tailEnd/>
-            </a:ln>
-            <a:extLst/>
-          </p:spPr>
-          <p:txBody>
-            <a:bodyPr vert="horz" wrap="square" lIns="91440" tIns="45720" rIns="91440" bIns="45720" numCol="1" anchor="t" anchorCtr="0" compatLnSpc="1">
-              <a:prstTxWarp prst="textNoShape">
-                <a:avLst/>
-              </a:prstTxWarp>
-            </a:bodyPr>
-            <a:lstStyle/>
-            <a:p>
-              <a:endParaRPr lang="zh-CN" altLang="en-US" sz="1400">
-                <a:latin typeface="XB Zar" panose="02000506090000020003" pitchFamily="2" charset="-78"/>
-                <a:cs typeface="XB Zar" panose="02000506090000020003" pitchFamily="2" charset="-78"/>
-              </a:endParaRPr>
-            </a:p>
-          </p:txBody>
-        </p:sp>
-        <p:sp>
-          <p:nvSpPr>
-            <p:cNvPr id="156" name="Oval 42"/>
-            <p:cNvSpPr>
-              <a:spLocks noChangeArrowheads="1"/>
-            </p:cNvSpPr>
-            <p:nvPr/>
-          </p:nvSpPr>
-          <p:spPr bwMode="auto">
-            <a:xfrm>
-              <a:off x="1726483" y="4662102"/>
-              <a:ext cx="178044" cy="192101"/>
-            </a:xfrm>
-            <a:prstGeom prst="ellipse">
-              <a:avLst/>
-            </a:prstGeom>
-            <a:solidFill>
-              <a:srgbClr val="E2E2E2"/>
-            </a:solidFill>
-            <a:ln w="19050">
-              <a:solidFill>
-                <a:schemeClr val="accent2"/>
-              </a:solidFill>
-              <a:round/>
-              <a:headEnd/>
-              <a:tailEnd/>
-            </a:ln>
-            <a:extLst/>
-          </p:spPr>
-          <p:txBody>
-            <a:bodyPr vert="horz" wrap="square" lIns="91440" tIns="45720" rIns="91440" bIns="45720" numCol="1" anchor="t" anchorCtr="0" compatLnSpc="1">
-              <a:prstTxWarp prst="textNoShape">
-                <a:avLst/>
-              </a:prstTxWarp>
-            </a:bodyPr>
-            <a:lstStyle/>
-            <a:p>
-              <a:endParaRPr lang="zh-CN" altLang="en-US" sz="1400">
-                <a:latin typeface="XB Zar" panose="02000506090000020003" pitchFamily="2" charset="-78"/>
-                <a:cs typeface="XB Zar" panose="02000506090000020003" pitchFamily="2" charset="-78"/>
-              </a:endParaRPr>
-            </a:p>
-          </p:txBody>
-        </p:sp>
-        <p:sp>
-          <p:nvSpPr>
-            <p:cNvPr id="157" name="TextBox 156"/>
-            <p:cNvSpPr txBox="1"/>
-            <p:nvPr/>
-          </p:nvSpPr>
-          <p:spPr>
-            <a:xfrm>
-              <a:off x="2034811" y="4883359"/>
-              <a:ext cx="706266" cy="338554"/>
-            </a:xfrm>
-            <a:prstGeom prst="rect">
-              <a:avLst/>
-            </a:prstGeom>
-            <a:noFill/>
-          </p:spPr>
-          <p:txBody>
-            <a:bodyPr wrap="square" rtlCol="0">
-              <a:spAutoFit/>
-            </a:bodyPr>
-            <a:lstStyle/>
-            <a:p>
-              <a:r>
-                <a:rPr lang="fa-IR" altLang="zh-CN" sz="1600" b="1" dirty="0" smtClean="0">
-                  <a:solidFill>
-                    <a:schemeClr val="tx1">
-                      <a:lumMod val="50000"/>
-                      <a:lumOff val="50000"/>
-                    </a:schemeClr>
-                  </a:solidFill>
-                  <a:latin typeface="XB Zar" panose="02000506090000020003" pitchFamily="2" charset="-78"/>
-                  <a:cs typeface="XB Zar" panose="02000506090000020003" pitchFamily="2" charset="-78"/>
-                </a:rPr>
-                <a:t>2009</a:t>
-              </a:r>
-              <a:endParaRPr lang="zh-CN" altLang="en-US" sz="1600" b="1" dirty="0">
-                <a:solidFill>
-                  <a:schemeClr val="tx1">
-                    <a:lumMod val="50000"/>
-                    <a:lumOff val="50000"/>
-                  </a:schemeClr>
-                </a:solidFill>
-                <a:latin typeface="XB Zar" panose="02000506090000020003" pitchFamily="2" charset="-78"/>
-                <a:cs typeface="XB Zar" panose="02000506090000020003" pitchFamily="2" charset="-78"/>
-              </a:endParaRPr>
-            </a:p>
-          </p:txBody>
-        </p:sp>
-        <p:sp>
-          <p:nvSpPr>
-            <p:cNvPr id="158" name="TextBox 157"/>
-            <p:cNvSpPr txBox="1"/>
-            <p:nvPr/>
-          </p:nvSpPr>
-          <p:spPr>
-            <a:xfrm>
-              <a:off x="2616570" y="4228336"/>
-              <a:ext cx="732890" cy="338554"/>
-            </a:xfrm>
-            <a:prstGeom prst="rect">
-              <a:avLst/>
-            </a:prstGeom>
-            <a:noFill/>
-          </p:spPr>
-          <p:txBody>
-            <a:bodyPr wrap="square" rtlCol="0">
-              <a:spAutoFit/>
-            </a:bodyPr>
-            <a:lstStyle/>
-            <a:p>
-              <a:r>
-                <a:rPr lang="fa-IR" altLang="zh-CN" sz="1600" b="1" dirty="0" smtClean="0">
-                  <a:solidFill>
-                    <a:schemeClr val="tx1">
-                      <a:lumMod val="50000"/>
-                      <a:lumOff val="50000"/>
-                    </a:schemeClr>
-                  </a:solidFill>
-                  <a:latin typeface="XB Zar" panose="02000506090000020003" pitchFamily="2" charset="-78"/>
-                  <a:cs typeface="XB Zar" panose="02000506090000020003" pitchFamily="2" charset="-78"/>
-                </a:rPr>
-                <a:t>2008</a:t>
-              </a:r>
-              <a:endParaRPr lang="zh-CN" altLang="en-US" sz="1600" b="1" dirty="0">
-                <a:solidFill>
-                  <a:schemeClr val="tx1">
-                    <a:lumMod val="50000"/>
-                    <a:lumOff val="50000"/>
-                  </a:schemeClr>
-                </a:solidFill>
-                <a:latin typeface="XB Zar" panose="02000506090000020003" pitchFamily="2" charset="-78"/>
-                <a:cs typeface="XB Zar" panose="02000506090000020003" pitchFamily="2" charset="-78"/>
-              </a:endParaRPr>
-            </a:p>
-          </p:txBody>
-        </p:sp>
-        <p:sp>
-          <p:nvSpPr>
-            <p:cNvPr id="159" name="TextBox 158"/>
-            <p:cNvSpPr txBox="1"/>
-            <p:nvPr/>
-          </p:nvSpPr>
-          <p:spPr>
-            <a:xfrm>
-              <a:off x="3240031" y="4895939"/>
-              <a:ext cx="706266" cy="338554"/>
-            </a:xfrm>
-            <a:prstGeom prst="rect">
-              <a:avLst/>
-            </a:prstGeom>
-            <a:noFill/>
-          </p:spPr>
-          <p:txBody>
-            <a:bodyPr wrap="square" rtlCol="0">
-              <a:spAutoFit/>
-            </a:bodyPr>
-            <a:lstStyle/>
-            <a:p>
-              <a:r>
-                <a:rPr lang="fa-IR" altLang="zh-CN" sz="1600" b="1" dirty="0" smtClean="0">
-                  <a:solidFill>
-                    <a:schemeClr val="tx1">
-                      <a:lumMod val="50000"/>
-                      <a:lumOff val="50000"/>
-                    </a:schemeClr>
-                  </a:solidFill>
-                  <a:latin typeface="XB Zar" panose="02000506090000020003" pitchFamily="2" charset="-78"/>
-                  <a:cs typeface="XB Zar" panose="02000506090000020003" pitchFamily="2" charset="-78"/>
-                </a:rPr>
-                <a:t>2007</a:t>
-              </a:r>
-              <a:endParaRPr lang="zh-CN" altLang="en-US" sz="1600" b="1" dirty="0">
-                <a:solidFill>
-                  <a:schemeClr val="tx1">
-                    <a:lumMod val="50000"/>
-                    <a:lumOff val="50000"/>
-                  </a:schemeClr>
-                </a:solidFill>
-                <a:latin typeface="XB Zar" panose="02000506090000020003" pitchFamily="2" charset="-78"/>
-                <a:cs typeface="XB Zar" panose="02000506090000020003" pitchFamily="2" charset="-78"/>
-              </a:endParaRPr>
-            </a:p>
-          </p:txBody>
-        </p:sp>
-        <p:sp>
-          <p:nvSpPr>
-            <p:cNvPr id="160" name="Oval 42"/>
-            <p:cNvSpPr>
-              <a:spLocks noChangeArrowheads="1"/>
-            </p:cNvSpPr>
-            <p:nvPr/>
-          </p:nvSpPr>
-          <p:spPr bwMode="auto">
-            <a:xfrm>
-              <a:off x="4104662" y="4662102"/>
-              <a:ext cx="178044" cy="192101"/>
-            </a:xfrm>
-            <a:prstGeom prst="ellipse">
-              <a:avLst/>
-            </a:prstGeom>
-            <a:solidFill>
-              <a:srgbClr val="E2E2E2"/>
-            </a:solidFill>
-            <a:ln w="19050">
-              <a:solidFill>
-                <a:schemeClr val="accent2"/>
-              </a:solidFill>
-              <a:round/>
-              <a:headEnd/>
-              <a:tailEnd/>
-            </a:ln>
-            <a:extLst/>
-          </p:spPr>
-          <p:txBody>
-            <a:bodyPr vert="horz" wrap="square" lIns="91440" tIns="45720" rIns="91440" bIns="45720" numCol="1" anchor="t" anchorCtr="0" compatLnSpc="1">
-              <a:prstTxWarp prst="textNoShape">
-                <a:avLst/>
-              </a:prstTxWarp>
-            </a:bodyPr>
-            <a:lstStyle/>
-            <a:p>
-              <a:endParaRPr lang="zh-CN" altLang="en-US" sz="1400">
-                <a:latin typeface="XB Zar" panose="02000506090000020003" pitchFamily="2" charset="-78"/>
-                <a:cs typeface="XB Zar" panose="02000506090000020003" pitchFamily="2" charset="-78"/>
-              </a:endParaRPr>
-            </a:p>
-          </p:txBody>
-        </p:sp>
-        <p:sp>
-          <p:nvSpPr>
-            <p:cNvPr id="161" name="TextBox 160"/>
-            <p:cNvSpPr txBox="1"/>
-            <p:nvPr/>
-          </p:nvSpPr>
-          <p:spPr>
-            <a:xfrm>
-              <a:off x="3830174" y="4224077"/>
-              <a:ext cx="706266" cy="338554"/>
-            </a:xfrm>
-            <a:prstGeom prst="rect">
-              <a:avLst/>
-            </a:prstGeom>
-            <a:noFill/>
-          </p:spPr>
-          <p:txBody>
-            <a:bodyPr wrap="square" rtlCol="0">
-              <a:spAutoFit/>
-            </a:bodyPr>
-            <a:lstStyle/>
-            <a:p>
-              <a:r>
-                <a:rPr lang="fa-IR" altLang="zh-CN" sz="1600" b="1" dirty="0" smtClean="0">
-                  <a:solidFill>
-                    <a:schemeClr val="tx1">
-                      <a:lumMod val="50000"/>
-                      <a:lumOff val="50000"/>
-                    </a:schemeClr>
-                  </a:solidFill>
-                  <a:latin typeface="XB Zar" panose="02000506090000020003" pitchFamily="2" charset="-78"/>
-                  <a:cs typeface="XB Zar" panose="02000506090000020003" pitchFamily="2" charset="-78"/>
-                </a:rPr>
-                <a:t>2006</a:t>
-              </a:r>
-              <a:endParaRPr lang="zh-CN" altLang="en-US" sz="1600" b="1" dirty="0">
-                <a:solidFill>
-                  <a:schemeClr val="tx1">
-                    <a:lumMod val="50000"/>
-                    <a:lumOff val="50000"/>
-                  </a:schemeClr>
-                </a:solidFill>
-                <a:latin typeface="XB Zar" panose="02000506090000020003" pitchFamily="2" charset="-78"/>
-                <a:cs typeface="XB Zar" panose="02000506090000020003" pitchFamily="2" charset="-78"/>
-              </a:endParaRPr>
-            </a:p>
-          </p:txBody>
-        </p:sp>
-        <p:sp>
-          <p:nvSpPr>
-            <p:cNvPr id="162" name="TextBox 161"/>
-            <p:cNvSpPr txBox="1"/>
-            <p:nvPr/>
-          </p:nvSpPr>
-          <p:spPr>
-            <a:xfrm>
-              <a:off x="1443323" y="5409520"/>
-              <a:ext cx="706266" cy="338554"/>
-            </a:xfrm>
-            <a:prstGeom prst="rect">
-              <a:avLst/>
-            </a:prstGeom>
-            <a:noFill/>
-          </p:spPr>
-          <p:txBody>
-            <a:bodyPr wrap="square" rtlCol="0">
-              <a:spAutoFit/>
-            </a:bodyPr>
-            <a:lstStyle/>
-            <a:p>
-              <a:r>
-                <a:rPr lang="fa-IR" altLang="zh-CN" sz="1600" b="1" dirty="0" smtClean="0">
-                  <a:solidFill>
-                    <a:schemeClr val="tx1">
-                      <a:lumMod val="50000"/>
-                      <a:lumOff val="50000"/>
-                    </a:schemeClr>
-                  </a:solidFill>
-                  <a:latin typeface="XB Zar" panose="02000506090000020003" pitchFamily="2" charset="-78"/>
-                  <a:cs typeface="XB Zar" panose="02000506090000020003" pitchFamily="2" charset="-78"/>
-                </a:rPr>
-                <a:t>2011</a:t>
-              </a:r>
-              <a:endParaRPr lang="zh-CN" altLang="en-US" sz="1600" b="1" dirty="0">
-                <a:solidFill>
-                  <a:schemeClr val="tx1">
-                    <a:lumMod val="50000"/>
-                    <a:lumOff val="50000"/>
-                  </a:schemeClr>
-                </a:solidFill>
-                <a:latin typeface="XB Zar" panose="02000506090000020003" pitchFamily="2" charset="-78"/>
-                <a:cs typeface="XB Zar" panose="02000506090000020003" pitchFamily="2" charset="-78"/>
-              </a:endParaRPr>
-            </a:p>
-          </p:txBody>
-        </p:sp>
-        <p:sp>
-          <p:nvSpPr>
-            <p:cNvPr id="163" name="Oval 42"/>
-            <p:cNvSpPr>
-              <a:spLocks noChangeArrowheads="1"/>
-            </p:cNvSpPr>
-            <p:nvPr/>
-          </p:nvSpPr>
-          <p:spPr bwMode="auto">
-            <a:xfrm>
-              <a:off x="2324469" y="5825394"/>
-              <a:ext cx="178044" cy="192101"/>
-            </a:xfrm>
-            <a:prstGeom prst="ellipse">
-              <a:avLst/>
-            </a:prstGeom>
-            <a:solidFill>
-              <a:srgbClr val="E2E2E2"/>
-            </a:solidFill>
-            <a:ln w="19050">
-              <a:solidFill>
-                <a:schemeClr val="accent3"/>
-              </a:solidFill>
-              <a:round/>
-              <a:headEnd/>
-              <a:tailEnd/>
-            </a:ln>
-            <a:extLst/>
-          </p:spPr>
-          <p:txBody>
-            <a:bodyPr vert="horz" wrap="square" lIns="91440" tIns="45720" rIns="91440" bIns="45720" numCol="1" anchor="t" anchorCtr="0" compatLnSpc="1">
-              <a:prstTxWarp prst="textNoShape">
-                <a:avLst/>
-              </a:prstTxWarp>
-            </a:bodyPr>
-            <a:lstStyle/>
-            <a:p>
-              <a:endParaRPr lang="zh-CN" altLang="en-US" sz="1400">
-                <a:latin typeface="XB Zar" panose="02000506090000020003" pitchFamily="2" charset="-78"/>
-                <a:cs typeface="XB Zar" panose="02000506090000020003" pitchFamily="2" charset="-78"/>
-              </a:endParaRPr>
-            </a:p>
-          </p:txBody>
-        </p:sp>
-        <p:sp>
-          <p:nvSpPr>
-            <p:cNvPr id="164" name="Oval 163"/>
-            <p:cNvSpPr>
-              <a:spLocks noChangeArrowheads="1"/>
-            </p:cNvSpPr>
-            <p:nvPr/>
-          </p:nvSpPr>
-          <p:spPr bwMode="auto">
-            <a:xfrm>
-              <a:off x="2913902" y="5825394"/>
-              <a:ext cx="178044" cy="192101"/>
-            </a:xfrm>
-            <a:prstGeom prst="ellipse">
-              <a:avLst/>
-            </a:prstGeom>
-            <a:solidFill>
-              <a:srgbClr val="E2E2E2"/>
-            </a:solidFill>
-            <a:ln w="19050">
-              <a:solidFill>
-                <a:schemeClr val="accent3"/>
-              </a:solidFill>
-              <a:round/>
-              <a:headEnd/>
-              <a:tailEnd/>
-            </a:ln>
-            <a:extLst/>
-          </p:spPr>
-          <p:txBody>
-            <a:bodyPr vert="horz" wrap="square" lIns="91440" tIns="45720" rIns="91440" bIns="45720" numCol="1" anchor="t" anchorCtr="0" compatLnSpc="1">
-              <a:prstTxWarp prst="textNoShape">
-                <a:avLst/>
-              </a:prstTxWarp>
-            </a:bodyPr>
-            <a:lstStyle/>
-            <a:p>
-              <a:endParaRPr lang="zh-CN" altLang="en-US" sz="1400">
-                <a:latin typeface="XB Zar" panose="02000506090000020003" pitchFamily="2" charset="-78"/>
-                <a:cs typeface="XB Zar" panose="02000506090000020003" pitchFamily="2" charset="-78"/>
-              </a:endParaRPr>
-            </a:p>
-          </p:txBody>
-        </p:sp>
-        <p:sp>
-          <p:nvSpPr>
-            <p:cNvPr id="165" name="Oval 42"/>
-            <p:cNvSpPr>
-              <a:spLocks noChangeArrowheads="1"/>
-            </p:cNvSpPr>
-            <p:nvPr/>
-          </p:nvSpPr>
-          <p:spPr bwMode="auto">
-            <a:xfrm>
-              <a:off x="3513862" y="5825394"/>
-              <a:ext cx="178044" cy="192101"/>
-            </a:xfrm>
-            <a:prstGeom prst="ellipse">
-              <a:avLst/>
-            </a:prstGeom>
-            <a:solidFill>
-              <a:srgbClr val="E2E2E2"/>
-            </a:solidFill>
-            <a:ln w="19050">
-              <a:solidFill>
-                <a:schemeClr val="accent3"/>
-              </a:solidFill>
-              <a:round/>
-              <a:headEnd/>
-              <a:tailEnd/>
-            </a:ln>
-            <a:extLst/>
-          </p:spPr>
-          <p:txBody>
-            <a:bodyPr vert="horz" wrap="square" lIns="91440" tIns="45720" rIns="91440" bIns="45720" numCol="1" anchor="t" anchorCtr="0" compatLnSpc="1">
-              <a:prstTxWarp prst="textNoShape">
-                <a:avLst/>
-              </a:prstTxWarp>
-            </a:bodyPr>
-            <a:lstStyle/>
-            <a:p>
-              <a:endParaRPr lang="zh-CN" altLang="en-US" sz="1400">
-                <a:latin typeface="XB Zar" panose="02000506090000020003" pitchFamily="2" charset="-78"/>
-                <a:cs typeface="XB Zar" panose="02000506090000020003" pitchFamily="2" charset="-78"/>
-              </a:endParaRPr>
-            </a:p>
-          </p:txBody>
-        </p:sp>
-        <p:sp>
-          <p:nvSpPr>
-            <p:cNvPr id="166" name="Oval 42"/>
-            <p:cNvSpPr>
-              <a:spLocks noChangeArrowheads="1"/>
-            </p:cNvSpPr>
-            <p:nvPr/>
-          </p:nvSpPr>
-          <p:spPr bwMode="auto">
-            <a:xfrm>
-              <a:off x="1726483" y="5825394"/>
-              <a:ext cx="178044" cy="192101"/>
-            </a:xfrm>
-            <a:prstGeom prst="ellipse">
-              <a:avLst/>
-            </a:prstGeom>
-            <a:solidFill>
-              <a:srgbClr val="E2E2E2"/>
-            </a:solidFill>
-            <a:ln w="19050">
-              <a:solidFill>
-                <a:schemeClr val="accent3"/>
-              </a:solidFill>
-              <a:round/>
-              <a:headEnd/>
-              <a:tailEnd/>
-            </a:ln>
-            <a:extLst/>
-          </p:spPr>
-          <p:txBody>
-            <a:bodyPr vert="horz" wrap="square" lIns="91440" tIns="45720" rIns="91440" bIns="45720" numCol="1" anchor="t" anchorCtr="0" compatLnSpc="1">
-              <a:prstTxWarp prst="textNoShape">
-                <a:avLst/>
-              </a:prstTxWarp>
-            </a:bodyPr>
-            <a:lstStyle/>
-            <a:p>
-              <a:endParaRPr lang="zh-CN" altLang="en-US" sz="1400">
-                <a:latin typeface="XB Zar" panose="02000506090000020003" pitchFamily="2" charset="-78"/>
-                <a:cs typeface="XB Zar" panose="02000506090000020003" pitchFamily="2" charset="-78"/>
-              </a:endParaRPr>
-            </a:p>
-          </p:txBody>
-        </p:sp>
-        <p:sp>
-          <p:nvSpPr>
-            <p:cNvPr id="167" name="TextBox 166"/>
-            <p:cNvSpPr txBox="1"/>
-            <p:nvPr/>
-          </p:nvSpPr>
-          <p:spPr>
-            <a:xfrm>
-              <a:off x="2021381" y="6074492"/>
-              <a:ext cx="706266" cy="338554"/>
-            </a:xfrm>
-            <a:prstGeom prst="rect">
-              <a:avLst/>
-            </a:prstGeom>
-            <a:noFill/>
-          </p:spPr>
-          <p:txBody>
-            <a:bodyPr wrap="square" rtlCol="0">
-              <a:spAutoFit/>
-            </a:bodyPr>
-            <a:lstStyle/>
-            <a:p>
-              <a:r>
-                <a:rPr lang="fa-IR" altLang="zh-CN" sz="1600" b="1" dirty="0" smtClean="0">
-                  <a:solidFill>
-                    <a:schemeClr val="tx1">
-                      <a:lumMod val="50000"/>
-                      <a:lumOff val="50000"/>
-                    </a:schemeClr>
-                  </a:solidFill>
-                  <a:latin typeface="XB Zar" panose="02000506090000020003" pitchFamily="2" charset="-78"/>
-                  <a:cs typeface="XB Zar" panose="02000506090000020003" pitchFamily="2" charset="-78"/>
-                </a:rPr>
-                <a:t>2012</a:t>
-              </a:r>
-              <a:endParaRPr lang="zh-CN" altLang="en-US" sz="1600" b="1" dirty="0">
-                <a:solidFill>
-                  <a:schemeClr val="tx1">
-                    <a:lumMod val="50000"/>
-                    <a:lumOff val="50000"/>
-                  </a:schemeClr>
-                </a:solidFill>
-                <a:latin typeface="XB Zar" panose="02000506090000020003" pitchFamily="2" charset="-78"/>
-                <a:cs typeface="XB Zar" panose="02000506090000020003" pitchFamily="2" charset="-78"/>
-              </a:endParaRPr>
-            </a:p>
-          </p:txBody>
-        </p:sp>
-        <p:sp>
-          <p:nvSpPr>
-            <p:cNvPr id="168" name="TextBox 167"/>
-            <p:cNvSpPr txBox="1"/>
-            <p:nvPr/>
-          </p:nvSpPr>
-          <p:spPr>
-            <a:xfrm>
-              <a:off x="2603140" y="5419469"/>
-              <a:ext cx="732890" cy="338554"/>
-            </a:xfrm>
-            <a:prstGeom prst="rect">
-              <a:avLst/>
-            </a:prstGeom>
-            <a:noFill/>
-          </p:spPr>
-          <p:txBody>
-            <a:bodyPr wrap="square" rtlCol="0">
-              <a:spAutoFit/>
-            </a:bodyPr>
-            <a:lstStyle/>
-            <a:p>
-              <a:r>
-                <a:rPr lang="fa-IR" altLang="zh-CN" sz="1600" b="1" dirty="0" smtClean="0">
-                  <a:solidFill>
-                    <a:schemeClr val="tx1">
-                      <a:lumMod val="50000"/>
-                      <a:lumOff val="50000"/>
-                    </a:schemeClr>
-                  </a:solidFill>
-                  <a:latin typeface="XB Zar" panose="02000506090000020003" pitchFamily="2" charset="-78"/>
-                  <a:cs typeface="XB Zar" panose="02000506090000020003" pitchFamily="2" charset="-78"/>
-                </a:rPr>
-                <a:t>2013</a:t>
-              </a:r>
-              <a:endParaRPr lang="zh-CN" altLang="en-US" sz="1600" b="1" dirty="0">
-                <a:solidFill>
-                  <a:schemeClr val="tx1">
-                    <a:lumMod val="50000"/>
-                    <a:lumOff val="50000"/>
-                  </a:schemeClr>
-                </a:solidFill>
-                <a:latin typeface="XB Zar" panose="02000506090000020003" pitchFamily="2" charset="-78"/>
-                <a:cs typeface="XB Zar" panose="02000506090000020003" pitchFamily="2" charset="-78"/>
-              </a:endParaRPr>
-            </a:p>
-          </p:txBody>
-        </p:sp>
-        <p:sp>
-          <p:nvSpPr>
-            <p:cNvPr id="169" name="TextBox 168"/>
-            <p:cNvSpPr txBox="1"/>
-            <p:nvPr/>
-          </p:nvSpPr>
-          <p:spPr>
-            <a:xfrm>
-              <a:off x="3226601" y="6087072"/>
-              <a:ext cx="706266" cy="338554"/>
-            </a:xfrm>
-            <a:prstGeom prst="rect">
-              <a:avLst/>
-            </a:prstGeom>
-            <a:noFill/>
-          </p:spPr>
-          <p:txBody>
-            <a:bodyPr wrap="square" rtlCol="0">
-              <a:spAutoFit/>
-            </a:bodyPr>
-            <a:lstStyle/>
-            <a:p>
-              <a:r>
-                <a:rPr lang="fa-IR" altLang="zh-CN" sz="1600" b="1" dirty="0" smtClean="0">
-                  <a:solidFill>
-                    <a:schemeClr val="tx1">
-                      <a:lumMod val="50000"/>
-                      <a:lumOff val="50000"/>
-                    </a:schemeClr>
-                  </a:solidFill>
-                  <a:latin typeface="XB Zar" panose="02000506090000020003" pitchFamily="2" charset="-78"/>
-                  <a:cs typeface="XB Zar" panose="02000506090000020003" pitchFamily="2" charset="-78"/>
-                </a:rPr>
-                <a:t>2014</a:t>
-              </a:r>
-              <a:endParaRPr lang="zh-CN" altLang="en-US" sz="1600" b="1" dirty="0">
-                <a:solidFill>
-                  <a:schemeClr val="tx1">
-                    <a:lumMod val="50000"/>
-                    <a:lumOff val="50000"/>
-                  </a:schemeClr>
-                </a:solidFill>
-                <a:latin typeface="XB Zar" panose="02000506090000020003" pitchFamily="2" charset="-78"/>
-                <a:cs typeface="XB Zar" panose="02000506090000020003" pitchFamily="2" charset="-78"/>
-              </a:endParaRPr>
-            </a:p>
-          </p:txBody>
-        </p:sp>
-        <p:sp>
-          <p:nvSpPr>
-            <p:cNvPr id="170" name="Oval 42"/>
-            <p:cNvSpPr>
-              <a:spLocks noChangeArrowheads="1"/>
-            </p:cNvSpPr>
-            <p:nvPr/>
-          </p:nvSpPr>
-          <p:spPr bwMode="auto">
-            <a:xfrm>
-              <a:off x="4104662" y="5825394"/>
-              <a:ext cx="178044" cy="192101"/>
-            </a:xfrm>
-            <a:prstGeom prst="ellipse">
-              <a:avLst/>
-            </a:prstGeom>
-            <a:solidFill>
-              <a:srgbClr val="E2E2E2"/>
-            </a:solidFill>
-            <a:ln w="19050">
-              <a:solidFill>
-                <a:schemeClr val="accent3"/>
-              </a:solidFill>
-              <a:round/>
-              <a:headEnd/>
-              <a:tailEnd/>
-            </a:ln>
-            <a:extLst/>
-          </p:spPr>
-          <p:txBody>
-            <a:bodyPr vert="horz" wrap="square" lIns="91440" tIns="45720" rIns="91440" bIns="45720" numCol="1" anchor="t" anchorCtr="0" compatLnSpc="1">
-              <a:prstTxWarp prst="textNoShape">
-                <a:avLst/>
-              </a:prstTxWarp>
-            </a:bodyPr>
-            <a:lstStyle/>
-            <a:p>
-              <a:endParaRPr lang="zh-CN" altLang="en-US" sz="1400">
-                <a:latin typeface="XB Zar" panose="02000506090000020003" pitchFamily="2" charset="-78"/>
-                <a:cs typeface="XB Zar" panose="02000506090000020003" pitchFamily="2" charset="-78"/>
-              </a:endParaRPr>
-            </a:p>
-          </p:txBody>
-        </p:sp>
-        <p:sp>
-          <p:nvSpPr>
-            <p:cNvPr id="171" name="TextBox 170"/>
-            <p:cNvSpPr txBox="1"/>
-            <p:nvPr/>
-          </p:nvSpPr>
-          <p:spPr>
-            <a:xfrm>
-              <a:off x="3816744" y="5415210"/>
-              <a:ext cx="706266" cy="338554"/>
-            </a:xfrm>
-            <a:prstGeom prst="rect">
-              <a:avLst/>
-            </a:prstGeom>
-            <a:noFill/>
-          </p:spPr>
-          <p:txBody>
-            <a:bodyPr wrap="square" rtlCol="0">
-              <a:spAutoFit/>
-            </a:bodyPr>
-            <a:lstStyle/>
-            <a:p>
-              <a:r>
-                <a:rPr lang="fa-IR" altLang="zh-CN" sz="1600" b="1" dirty="0" smtClean="0">
-                  <a:solidFill>
-                    <a:schemeClr val="tx1">
-                      <a:lumMod val="50000"/>
-                      <a:lumOff val="50000"/>
-                    </a:schemeClr>
-                  </a:solidFill>
-                  <a:latin typeface="XB Zar" panose="02000506090000020003" pitchFamily="2" charset="-78"/>
-                  <a:cs typeface="XB Zar" panose="02000506090000020003" pitchFamily="2" charset="-78"/>
-                </a:rPr>
-                <a:t>2015</a:t>
-              </a:r>
-              <a:endParaRPr lang="zh-CN" altLang="en-US" sz="1600" b="1" dirty="0">
-                <a:solidFill>
-                  <a:schemeClr val="tx1">
-                    <a:lumMod val="50000"/>
-                    <a:lumOff val="50000"/>
-                  </a:schemeClr>
-                </a:solidFill>
-                <a:latin typeface="XB Zar" panose="02000506090000020003" pitchFamily="2" charset="-78"/>
-                <a:cs typeface="XB Zar" panose="02000506090000020003" pitchFamily="2" charset="-78"/>
-              </a:endParaRPr>
-            </a:p>
-          </p:txBody>
-        </p:sp>
-        <p:sp>
-          <p:nvSpPr>
-            <p:cNvPr id="172" name="Oval 42"/>
-            <p:cNvSpPr>
-              <a:spLocks noChangeArrowheads="1"/>
-            </p:cNvSpPr>
-            <p:nvPr/>
-          </p:nvSpPr>
-          <p:spPr bwMode="auto">
-            <a:xfrm>
-              <a:off x="4698944" y="5825394"/>
-              <a:ext cx="178044" cy="192101"/>
-            </a:xfrm>
-            <a:prstGeom prst="ellipse">
-              <a:avLst/>
-            </a:prstGeom>
-            <a:solidFill>
-              <a:srgbClr val="E2E2E2"/>
-            </a:solidFill>
-            <a:ln w="19050">
-              <a:solidFill>
-                <a:schemeClr val="accent3"/>
-              </a:solidFill>
-              <a:round/>
-              <a:headEnd/>
-              <a:tailEnd/>
-            </a:ln>
-            <a:extLst/>
-          </p:spPr>
-          <p:txBody>
-            <a:bodyPr vert="horz" wrap="square" lIns="91440" tIns="45720" rIns="91440" bIns="45720" numCol="1" anchor="t" anchorCtr="0" compatLnSpc="1">
-              <a:prstTxWarp prst="textNoShape">
-                <a:avLst/>
-              </a:prstTxWarp>
-            </a:bodyPr>
-            <a:lstStyle/>
-            <a:p>
-              <a:endParaRPr lang="zh-CN" altLang="en-US" sz="1400">
-                <a:latin typeface="XB Zar" panose="02000506090000020003" pitchFamily="2" charset="-78"/>
-                <a:cs typeface="XB Zar" panose="02000506090000020003" pitchFamily="2" charset="-78"/>
-              </a:endParaRPr>
-            </a:p>
-          </p:txBody>
-        </p:sp>
-        <p:sp>
-          <p:nvSpPr>
-            <p:cNvPr id="173" name="TextBox 172"/>
-            <p:cNvSpPr txBox="1"/>
-            <p:nvPr/>
-          </p:nvSpPr>
-          <p:spPr>
-            <a:xfrm>
-              <a:off x="4434833" y="6104082"/>
-              <a:ext cx="706266" cy="410010"/>
-            </a:xfrm>
-            <a:prstGeom prst="rect">
-              <a:avLst/>
-            </a:prstGeom>
-            <a:noFill/>
-          </p:spPr>
-          <p:txBody>
-            <a:bodyPr wrap="square" rtlCol="0">
-              <a:spAutoFit/>
-            </a:bodyPr>
-            <a:lstStyle/>
-            <a:p>
-              <a:r>
-                <a:rPr lang="fa-IR" altLang="zh-CN" sz="1600" b="1" dirty="0" smtClean="0">
-                  <a:solidFill>
-                    <a:schemeClr val="tx1">
-                      <a:lumMod val="50000"/>
-                      <a:lumOff val="50000"/>
-                    </a:schemeClr>
-                  </a:solidFill>
-                  <a:latin typeface="XB Zar" panose="02000506090000020003" pitchFamily="2" charset="-78"/>
-                  <a:cs typeface="XB Zar" panose="02000506090000020003" pitchFamily="2" charset="-78"/>
-                </a:rPr>
-                <a:t>2017</a:t>
-              </a:r>
-              <a:endParaRPr lang="zh-CN" altLang="en-US" sz="1600" b="1" dirty="0">
-                <a:solidFill>
-                  <a:schemeClr val="tx1">
-                    <a:lumMod val="50000"/>
-                    <a:lumOff val="50000"/>
-                  </a:schemeClr>
-                </a:solidFill>
-                <a:latin typeface="XB Zar" panose="02000506090000020003" pitchFamily="2" charset="-78"/>
-                <a:cs typeface="XB Zar" panose="02000506090000020003" pitchFamily="2" charset="-78"/>
-              </a:endParaRPr>
-            </a:p>
-          </p:txBody>
-        </p:sp>
-      </p:grpSp>
-      <mc:AlternateContent xmlns:mc="http://schemas.openxmlformats.org/markup-compatibility/2006" xmlns:a14="http://schemas.microsoft.com/office/drawing/2010/main">
-        <mc:Choice Requires="a14">
-          <p:sp>
-            <p:nvSpPr>
-              <p:cNvPr id="4" name="TextBox 3"/>
-              <p:cNvSpPr txBox="1"/>
-              <p:nvPr/>
-            </p:nvSpPr>
-            <p:spPr>
-              <a:xfrm>
-                <a:off x="4810118" y="2262604"/>
-                <a:ext cx="6694691" cy="1989263"/>
-              </a:xfrm>
-              <a:prstGeom prst="rect">
-                <a:avLst/>
-              </a:prstGeom>
-              <a:noFill/>
-            </p:spPr>
-            <p:txBody>
-              <a:bodyPr wrap="square" rtlCol="1">
-                <a:spAutoFit/>
-              </a:bodyPr>
-              <a:lstStyle/>
-              <a:p>
-                <a:pPr marL="285750" indent="-285750" algn="r" rtl="1">
-                  <a:buFont typeface="Arial" panose="020B0604020202020204" pitchFamily="34" charset="0"/>
-                  <a:buChar char="•"/>
-                </a:pPr>
-                <a:r>
-                  <a:rPr lang="fa-IR" sz="2400" dirty="0" smtClean="0">
-                    <a:cs typeface="B Nazanin" panose="00000400000000000000" pitchFamily="2" charset="-78"/>
-                  </a:rPr>
-                  <a:t>روش بایه در بحث بازیابی اطلاعات.</a:t>
-                </a:r>
-              </a:p>
-              <a:p>
-                <a:pPr marL="285750" indent="-285750" algn="r" rtl="1">
-                  <a:buFont typeface="Arial" panose="020B0604020202020204" pitchFamily="34" charset="0"/>
-                  <a:buChar char="•"/>
-                </a:pPr>
-                <a:endParaRPr lang="fa-IR" sz="2400" dirty="0">
-                  <a:cs typeface="B Nazanin" panose="00000400000000000000" pitchFamily="2" charset="-78"/>
-                </a:endParaRPr>
-              </a:p>
-              <a:p>
-                <a:pPr marL="285750" indent="-285750" algn="r" rtl="1">
-                  <a:buFont typeface="Arial" panose="020B0604020202020204" pitchFamily="34" charset="0"/>
-                  <a:buChar char="•"/>
-                </a:pPr>
-                <a:r>
-                  <a:rPr lang="fa-IR" sz="2400" dirty="0" smtClean="0">
-                    <a:cs typeface="B Nazanin" panose="00000400000000000000" pitchFamily="2" charset="-78"/>
-                  </a:rPr>
-                  <a:t>یک مجموعه سند به یک ماتریس </a:t>
-                </a:r>
-                <a14:m>
-                  <m:oMath xmlns:m="http://schemas.openxmlformats.org/officeDocument/2006/math">
-                    <m:r>
-                      <a:rPr lang="en-US" sz="2400" b="0" i="1" smtClean="0">
-                        <a:latin typeface="Cambria Math" panose="02040503050406030204" pitchFamily="18" charset="0"/>
-                        <a:cs typeface="B Nazanin" panose="00000400000000000000" pitchFamily="2" charset="-78"/>
-                      </a:rPr>
-                      <m:t>𝑚</m:t>
-                    </m:r>
-                    <m:r>
-                      <a:rPr lang="en-US" sz="2400" b="0" i="1" smtClean="0">
-                        <a:latin typeface="Cambria Math" panose="02040503050406030204" pitchFamily="18" charset="0"/>
-                        <a:cs typeface="B Nazanin" panose="00000400000000000000" pitchFamily="2" charset="-78"/>
-                      </a:rPr>
-                      <m:t>∗</m:t>
-                    </m:r>
-                    <m:r>
-                      <a:rPr lang="en-US" sz="2400" b="0" i="1" smtClean="0">
-                        <a:latin typeface="Cambria Math" panose="02040503050406030204" pitchFamily="18" charset="0"/>
-                        <a:cs typeface="B Nazanin" panose="00000400000000000000" pitchFamily="2" charset="-78"/>
-                      </a:rPr>
-                      <m:t>𝑛</m:t>
-                    </m:r>
-                    <m:r>
-                      <a:rPr lang="en-US" sz="2400" b="0" i="1" smtClean="0">
-                        <a:latin typeface="Cambria Math" panose="02040503050406030204" pitchFamily="18" charset="0"/>
-                        <a:cs typeface="B Nazanin" panose="00000400000000000000" pitchFamily="2" charset="-78"/>
-                      </a:rPr>
-                      <m:t> </m:t>
-                    </m:r>
-                  </m:oMath>
-                </a14:m>
-                <a:r>
-                  <a:rPr lang="fa-IR" sz="2400" dirty="0" smtClean="0">
-                    <a:cs typeface="B Nazanin" panose="00000400000000000000" pitchFamily="2" charset="-78"/>
-                  </a:rPr>
-                  <a:t> تبدیل می‌شود.</a:t>
-                </a:r>
-              </a:p>
-              <a:p>
-                <a:pPr marL="285750" indent="-285750" algn="r" rtl="1">
-                  <a:buFont typeface="Arial" panose="020B0604020202020204" pitchFamily="34" charset="0"/>
-                  <a:buChar char="•"/>
-                </a:pPr>
-                <a:endParaRPr lang="fa-IR" sz="2400" dirty="0" smtClean="0">
-                  <a:cs typeface="B Nazanin" panose="00000400000000000000" pitchFamily="2" charset="-78"/>
-                </a:endParaRPr>
-              </a:p>
-              <a:p>
-                <a:pPr marL="285750" indent="-285750" algn="r" rtl="1">
-                  <a:buFont typeface="Arial" panose="020B0604020202020204" pitchFamily="34" charset="0"/>
-                  <a:buChar char="•"/>
-                </a:pPr>
-                <a:r>
-                  <a:rPr lang="fa-IR" sz="2400" dirty="0" smtClean="0">
-                    <a:cs typeface="B Nazanin" panose="00000400000000000000" pitchFamily="2" charset="-78"/>
-                  </a:rPr>
-                  <a:t>هر سند یک بردار از اعداد حقیقی شامل نسبت تکرار کلمات.</a:t>
-                </a:r>
-                <a:endParaRPr lang="fa-IR" sz="2400" dirty="0">
-                  <a:cs typeface="B Nazanin" panose="00000400000000000000" pitchFamily="2" charset="-78"/>
-                </a:endParaRPr>
-              </a:p>
-            </p:txBody>
-          </p:sp>
-        </mc:Choice>
-        <mc:Fallback xmlns="">
-          <p:sp>
-            <p:nvSpPr>
-              <p:cNvPr id="4" name="TextBox 3"/>
-              <p:cNvSpPr txBox="1">
-                <a:spLocks noRot="1" noChangeAspect="1" noMove="1" noResize="1" noEditPoints="1" noAdjustHandles="1" noChangeArrowheads="1" noChangeShapeType="1" noTextEdit="1"/>
-              </p:cNvSpPr>
-              <p:nvPr/>
-            </p:nvSpPr>
-            <p:spPr>
-              <a:xfrm>
-                <a:off x="4810118" y="2262604"/>
-                <a:ext cx="6694691" cy="1989263"/>
-              </a:xfrm>
-              <a:prstGeom prst="rect">
-                <a:avLst/>
-              </a:prstGeom>
-              <a:blipFill rotWithShape="0">
-                <a:blip r:embed="rId2"/>
-                <a:stretch>
-                  <a:fillRect t="-3988" r="-1366" b="-3681"/>
-                </a:stretch>
-              </a:blipFill>
-            </p:spPr>
-            <p:txBody>
-              <a:bodyPr/>
-              <a:lstStyle/>
-              <a:p>
-                <a:r>
-                  <a:rPr lang="fa-IR">
-                    <a:noFill/>
-                  </a:rPr>
-                  <a:t> </a:t>
-                </a:r>
-              </a:p>
-            </p:txBody>
-          </p:sp>
-        </mc:Fallback>
-      </mc:AlternateContent>
-      <p:sp>
-        <p:nvSpPr>
-          <p:cNvPr id="174" name="Freeform 66"/>
-          <p:cNvSpPr>
-            <a:spLocks noEditPoints="1"/>
-          </p:cNvSpPr>
-          <p:nvPr/>
-        </p:nvSpPr>
-        <p:spPr bwMode="auto">
-          <a:xfrm>
-            <a:off x="1103540" y="1465511"/>
-            <a:ext cx="317394" cy="494669"/>
-          </a:xfrm>
-          <a:custGeom>
-            <a:avLst/>
-            <a:gdLst>
-              <a:gd name="T0" fmla="*/ 32 w 32"/>
-              <a:gd name="T1" fmla="*/ 16 h 48"/>
-              <a:gd name="T2" fmla="*/ 16 w 32"/>
-              <a:gd name="T3" fmla="*/ 0 h 48"/>
-              <a:gd name="T4" fmla="*/ 0 w 32"/>
-              <a:gd name="T5" fmla="*/ 16 h 48"/>
-              <a:gd name="T6" fmla="*/ 2 w 32"/>
-              <a:gd name="T7" fmla="*/ 24 h 48"/>
-              <a:gd name="T8" fmla="*/ 2 w 32"/>
-              <a:gd name="T9" fmla="*/ 24 h 48"/>
-              <a:gd name="T10" fmla="*/ 16 w 32"/>
-              <a:gd name="T11" fmla="*/ 48 h 48"/>
-              <a:gd name="T12" fmla="*/ 30 w 32"/>
-              <a:gd name="T13" fmla="*/ 24 h 48"/>
-              <a:gd name="T14" fmla="*/ 30 w 32"/>
-              <a:gd name="T15" fmla="*/ 24 h 48"/>
-              <a:gd name="T16" fmla="*/ 32 w 32"/>
-              <a:gd name="T17" fmla="*/ 16 h 48"/>
-              <a:gd name="T18" fmla="*/ 16 w 32"/>
-              <a:gd name="T19" fmla="*/ 29 h 48"/>
-              <a:gd name="T20" fmla="*/ 3 w 32"/>
-              <a:gd name="T21" fmla="*/ 16 h 48"/>
-              <a:gd name="T22" fmla="*/ 16 w 32"/>
-              <a:gd name="T23" fmla="*/ 3 h 48"/>
-              <a:gd name="T24" fmla="*/ 29 w 32"/>
-              <a:gd name="T25" fmla="*/ 16 h 48"/>
-              <a:gd name="T26" fmla="*/ 16 w 32"/>
-              <a:gd name="T27" fmla="*/ 29 h 48"/>
-            </a:gdLst>
-            <a:ahLst/>
-            <a:cxnLst>
-              <a:cxn ang="0">
-                <a:pos x="T0" y="T1"/>
-              </a:cxn>
-              <a:cxn ang="0">
-                <a:pos x="T2" y="T3"/>
-              </a:cxn>
-              <a:cxn ang="0">
-                <a:pos x="T4" y="T5"/>
-              </a:cxn>
-              <a:cxn ang="0">
-                <a:pos x="T6" y="T7"/>
-              </a:cxn>
-              <a:cxn ang="0">
-                <a:pos x="T8" y="T9"/>
-              </a:cxn>
-              <a:cxn ang="0">
-                <a:pos x="T10" y="T11"/>
-              </a:cxn>
-              <a:cxn ang="0">
-                <a:pos x="T12" y="T13"/>
-              </a:cxn>
-              <a:cxn ang="0">
-                <a:pos x="T14" y="T15"/>
-              </a:cxn>
-              <a:cxn ang="0">
-                <a:pos x="T16" y="T17"/>
-              </a:cxn>
-              <a:cxn ang="0">
-                <a:pos x="T18" y="T19"/>
-              </a:cxn>
-              <a:cxn ang="0">
-                <a:pos x="T20" y="T21"/>
-              </a:cxn>
-              <a:cxn ang="0">
-                <a:pos x="T22" y="T23"/>
-              </a:cxn>
-              <a:cxn ang="0">
-                <a:pos x="T24" y="T25"/>
-              </a:cxn>
-              <a:cxn ang="0">
-                <a:pos x="T26" y="T27"/>
-              </a:cxn>
-            </a:cxnLst>
-            <a:rect l="0" t="0" r="r" b="b"/>
-            <a:pathLst>
-              <a:path w="32" h="48">
-                <a:moveTo>
-                  <a:pt x="32" y="16"/>
-                </a:moveTo>
-                <a:cubicBezTo>
-                  <a:pt x="32" y="7"/>
-                  <a:pt x="25" y="0"/>
-                  <a:pt x="16" y="0"/>
-                </a:cubicBezTo>
-                <a:cubicBezTo>
-                  <a:pt x="7" y="0"/>
-                  <a:pt x="0" y="7"/>
-                  <a:pt x="0" y="16"/>
-                </a:cubicBezTo>
-                <a:cubicBezTo>
-                  <a:pt x="0" y="19"/>
-                  <a:pt x="1" y="22"/>
-                  <a:pt x="2" y="24"/>
-                </a:cubicBezTo>
-                <a:cubicBezTo>
-                  <a:pt x="2" y="24"/>
-                  <a:pt x="2" y="24"/>
-                  <a:pt x="2" y="24"/>
-                </a:cubicBezTo>
-                <a:cubicBezTo>
-                  <a:pt x="16" y="48"/>
-                  <a:pt x="16" y="48"/>
-                  <a:pt x="16" y="48"/>
-                </a:cubicBezTo>
-                <a:cubicBezTo>
-                  <a:pt x="30" y="24"/>
-                  <a:pt x="30" y="24"/>
-                  <a:pt x="30" y="24"/>
-                </a:cubicBezTo>
-                <a:cubicBezTo>
-                  <a:pt x="30" y="24"/>
-                  <a:pt x="30" y="24"/>
-                  <a:pt x="30" y="24"/>
-                </a:cubicBezTo>
-                <a:cubicBezTo>
-                  <a:pt x="31" y="22"/>
-                  <a:pt x="32" y="19"/>
-                  <a:pt x="32" y="16"/>
-                </a:cubicBezTo>
-                <a:close/>
-                <a:moveTo>
-                  <a:pt x="16" y="29"/>
-                </a:moveTo>
-                <a:cubicBezTo>
-                  <a:pt x="9" y="29"/>
-                  <a:pt x="3" y="23"/>
-                  <a:pt x="3" y="16"/>
-                </a:cubicBezTo>
-                <a:cubicBezTo>
-                  <a:pt x="3" y="9"/>
-                  <a:pt x="9" y="3"/>
-                  <a:pt x="16" y="3"/>
-                </a:cubicBezTo>
-                <a:cubicBezTo>
-                  <a:pt x="23" y="3"/>
-                  <a:pt x="29" y="9"/>
-                  <a:pt x="29" y="16"/>
-                </a:cubicBezTo>
-                <a:cubicBezTo>
-                  <a:pt x="29" y="23"/>
-                  <a:pt x="23" y="29"/>
-                  <a:pt x="16" y="29"/>
-                </a:cubicBezTo>
-                <a:close/>
-              </a:path>
-            </a:pathLst>
-          </a:custGeom>
-          <a:solidFill>
-            <a:schemeClr val="accent3"/>
-          </a:solidFill>
-          <a:ln>
-            <a:noFill/>
-          </a:ln>
-        </p:spPr>
-        <p:txBody>
-          <a:bodyPr vert="horz" wrap="square" lIns="91440" tIns="45720" rIns="91440" bIns="45720" numCol="1" anchor="t" anchorCtr="0" compatLnSpc="1">
-            <a:prstTxWarp prst="textNoShape">
-              <a:avLst/>
-            </a:prstTxWarp>
-          </a:bodyPr>
-          <a:lstStyle/>
-          <a:p>
-            <a:endParaRPr lang="zh-CN" altLang="en-US">
-              <a:latin typeface="XB Zar" panose="02000506090000020003" pitchFamily="2" charset="-78"/>
-              <a:cs typeface="XB Zar" panose="02000506090000020003" pitchFamily="2" charset="-78"/>
-            </a:endParaRPr>
-          </a:p>
-        </p:txBody>
-      </p:sp>
-    </p:spTree>
-    <p:extLst>
-      <p:ext uri="{BB962C8B-B14F-4D97-AF65-F5344CB8AC3E}">
-        <p14:creationId xmlns:p14="http://schemas.microsoft.com/office/powerpoint/2010/main" val="1552263754"/>
-      </p:ext>
-    </p:extLst>
-  </p:cSld>
-  <p:clrMapOvr>
-    <a:masterClrMapping/>
-  </p:clrMapOvr>
-  <p:timing>
-    <p:tnLst>
-      <p:par>
-        <p:cTn id="1" dur="indefinite" restart="never" nodeType="tmRoot"/>
-      </p:par>
-    </p:tnLst>
-  </p:timing>
-</p:sld>
-</file>
-
-<file path=ppt/slides/slide14.xml><?xml version="1.0" encoding="utf-8"?>
-<p:sld xmlns:a="http://schemas.openxmlformats.org/drawingml/2006/main" xmlns:r="http://schemas.openxmlformats.org/officeDocument/2006/relationships" xmlns:p="http://schemas.openxmlformats.org/presentationml/2006/main">
-  <p:cSld>
-    <p:spTree>
-      <p:nvGrpSpPr>
-        <p:cNvPr id="1" name=""/>
-        <p:cNvGrpSpPr/>
-        <p:nvPr/>
-      </p:nvGrpSpPr>
-      <p:grpSpPr>
-        <a:xfrm>
-          <a:off x="0" y="0"/>
-          <a:ext cx="0" cy="0"/>
-          <a:chOff x="0" y="0"/>
-          <a:chExt cx="0" cy="0"/>
-        </a:xfrm>
-      </p:grpSpPr>
-      <p:sp>
-        <p:nvSpPr>
           <p:cNvPr id="79" name="Freeform 66"/>
           <p:cNvSpPr>
             <a:spLocks noEditPoints="1"/>
@@ -14624,7 +11537,7 @@
               <a:rPr lang="fa-IR" sz="2400" dirty="0" smtClean="0">
                 <a:cs typeface="B Nazanin" panose="00000400000000000000" pitchFamily="2" charset="-78"/>
               </a:rPr>
-              <a:t>مدل گرافی– مدل‌سازی موضوع – یک حالته.</a:t>
+              <a:t>مدل بیزی– مدل‌سازی موضوع – یک حالته.</a:t>
             </a:r>
           </a:p>
           <a:p>
@@ -14666,7 +11579,7 @@
               <a:rPr lang="fa-IR" sz="2400" dirty="0" smtClean="0">
                 <a:cs typeface="B Nazanin" panose="00000400000000000000" pitchFamily="2" charset="-78"/>
               </a:rPr>
-              <a:t>مهمترین و معروفترین رویکرد در بخش مدل‌های گرافی.</a:t>
+              <a:t>مهمترین و معروفترین رویکرد در بخش مدل‌ها بیزی.</a:t>
             </a:r>
             <a:endParaRPr lang="fa-IR" sz="2400" dirty="0">
               <a:cs typeface="B Nazanin" panose="00000400000000000000" pitchFamily="2" charset="-78"/>
@@ -17363,7 +14276,7 @@
 </p:sld>
 </file>
 
-<file path=ppt/slides/slide15.xml><?xml version="1.0" encoding="utf-8"?>
+<file path=ppt/slides/slide14.xml><?xml version="1.0" encoding="utf-8"?>
 <p:sld xmlns:a="http://schemas.openxmlformats.org/drawingml/2006/main" xmlns:r="http://schemas.openxmlformats.org/officeDocument/2006/relationships" xmlns:p="http://schemas.openxmlformats.org/presentationml/2006/main">
   <p:cSld>
     <p:spTree>
@@ -20395,7 +17308,7 @@
               <a:rPr lang="fa-IR" sz="2400" dirty="0" smtClean="0">
                 <a:cs typeface="B Nazanin" panose="00000400000000000000" pitchFamily="2" charset="-78"/>
               </a:rPr>
-              <a:t>انرژی بیس و گسترش یافته‌ی </a:t>
+              <a:t>بر بایه‌ی انرژی و گسترش یافته‌ی </a:t>
             </a:r>
             <a:r>
               <a:rPr lang="en-US" sz="2400" dirty="0" smtClean="0">
@@ -20893,7 +17806,7 @@
 </p:sld>
 </file>
 
-<file path=ppt/slides/slide16.xml><?xml version="1.0" encoding="utf-8"?>
+<file path=ppt/slides/slide15.xml><?xml version="1.0" encoding="utf-8"?>
 <p:sld xmlns:a="http://schemas.openxmlformats.org/drawingml/2006/main" xmlns:r="http://schemas.openxmlformats.org/officeDocument/2006/relationships" xmlns:p="http://schemas.openxmlformats.org/presentationml/2006/main">
   <p:cSld>
     <p:spTree>
@@ -21214,19 +18127,7 @@
               <a:rPr lang="fa-IR" sz="2400" dirty="0" smtClean="0">
                 <a:cs typeface="B Nazanin" panose="00000400000000000000" pitchFamily="2" charset="-78"/>
               </a:rPr>
-              <a:t>  مدل‌سازی </a:t>
-            </a:r>
-            <a:r>
-              <a:rPr lang="fa-IR" sz="2400" dirty="0" smtClean="0">
-                <a:cs typeface="B Nazanin" panose="00000400000000000000" pitchFamily="2" charset="-78"/>
-              </a:rPr>
-              <a:t>موضوع </a:t>
-            </a:r>
-            <a:r>
-              <a:rPr lang="fa-IR" sz="2400" dirty="0" smtClean="0">
-                <a:cs typeface="B Nazanin" panose="00000400000000000000" pitchFamily="2" charset="-78"/>
-              </a:rPr>
-              <a:t>– یک حالته.</a:t>
+              <a:t>  مدل‌سازی موضوع – یک حالته.</a:t>
             </a:r>
           </a:p>
           <a:p>
@@ -24064,7 +20965,7 @@
 </p:sld>
 </file>
 
-<file path=ppt/slides/slide17.xml><?xml version="1.0" encoding="utf-8"?>
+<file path=ppt/slides/slide16.xml><?xml version="1.0" encoding="utf-8"?>
 <p:sld xmlns:a="http://schemas.openxmlformats.org/drawingml/2006/main" xmlns:r="http://schemas.openxmlformats.org/officeDocument/2006/relationships" xmlns:p="http://schemas.openxmlformats.org/presentationml/2006/main">
   <p:cSld>
     <p:spTree>
@@ -27039,25 +23940,7 @@
               <a:rPr lang="fa-IR" sz="2400" dirty="0" smtClean="0">
                 <a:cs typeface="B Nazanin" panose="00000400000000000000" pitchFamily="2" charset="-78"/>
               </a:rPr>
-              <a:t>مدل گرافی–  </a:t>
-            </a:r>
-            <a:r>
-              <a:rPr lang="fa-IR" sz="2400" dirty="0" smtClean="0">
-                <a:cs typeface="B Nazanin" panose="00000400000000000000" pitchFamily="2" charset="-78"/>
-              </a:rPr>
-              <a:t>مدل‌سازی </a:t>
-            </a:r>
-            <a:r>
-              <a:rPr lang="fa-IR" sz="2400" dirty="0" smtClean="0">
-                <a:cs typeface="B Nazanin" panose="00000400000000000000" pitchFamily="2" charset="-78"/>
-              </a:rPr>
-              <a:t>موضوع و احساس </a:t>
-            </a:r>
-            <a:r>
-              <a:rPr lang="fa-IR" sz="2400" dirty="0" smtClean="0">
-                <a:cs typeface="B Nazanin" panose="00000400000000000000" pitchFamily="2" charset="-78"/>
-              </a:rPr>
-              <a:t>– یک حالته.</a:t>
+              <a:t>مدل بیزی–  مدل‌سازی موضوع و احساس – یک حالته.</a:t>
             </a:r>
           </a:p>
           <a:p>
@@ -27160,7 +24043,7 @@
 </p:sld>
 </file>
 
-<file path=ppt/slides/slide18.xml><?xml version="1.0" encoding="utf-8"?>
+<file path=ppt/slides/slide17.xml><?xml version="1.0" encoding="utf-8"?>
 <p:sld xmlns:a="http://schemas.openxmlformats.org/drawingml/2006/main" xmlns:r="http://schemas.openxmlformats.org/officeDocument/2006/relationships" xmlns:p="http://schemas.openxmlformats.org/presentationml/2006/main">
   <p:cSld>
     <p:spTree>
@@ -30135,25 +27018,7 @@
               <a:rPr lang="fa-IR" sz="2400" dirty="0" smtClean="0">
                 <a:cs typeface="B Nazanin" panose="00000400000000000000" pitchFamily="2" charset="-78"/>
               </a:rPr>
-              <a:t>مدل گرافی–  </a:t>
-            </a:r>
-            <a:r>
-              <a:rPr lang="fa-IR" sz="2400" dirty="0" smtClean="0">
-                <a:cs typeface="B Nazanin" panose="00000400000000000000" pitchFamily="2" charset="-78"/>
-              </a:rPr>
-              <a:t>مدل‌سازی </a:t>
-            </a:r>
-            <a:r>
-              <a:rPr lang="fa-IR" sz="2400" dirty="0" smtClean="0">
-                <a:cs typeface="B Nazanin" panose="00000400000000000000" pitchFamily="2" charset="-78"/>
-              </a:rPr>
-              <a:t>موضوع و احساس </a:t>
-            </a:r>
-            <a:r>
-              <a:rPr lang="fa-IR" sz="2400" dirty="0" smtClean="0">
-                <a:cs typeface="B Nazanin" panose="00000400000000000000" pitchFamily="2" charset="-78"/>
-              </a:rPr>
-              <a:t>– یک حالته.</a:t>
+              <a:t>مدل بیزی–  مدل‌سازی موضوع و احساس – یک حالته.</a:t>
             </a:r>
           </a:p>
           <a:p>
@@ -30174,13 +27039,7 @@
               <a:rPr lang="fa-IR" sz="2400" dirty="0" smtClean="0">
                 <a:cs typeface="B Nazanin" panose="00000400000000000000" pitchFamily="2" charset="-78"/>
               </a:rPr>
-              <a:t>یک</a:t>
-            </a:r>
-            <a:r>
-              <a:rPr lang="fa-IR" sz="2400" dirty="0" smtClean="0">
-                <a:cs typeface="B Nazanin" panose="00000400000000000000" pitchFamily="2" charset="-78"/>
-              </a:rPr>
-              <a:t> مدل مولد گرافی برای </a:t>
+              <a:t>یک مدل مولد گرافی برای </a:t>
             </a:r>
             <a:r>
               <a:rPr lang="fa-IR" sz="2400" dirty="0">
@@ -30286,7 +27145,7 @@
 </p:sld>
 </file>
 
-<file path=ppt/slides/slide19.xml><?xml version="1.0" encoding="utf-8"?>
+<file path=ppt/slides/slide18.xml><?xml version="1.0" encoding="utf-8"?>
 <p:sld xmlns:a="http://schemas.openxmlformats.org/drawingml/2006/main" xmlns:r="http://schemas.openxmlformats.org/officeDocument/2006/relationships" xmlns:p="http://schemas.openxmlformats.org/presentationml/2006/main">
   <p:cSld>
     <p:spTree>
@@ -30345,7 +27204,7 @@
       </p:sp>
       <p:pic>
         <p:nvPicPr>
-          <p:cNvPr id="3" name="Picture 2"/>
+          <p:cNvPr id="4" name="Picture 3"/>
           <p:cNvPicPr>
             <a:picLocks noChangeAspect="1"/>
           </p:cNvPicPr>
@@ -30365,8 +27224,8 @@
         </p:blipFill>
         <p:spPr>
           <a:xfrm>
-            <a:off x="2237340" y="1722102"/>
-            <a:ext cx="7228290" cy="4607911"/>
+            <a:off x="2626467" y="1463076"/>
+            <a:ext cx="6995051" cy="4964230"/>
           </a:xfrm>
           <a:prstGeom prst="rect">
             <a:avLst/>
@@ -30377,6 +27236,192 @@
     <p:extLst>
       <p:ext uri="{BB962C8B-B14F-4D97-AF65-F5344CB8AC3E}">
         <p14:creationId xmlns:p14="http://schemas.microsoft.com/office/powerpoint/2010/main" val="1070923991"/>
+      </p:ext>
+    </p:extLst>
+  </p:cSld>
+  <p:clrMapOvr>
+    <a:masterClrMapping/>
+  </p:clrMapOvr>
+  <p:timing>
+    <p:tnLst>
+      <p:par>
+        <p:cTn id="1" dur="indefinite" restart="never" nodeType="tmRoot"/>
+      </p:par>
+    </p:tnLst>
+  </p:timing>
+</p:sld>
+</file>
+
+<file path=ppt/slides/slide19.xml><?xml version="1.0" encoding="utf-8"?>
+<p:sld xmlns:a="http://schemas.openxmlformats.org/drawingml/2006/main" xmlns:r="http://schemas.openxmlformats.org/officeDocument/2006/relationships" xmlns:p="http://schemas.openxmlformats.org/presentationml/2006/main">
+  <p:cSld>
+    <p:spTree>
+      <p:nvGrpSpPr>
+        <p:cNvPr id="1" name=""/>
+        <p:cNvGrpSpPr/>
+        <p:nvPr/>
+      </p:nvGrpSpPr>
+      <p:grpSpPr>
+        <a:xfrm>
+          <a:off x="0" y="0"/>
+          <a:ext cx="0" cy="0"/>
+          <a:chOff x="0" y="0"/>
+          <a:chExt cx="0" cy="0"/>
+        </a:xfrm>
+      </p:grpSpPr>
+      <p:sp>
+        <p:nvSpPr>
+          <p:cNvPr id="2" name="Rectangle 1"/>
+          <p:cNvSpPr/>
+          <p:nvPr/>
+        </p:nvSpPr>
+        <p:spPr>
+          <a:xfrm>
+            <a:off x="4447542" y="704334"/>
+            <a:ext cx="3246402" cy="769441"/>
+          </a:xfrm>
+          <a:prstGeom prst="rect">
+            <a:avLst/>
+          </a:prstGeom>
+        </p:spPr>
+        <p:txBody>
+          <a:bodyPr wrap="none">
+            <a:spAutoFit/>
+          </a:bodyPr>
+          <a:lstStyle/>
+          <a:p>
+            <a:r>
+              <a:rPr lang="fa-IR" sz="4400" b="1" dirty="0">
+                <a:cs typeface="B Nazanin" panose="00000400000000000000" pitchFamily="2" charset="-78"/>
+              </a:rPr>
+              <a:t>روش پیشنهادی</a:t>
+            </a:r>
+          </a:p>
+        </p:txBody>
+      </p:sp>
+      <p:sp>
+        <p:nvSpPr>
+          <p:cNvPr id="5" name="TextBox 4"/>
+          <p:cNvSpPr txBox="1"/>
+          <p:nvPr/>
+        </p:nvSpPr>
+        <p:spPr>
+          <a:xfrm>
+            <a:off x="1306286" y="1770743"/>
+            <a:ext cx="9985828" cy="3693319"/>
+          </a:xfrm>
+          <a:prstGeom prst="rect">
+            <a:avLst/>
+          </a:prstGeom>
+          <a:noFill/>
+        </p:spPr>
+        <p:txBody>
+          <a:bodyPr wrap="square" rtlCol="0">
+            <a:spAutoFit/>
+          </a:bodyPr>
+          <a:lstStyle/>
+          <a:p>
+            <a:pPr marL="285750" indent="-285750" algn="r" rtl="1">
+              <a:lnSpc>
+                <a:spcPct val="200000"/>
+              </a:lnSpc>
+              <a:buFont typeface="Arial" panose="020B0604020202020204" pitchFamily="34" charset="0"/>
+              <a:buChar char="•"/>
+            </a:pPr>
+            <a:r>
+              <a:rPr lang="fa-IR" sz="2400" dirty="0" smtClean="0">
+                <a:cs typeface="B Nazanin" panose="00000400000000000000" pitchFamily="2" charset="-78"/>
+              </a:rPr>
+              <a:t>روش مولد احتمالاتی</a:t>
+            </a:r>
+          </a:p>
+          <a:p>
+            <a:pPr marL="285750" indent="-285750" algn="r" rtl="1">
+              <a:lnSpc>
+                <a:spcPct val="200000"/>
+              </a:lnSpc>
+              <a:buFont typeface="Arial" panose="020B0604020202020204" pitchFamily="34" charset="0"/>
+              <a:buChar char="•"/>
+            </a:pPr>
+            <a:r>
+              <a:rPr lang="fa-IR" sz="2400" dirty="0" smtClean="0">
+                <a:cs typeface="B Nazanin" panose="00000400000000000000" pitchFamily="2" charset="-78"/>
+              </a:rPr>
+              <a:t>بر پایه‌ی شبکه‌ی عصبی (</a:t>
+            </a:r>
+            <a:r>
+              <a:rPr lang="en-US" sz="2400" dirty="0" smtClean="0">
+                <a:cs typeface="B Nazanin" panose="00000400000000000000" pitchFamily="2" charset="-78"/>
+              </a:rPr>
+              <a:t>RBM</a:t>
+            </a:r>
+            <a:r>
+              <a:rPr lang="fa-IR" sz="2400" dirty="0" smtClean="0">
+                <a:cs typeface="B Nazanin" panose="00000400000000000000" pitchFamily="2" charset="-78"/>
+              </a:rPr>
+              <a:t>)</a:t>
+            </a:r>
+          </a:p>
+          <a:p>
+            <a:pPr marL="285750" indent="-285750" algn="r" rtl="1">
+              <a:lnSpc>
+                <a:spcPct val="200000"/>
+              </a:lnSpc>
+              <a:buFont typeface="Arial" panose="020B0604020202020204" pitchFamily="34" charset="0"/>
+              <a:buChar char="•"/>
+            </a:pPr>
+            <a:r>
+              <a:rPr lang="fa-IR" sz="2400" dirty="0" smtClean="0">
+                <a:cs typeface="B Nazanin" panose="00000400000000000000" pitchFamily="2" charset="-78"/>
+              </a:rPr>
+              <a:t>گسترش یافته مدل </a:t>
+            </a:r>
+            <a:r>
+              <a:rPr lang="en-US" sz="2400" dirty="0" smtClean="0">
+                <a:cs typeface="B Nazanin" panose="00000400000000000000" pitchFamily="2" charset="-78"/>
+              </a:rPr>
+              <a:t>RS</a:t>
+            </a:r>
+          </a:p>
+          <a:p>
+            <a:pPr marL="285750" indent="-285750" algn="r" rtl="1">
+              <a:lnSpc>
+                <a:spcPct val="200000"/>
+              </a:lnSpc>
+              <a:buFont typeface="Arial" panose="020B0604020202020204" pitchFamily="34" charset="0"/>
+              <a:buChar char="•"/>
+            </a:pPr>
+            <a:r>
+              <a:rPr lang="fa-IR" sz="2400" dirty="0" smtClean="0">
+                <a:cs typeface="B Nazanin" panose="00000400000000000000" pitchFamily="2" charset="-78"/>
+              </a:rPr>
+              <a:t>یک مدل نظارت شده</a:t>
+            </a:r>
+          </a:p>
+          <a:p>
+            <a:pPr marL="285750" indent="-285750" algn="r" rtl="1">
+              <a:lnSpc>
+                <a:spcPct val="200000"/>
+              </a:lnSpc>
+              <a:buFont typeface="Arial" panose="020B0604020202020204" pitchFamily="34" charset="0"/>
+              <a:buChar char="•"/>
+            </a:pPr>
+            <a:r>
+              <a:rPr lang="fa-IR" sz="2400" dirty="0" smtClean="0">
+                <a:cs typeface="B Nazanin" panose="00000400000000000000" pitchFamily="2" charset="-78"/>
+              </a:rPr>
+              <a:t>مدل‌سازی مشترک موضوع و احساس</a:t>
+            </a:r>
+            <a:endParaRPr lang="en-US" sz="2400" dirty="0">
+              <a:cs typeface="B Nazanin" panose="00000400000000000000" pitchFamily="2" charset="-78"/>
+            </a:endParaRPr>
+          </a:p>
+        </p:txBody>
+      </p:sp>
+    </p:spTree>
+    <p:extLst>
+      <p:ext uri="{BB962C8B-B14F-4D97-AF65-F5344CB8AC3E}">
+        <p14:creationId xmlns:p14="http://schemas.microsoft.com/office/powerpoint/2010/main" val="1604412126"/>
       </p:ext>
     </p:extLst>
   </p:cSld>
@@ -30507,7 +27552,7 @@
               <a:rPr lang="fa-IR" sz="2400" dirty="0" smtClean="0">
                 <a:cs typeface="B Nazanin" panose="00000400000000000000" pitchFamily="2" charset="-78"/>
               </a:rPr>
-              <a:t>پیشنهادهای آبنده</a:t>
+              <a:t>کارهای آینده</a:t>
             </a:r>
           </a:p>
           <a:p>
@@ -31248,192 +28293,6 @@
       </p:grpSpPr>
       <p:sp>
         <p:nvSpPr>
-          <p:cNvPr id="2" name="Rectangle 1"/>
-          <p:cNvSpPr/>
-          <p:nvPr/>
-        </p:nvSpPr>
-        <p:spPr>
-          <a:xfrm>
-            <a:off x="4447542" y="704334"/>
-            <a:ext cx="3246402" cy="769441"/>
-          </a:xfrm>
-          <a:prstGeom prst="rect">
-            <a:avLst/>
-          </a:prstGeom>
-        </p:spPr>
-        <p:txBody>
-          <a:bodyPr wrap="none">
-            <a:spAutoFit/>
-          </a:bodyPr>
-          <a:lstStyle/>
-          <a:p>
-            <a:r>
-              <a:rPr lang="fa-IR" sz="4400" b="1" dirty="0">
-                <a:cs typeface="B Nazanin" panose="00000400000000000000" pitchFamily="2" charset="-78"/>
-              </a:rPr>
-              <a:t>روش پیشنهادی</a:t>
-            </a:r>
-          </a:p>
-        </p:txBody>
-      </p:sp>
-      <p:sp>
-        <p:nvSpPr>
-          <p:cNvPr id="5" name="TextBox 4"/>
-          <p:cNvSpPr txBox="1"/>
-          <p:nvPr/>
-        </p:nvSpPr>
-        <p:spPr>
-          <a:xfrm>
-            <a:off x="1306286" y="1770743"/>
-            <a:ext cx="9985828" cy="3693319"/>
-          </a:xfrm>
-          <a:prstGeom prst="rect">
-            <a:avLst/>
-          </a:prstGeom>
-          <a:noFill/>
-        </p:spPr>
-        <p:txBody>
-          <a:bodyPr wrap="square" rtlCol="0">
-            <a:spAutoFit/>
-          </a:bodyPr>
-          <a:lstStyle/>
-          <a:p>
-            <a:pPr marL="285750" indent="-285750" algn="r" rtl="1">
-              <a:lnSpc>
-                <a:spcPct val="200000"/>
-              </a:lnSpc>
-              <a:buFont typeface="Arial" panose="020B0604020202020204" pitchFamily="34" charset="0"/>
-              <a:buChar char="•"/>
-            </a:pPr>
-            <a:r>
-              <a:rPr lang="fa-IR" sz="2400" dirty="0" smtClean="0">
-                <a:cs typeface="B Nazanin" panose="00000400000000000000" pitchFamily="2" charset="-78"/>
-              </a:rPr>
-              <a:t>روش مولد احتمالاتی</a:t>
-            </a:r>
-          </a:p>
-          <a:p>
-            <a:pPr marL="285750" indent="-285750" algn="r" rtl="1">
-              <a:lnSpc>
-                <a:spcPct val="200000"/>
-              </a:lnSpc>
-              <a:buFont typeface="Arial" panose="020B0604020202020204" pitchFamily="34" charset="0"/>
-              <a:buChar char="•"/>
-            </a:pPr>
-            <a:r>
-              <a:rPr lang="fa-IR" sz="2400" dirty="0" smtClean="0">
-                <a:cs typeface="B Nazanin" panose="00000400000000000000" pitchFamily="2" charset="-78"/>
-              </a:rPr>
-              <a:t>بر پایه‌ی شبکه‌ی عصبی (</a:t>
-            </a:r>
-            <a:r>
-              <a:rPr lang="en-US" sz="2400" dirty="0" smtClean="0">
-                <a:cs typeface="B Nazanin" panose="00000400000000000000" pitchFamily="2" charset="-78"/>
-              </a:rPr>
-              <a:t>RBM</a:t>
-            </a:r>
-            <a:r>
-              <a:rPr lang="fa-IR" sz="2400" dirty="0" smtClean="0">
-                <a:cs typeface="B Nazanin" panose="00000400000000000000" pitchFamily="2" charset="-78"/>
-              </a:rPr>
-              <a:t>)</a:t>
-            </a:r>
-          </a:p>
-          <a:p>
-            <a:pPr marL="285750" indent="-285750" algn="r" rtl="1">
-              <a:lnSpc>
-                <a:spcPct val="200000"/>
-              </a:lnSpc>
-              <a:buFont typeface="Arial" panose="020B0604020202020204" pitchFamily="34" charset="0"/>
-              <a:buChar char="•"/>
-            </a:pPr>
-            <a:r>
-              <a:rPr lang="fa-IR" sz="2400" dirty="0" smtClean="0">
-                <a:cs typeface="B Nazanin" panose="00000400000000000000" pitchFamily="2" charset="-78"/>
-              </a:rPr>
-              <a:t>گسترش یافته مدل </a:t>
-            </a:r>
-            <a:r>
-              <a:rPr lang="en-US" sz="2400" dirty="0" smtClean="0">
-                <a:cs typeface="B Nazanin" panose="00000400000000000000" pitchFamily="2" charset="-78"/>
-              </a:rPr>
-              <a:t>RS</a:t>
-            </a:r>
-          </a:p>
-          <a:p>
-            <a:pPr marL="285750" indent="-285750" algn="r" rtl="1">
-              <a:lnSpc>
-                <a:spcPct val="200000"/>
-              </a:lnSpc>
-              <a:buFont typeface="Arial" panose="020B0604020202020204" pitchFamily="34" charset="0"/>
-              <a:buChar char="•"/>
-            </a:pPr>
-            <a:r>
-              <a:rPr lang="fa-IR" sz="2400" dirty="0" smtClean="0">
-                <a:cs typeface="B Nazanin" panose="00000400000000000000" pitchFamily="2" charset="-78"/>
-              </a:rPr>
-              <a:t>یک مدل نظارت شده</a:t>
-            </a:r>
-          </a:p>
-          <a:p>
-            <a:pPr marL="285750" indent="-285750" algn="r" rtl="1">
-              <a:lnSpc>
-                <a:spcPct val="200000"/>
-              </a:lnSpc>
-              <a:buFont typeface="Arial" panose="020B0604020202020204" pitchFamily="34" charset="0"/>
-              <a:buChar char="•"/>
-            </a:pPr>
-            <a:r>
-              <a:rPr lang="fa-IR" sz="2400" dirty="0" smtClean="0">
-                <a:cs typeface="B Nazanin" panose="00000400000000000000" pitchFamily="2" charset="-78"/>
-              </a:rPr>
-              <a:t>مدل‌سازی مشترک موضوع و احساس</a:t>
-            </a:r>
-            <a:endParaRPr lang="en-US" sz="2400" dirty="0">
-              <a:cs typeface="B Nazanin" panose="00000400000000000000" pitchFamily="2" charset="-78"/>
-            </a:endParaRPr>
-          </a:p>
-        </p:txBody>
-      </p:sp>
-    </p:spTree>
-    <p:extLst>
-      <p:ext uri="{BB962C8B-B14F-4D97-AF65-F5344CB8AC3E}">
-        <p14:creationId xmlns:p14="http://schemas.microsoft.com/office/powerpoint/2010/main" val="1604412126"/>
-      </p:ext>
-    </p:extLst>
-  </p:cSld>
-  <p:clrMapOvr>
-    <a:masterClrMapping/>
-  </p:clrMapOvr>
-  <p:timing>
-    <p:tnLst>
-      <p:par>
-        <p:cTn id="1" dur="indefinite" restart="never" nodeType="tmRoot"/>
-      </p:par>
-    </p:tnLst>
-  </p:timing>
-</p:sld>
-</file>
-
-<file path=ppt/slides/slide21.xml><?xml version="1.0" encoding="utf-8"?>
-<p:sld xmlns:a="http://schemas.openxmlformats.org/drawingml/2006/main" xmlns:r="http://schemas.openxmlformats.org/officeDocument/2006/relationships" xmlns:p="http://schemas.openxmlformats.org/presentationml/2006/main">
-  <p:cSld>
-    <p:spTree>
-      <p:nvGrpSpPr>
-        <p:cNvPr id="1" name=""/>
-        <p:cNvGrpSpPr/>
-        <p:nvPr/>
-      </p:nvGrpSpPr>
-      <p:grpSpPr>
-        <a:xfrm>
-          <a:off x="0" y="0"/>
-          <a:ext cx="0" cy="0"/>
-          <a:chOff x="0" y="0"/>
-          <a:chExt cx="0" cy="0"/>
-        </a:xfrm>
-      </p:grpSpPr>
-      <p:sp>
-        <p:nvSpPr>
           <p:cNvPr id="6" name="Rectangle 5"/>
           <p:cNvSpPr/>
           <p:nvPr/>
@@ -31492,8 +28351,8 @@
           </a:prstGeom>
         </p:spPr>
       </p:pic>
-      <mc:AlternateContent xmlns:mc="http://schemas.openxmlformats.org/markup-compatibility/2006">
-        <mc:Choice xmlns:a14="http://schemas.microsoft.com/office/drawing/2010/main" Requires="a14">
+      <mc:AlternateContent xmlns:mc="http://schemas.openxmlformats.org/markup-compatibility/2006" xmlns:a14="http://schemas.microsoft.com/office/drawing/2010/main">
+        <mc:Choice Requires="a14">
           <p:sp>
             <p:nvSpPr>
               <p:cNvPr id="4" name="TextBox 3"/>
@@ -31875,7 +28734,7 @@
             </p:txBody>
           </p:sp>
         </mc:Choice>
-        <mc:Fallback>
+        <mc:Fallback xmlns="">
           <p:sp>
             <p:nvSpPr>
               <p:cNvPr id="4" name="TextBox 3"/>
@@ -32084,7 +28943,7 @@
 </p:sld>
 </file>
 
-<file path=ppt/slides/slide22.xml><?xml version="1.0" encoding="utf-8"?>
+<file path=ppt/slides/slide21.xml><?xml version="1.0" encoding="utf-8"?>
 <p:sld xmlns:a="http://schemas.openxmlformats.org/drawingml/2006/main" xmlns:r="http://schemas.openxmlformats.org/officeDocument/2006/relationships" xmlns:p="http://schemas.openxmlformats.org/presentationml/2006/main">
   <p:cSld>
     <p:spTree>
@@ -32163,7 +29022,7 @@
       </p:pic>
       <p:pic>
         <p:nvPicPr>
-          <p:cNvPr id="3" name="Picture 2"/>
+          <p:cNvPr id="4" name="Picture 3"/>
           <p:cNvPicPr>
             <a:picLocks noChangeAspect="1"/>
           </p:cNvPicPr>
@@ -32171,36 +29030,6 @@
         </p:nvPicPr>
         <p:blipFill>
           <a:blip r:embed="rId3">
-            <a:extLst>
-              <a:ext uri="{28A0092B-C50C-407E-A947-70E740481C1C}">
-                <a14:useLocalDpi xmlns:a14="http://schemas.microsoft.com/office/drawing/2010/main" val="0"/>
-              </a:ext>
-            </a:extLst>
-          </a:blip>
-          <a:stretch>
-            <a:fillRect/>
-          </a:stretch>
-        </p:blipFill>
-        <p:spPr>
-          <a:xfrm>
-            <a:off x="5781829" y="3255888"/>
-            <a:ext cx="6043923" cy="3477478"/>
-          </a:xfrm>
-          <a:prstGeom prst="rect">
-            <a:avLst/>
-          </a:prstGeom>
-        </p:spPr>
-      </p:pic>
-      <p:pic>
-        <p:nvPicPr>
-          <p:cNvPr id="4" name="Picture 3"/>
-          <p:cNvPicPr>
-            <a:picLocks noChangeAspect="1"/>
-          </p:cNvPicPr>
-          <p:nvPr/>
-        </p:nvPicPr>
-        <p:blipFill>
-          <a:blip r:embed="rId4">
             <a:extLst>
               <a:ext uri="{28A0092B-C50C-407E-A947-70E740481C1C}">
                 <a14:useLocalDpi xmlns:a14="http://schemas.microsoft.com/office/drawing/2010/main" val="0"/>
@@ -32230,7 +29059,7 @@
           <p:nvPr/>
         </p:nvPicPr>
         <p:blipFill>
-          <a:blip r:embed="rId5">
+          <a:blip r:embed="rId4">
             <a:extLst>
               <a:ext uri="{28A0092B-C50C-407E-A947-70E740481C1C}">
                 <a14:useLocalDpi xmlns:a14="http://schemas.microsoft.com/office/drawing/2010/main" val="0"/>
@@ -32271,7 +29100,7 @@
 </p:sld>
 </file>
 
-<file path=ppt/slides/slide23.xml><?xml version="1.0" encoding="utf-8"?>
+<file path=ppt/slides/slide22.xml><?xml version="1.0" encoding="utf-8"?>
 <p:sld xmlns:a="http://schemas.openxmlformats.org/drawingml/2006/main" xmlns:r="http://schemas.openxmlformats.org/officeDocument/2006/relationships" xmlns:p="http://schemas.openxmlformats.org/presentationml/2006/main">
   <p:cSld>
     <p:spTree>
@@ -32468,7 +29297,7 @@
 </p:sld>
 </file>
 
-<file path=ppt/slides/slide24.xml><?xml version="1.0" encoding="utf-8"?>
+<file path=ppt/slides/slide23.xml><?xml version="1.0" encoding="utf-8"?>
 <p:sld xmlns:a="http://schemas.openxmlformats.org/drawingml/2006/main" xmlns:r="http://schemas.openxmlformats.org/officeDocument/2006/relationships" xmlns:p="http://schemas.openxmlformats.org/presentationml/2006/main">
   <p:cSld>
     <p:spTree>
@@ -32625,7 +29454,7 @@
 </p:sld>
 </file>
 
-<file path=ppt/slides/slide25.xml><?xml version="1.0" encoding="utf-8"?>
+<file path=ppt/slides/slide24.xml><?xml version="1.0" encoding="utf-8"?>
 <p:sld xmlns:a="http://schemas.openxmlformats.org/drawingml/2006/main" xmlns:r="http://schemas.openxmlformats.org/officeDocument/2006/relationships" xmlns:p="http://schemas.openxmlformats.org/presentationml/2006/main">
   <p:cSld>
     <p:spTree>
@@ -32752,7 +29581,7 @@
 </p:sld>
 </file>
 
-<file path=ppt/slides/slide26.xml><?xml version="1.0" encoding="utf-8"?>
+<file path=ppt/slides/slide25.xml><?xml version="1.0" encoding="utf-8"?>
 <p:sld xmlns:a="http://schemas.openxmlformats.org/drawingml/2006/main" xmlns:r="http://schemas.openxmlformats.org/officeDocument/2006/relationships" xmlns:p="http://schemas.openxmlformats.org/presentationml/2006/main">
   <p:cSld>
     <p:spTree>
@@ -32809,7 +29638,7 @@
         <p:spPr>
           <a:xfrm>
             <a:off x="7315200" y="2757713"/>
-            <a:ext cx="3410856" cy="3477875"/>
+            <a:ext cx="3410856" cy="2800767"/>
           </a:xfrm>
           <a:prstGeom prst="rect">
             <a:avLst/>
@@ -32878,23 +29707,17 @@
               <a:rPr lang="fa-IR" sz="2200" dirty="0" smtClean="0">
                 <a:cs typeface="B Nazanin" panose="00000400000000000000" pitchFamily="2" charset="-78"/>
               </a:rPr>
-              <a:t>آماده‌سازی پایگاه داده ها</a:t>
-            </a:r>
-          </a:p>
-          <a:p>
-            <a:pPr marL="342900" indent="-342900" algn="r" rtl="1">
-              <a:lnSpc>
-                <a:spcPct val="200000"/>
-              </a:lnSpc>
-              <a:buFont typeface="Arial" panose="020B0604020202020204" pitchFamily="34" charset="0"/>
-              <a:buChar char="•"/>
-            </a:pPr>
+              <a:t>آماده‌سازی پایگاه داده </a:t>
+            </a:r>
             <a:r>
               <a:rPr lang="fa-IR" sz="2200" dirty="0" smtClean="0">
                 <a:cs typeface="B Nazanin" panose="00000400000000000000" pitchFamily="2" charset="-78"/>
               </a:rPr>
-              <a:t>جزئیات آموزش مدل پیشنهادی</a:t>
-            </a:r>
+              <a:t>ها</a:t>
+            </a:r>
+            <a:endParaRPr lang="fa-IR" sz="2200" dirty="0" smtClean="0">
+              <a:cs typeface="B Nazanin" panose="00000400000000000000" pitchFamily="2" charset="-78"/>
+            </a:endParaRPr>
           </a:p>
         </p:txBody>
       </p:sp>
@@ -32906,7 +29729,7 @@
         </p:nvSpPr>
         <p:spPr>
           <a:xfrm>
-            <a:off x="740228" y="2757712"/>
+            <a:off x="796498" y="2757712"/>
             <a:ext cx="5507109" cy="2800767"/>
           </a:xfrm>
           <a:prstGeom prst="rect">
@@ -33028,7 +29851,7 @@
 </p:sld>
 </file>
 
-<file path=ppt/slides/slide27.xml><?xml version="1.0" encoding="utf-8"?>
+<file path=ppt/slides/slide26.xml><?xml version="1.0" encoding="utf-8"?>
 <p:sld xmlns:a="http://schemas.openxmlformats.org/drawingml/2006/main" xmlns:r="http://schemas.openxmlformats.org/officeDocument/2006/relationships" xmlns:p="http://schemas.openxmlformats.org/presentationml/2006/main">
   <p:cSld>
     <p:spTree>
@@ -33290,7 +30113,7 @@
 </p:sld>
 </file>
 
-<file path=ppt/slides/slide28.xml><?xml version="1.0" encoding="utf-8"?>
+<file path=ppt/slides/slide27.xml><?xml version="1.0" encoding="utf-8"?>
 <p:sld xmlns:a="http://schemas.openxmlformats.org/drawingml/2006/main" xmlns:r="http://schemas.openxmlformats.org/officeDocument/2006/relationships" xmlns:p="http://schemas.openxmlformats.org/presentationml/2006/main">
   <p:cSld>
     <p:spTree>
@@ -33408,7 +30231,19 @@
               <a:rPr lang="fa-IR" sz="2400" dirty="0" smtClean="0">
                 <a:cs typeface="B Nazanin" panose="00000400000000000000" pitchFamily="2" charset="-78"/>
               </a:rPr>
-              <a:t>، میانگین 30 جمله هر بازبینی، سایز دیکشنری 24916</a:t>
+              <a:t>، میانگین 30 جمله هر بازبینی، </a:t>
+            </a:r>
+            <a:r>
+              <a:rPr lang="fa-IR" sz="2400" dirty="0">
+                <a:cs typeface="B Nazanin" panose="00000400000000000000" pitchFamily="2" charset="-78"/>
+              </a:rPr>
+              <a:t>اندازه‌ی لغت‌نامه </a:t>
+            </a:r>
+            <a:r>
+              <a:rPr lang="fa-IR" sz="2400" dirty="0" smtClean="0">
+                <a:cs typeface="B Nazanin" panose="00000400000000000000" pitchFamily="2" charset="-78"/>
+              </a:rPr>
+              <a:t>24916</a:t>
             </a:r>
           </a:p>
           <a:p>
@@ -33465,7 +30300,7 @@
               <a:rPr lang="fa-IR" sz="2400" dirty="0" smtClean="0">
                 <a:cs typeface="B Nazanin" panose="00000400000000000000" pitchFamily="2" charset="-78"/>
               </a:rPr>
-              <a:t>، 20 موضوع، سایز دیکشنری 2000، 11284 سند</a:t>
+              <a:t>، 20 موضوع، اندازه‌ی لغت‌نامه 2000، 11284 سند</a:t>
             </a:r>
           </a:p>
           <a:p>
@@ -33571,7 +30406,7 @@
 </p:sld>
 </file>
 
-<file path=ppt/slides/slide29.xml><?xml version="1.0" encoding="utf-8"?>
+<file path=ppt/slides/slide28.xml><?xml version="1.0" encoding="utf-8"?>
 <p:sld xmlns:a="http://schemas.openxmlformats.org/drawingml/2006/main" xmlns:r="http://schemas.openxmlformats.org/officeDocument/2006/relationships" xmlns:p="http://schemas.openxmlformats.org/presentationml/2006/main">
   <p:cSld>
     <p:spTree>
@@ -33659,7 +30494,7 @@
               <a:rPr lang="fa-IR" sz="2400" dirty="0" smtClean="0">
                 <a:cs typeface="B Nazanin" panose="00000400000000000000" pitchFamily="2" charset="-78"/>
               </a:rPr>
-              <a:t>یک دیکشنری عمومی از بیش شده که برای هر کلمه قطبیت احساس مشخص است.</a:t>
+              <a:t>یک دیکشنری عمومی از بیش ساخته شده با قطبیت احساس مشخص برای هر کلمه.</a:t>
             </a:r>
           </a:p>
           <a:p>
@@ -33680,7 +30515,7 @@
               <a:rPr lang="fa-IR" sz="2400" dirty="0" smtClean="0">
                 <a:cs typeface="B Nazanin" panose="00000400000000000000" pitchFamily="2" charset="-78"/>
               </a:rPr>
-              <a:t>کلماتی که به هیچ دامنه‌ی خاصی وابسته نیستند.</a:t>
+              <a:t>عدم وابستگی کلمات به دامنه‌ای خاص.</a:t>
             </a:r>
           </a:p>
           <a:p>
@@ -33768,6 +30603,265 @@
 </p:sld>
 </file>
 
+<file path=ppt/slides/slide29.xml><?xml version="1.0" encoding="utf-8"?>
+<p:sld xmlns:a="http://schemas.openxmlformats.org/drawingml/2006/main" xmlns:r="http://schemas.openxmlformats.org/officeDocument/2006/relationships" xmlns:p="http://schemas.openxmlformats.org/presentationml/2006/main">
+  <p:cSld>
+    <p:spTree>
+      <p:nvGrpSpPr>
+        <p:cNvPr id="1" name=""/>
+        <p:cNvGrpSpPr/>
+        <p:nvPr/>
+      </p:nvGrpSpPr>
+      <p:grpSpPr>
+        <a:xfrm>
+          <a:off x="0" y="0"/>
+          <a:ext cx="0" cy="0"/>
+          <a:chOff x="0" y="0"/>
+          <a:chExt cx="0" cy="0"/>
+        </a:xfrm>
+      </p:grpSpPr>
+      <p:sp>
+        <p:nvSpPr>
+          <p:cNvPr id="6" name="Rectangle 5"/>
+          <p:cNvSpPr/>
+          <p:nvPr/>
+        </p:nvSpPr>
+        <p:spPr>
+          <a:xfrm>
+            <a:off x="3439509" y="0"/>
+            <a:ext cx="5096267" cy="1277273"/>
+          </a:xfrm>
+          <a:prstGeom prst="rect">
+            <a:avLst/>
+          </a:prstGeom>
+        </p:spPr>
+        <p:txBody>
+          <a:bodyPr wrap="none">
+            <a:spAutoFit/>
+          </a:bodyPr>
+          <a:lstStyle/>
+          <a:p>
+            <a:pPr algn="r" rtl="1">
+              <a:lnSpc>
+                <a:spcPct val="200000"/>
+              </a:lnSpc>
+            </a:pPr>
+            <a:r>
+              <a:rPr lang="fa-IR" sz="4400" b="1" dirty="0">
+                <a:cs typeface="B Nazanin" panose="00000400000000000000" pitchFamily="2" charset="-78"/>
+              </a:rPr>
+              <a:t>آماده سازی پایگاه </a:t>
+            </a:r>
+            <a:r>
+              <a:rPr lang="fa-IR" sz="4400" b="1" dirty="0" smtClean="0">
+                <a:cs typeface="B Nazanin" panose="00000400000000000000" pitchFamily="2" charset="-78"/>
+              </a:rPr>
+              <a:t>داده‌ها</a:t>
+            </a:r>
+            <a:endParaRPr lang="fa-IR" sz="4400" b="1" dirty="0">
+              <a:cs typeface="B Nazanin" panose="00000400000000000000" pitchFamily="2" charset="-78"/>
+            </a:endParaRPr>
+          </a:p>
+        </p:txBody>
+      </p:sp>
+      <p:sp>
+        <p:nvSpPr>
+          <p:cNvPr id="3" name="TextBox 2"/>
+          <p:cNvSpPr txBox="1"/>
+          <p:nvPr/>
+        </p:nvSpPr>
+        <p:spPr>
+          <a:xfrm>
+            <a:off x="342900" y="2019300"/>
+            <a:ext cx="10998200" cy="461665"/>
+          </a:xfrm>
+          <a:prstGeom prst="rect">
+            <a:avLst/>
+          </a:prstGeom>
+          <a:noFill/>
+        </p:spPr>
+        <p:txBody>
+          <a:bodyPr wrap="square" rtlCol="1">
+            <a:spAutoFit/>
+          </a:bodyPr>
+          <a:lstStyle/>
+          <a:p>
+            <a:pPr marL="285750" indent="-285750" algn="r" rtl="1">
+              <a:buFont typeface="Arial" panose="020B0604020202020204" pitchFamily="34" charset="0"/>
+              <a:buChar char="•"/>
+            </a:pPr>
+            <a:r>
+              <a:rPr lang="en-US" sz="2400" dirty="0">
+                <a:cs typeface="B Nazanin" panose="00000400000000000000" pitchFamily="2" charset="-78"/>
+              </a:rPr>
+              <a:t>l</a:t>
+            </a:r>
+            <a:r>
+              <a:rPr lang="en-US" sz="2400" dirty="0" smtClean="0">
+                <a:cs typeface="B Nazanin" panose="00000400000000000000" pitchFamily="2" charset="-78"/>
+              </a:rPr>
+              <a:t>ib-</a:t>
+            </a:r>
+            <a:r>
+              <a:rPr lang="en-US" sz="2400" dirty="0" err="1" smtClean="0">
+                <a:cs typeface="B Nazanin" panose="00000400000000000000" pitchFamily="2" charset="-78"/>
+              </a:rPr>
+              <a:t>svm</a:t>
+            </a:r>
+            <a:r>
+              <a:rPr lang="fa-IR" sz="2400" dirty="0" smtClean="0">
+                <a:cs typeface="B Nazanin" panose="00000400000000000000" pitchFamily="2" charset="-78"/>
+              </a:rPr>
+              <a:t>: فرمت وردی به مدل.</a:t>
+            </a:r>
+          </a:p>
+        </p:txBody>
+      </p:sp>
+      <p:pic>
+        <p:nvPicPr>
+          <p:cNvPr id="2" name="Picture 1"/>
+          <p:cNvPicPr>
+            <a:picLocks noChangeAspect="1"/>
+          </p:cNvPicPr>
+          <p:nvPr/>
+        </p:nvPicPr>
+        <p:blipFill>
+          <a:blip r:embed="rId2">
+            <a:extLst>
+              <a:ext uri="{28A0092B-C50C-407E-A947-70E740481C1C}">
+                <a14:useLocalDpi xmlns:a14="http://schemas.microsoft.com/office/drawing/2010/main" val="0"/>
+              </a:ext>
+            </a:extLst>
+          </a:blip>
+          <a:stretch>
+            <a:fillRect/>
+          </a:stretch>
+        </p:blipFill>
+        <p:spPr>
+          <a:xfrm>
+            <a:off x="947725" y="2643247"/>
+            <a:ext cx="10079833" cy="1159490"/>
+          </a:xfrm>
+          <a:prstGeom prst="rect">
+            <a:avLst/>
+          </a:prstGeom>
+        </p:spPr>
+      </p:pic>
+      <p:sp>
+        <p:nvSpPr>
+          <p:cNvPr id="5" name="TextBox 4"/>
+          <p:cNvSpPr txBox="1"/>
+          <p:nvPr/>
+        </p:nvSpPr>
+        <p:spPr>
+          <a:xfrm>
+            <a:off x="326488" y="4028630"/>
+            <a:ext cx="10998200" cy="461665"/>
+          </a:xfrm>
+          <a:prstGeom prst="rect">
+            <a:avLst/>
+          </a:prstGeom>
+          <a:noFill/>
+        </p:spPr>
+        <p:txBody>
+          <a:bodyPr wrap="square" rtlCol="1">
+            <a:spAutoFit/>
+          </a:bodyPr>
+          <a:lstStyle/>
+          <a:p>
+            <a:pPr marL="285750" indent="-285750" algn="r" rtl="1">
+              <a:buFont typeface="Arial" panose="020B0604020202020204" pitchFamily="34" charset="0"/>
+              <a:buChar char="•"/>
+            </a:pPr>
+            <a:r>
+              <a:rPr lang="fa-IR" sz="2400" dirty="0" smtClean="0">
+                <a:cs typeface="B Nazanin" panose="00000400000000000000" pitchFamily="2" charset="-78"/>
+              </a:rPr>
+              <a:t>تبدیل دیتاست </a:t>
+            </a:r>
+            <a:r>
+              <a:rPr lang="en-US" sz="2400" dirty="0" smtClean="0">
+                <a:cs typeface="B Nazanin" panose="00000400000000000000" pitchFamily="2" charset="-78"/>
+              </a:rPr>
+              <a:t>MR</a:t>
+            </a:r>
+            <a:r>
+              <a:rPr lang="fa-IR" sz="2400" dirty="0" smtClean="0">
+                <a:cs typeface="B Nazanin" panose="00000400000000000000" pitchFamily="2" charset="-78"/>
+              </a:rPr>
+              <a:t> به فرمت </a:t>
+            </a:r>
+            <a:r>
+              <a:rPr lang="en-US" sz="2400" dirty="0" smtClean="0">
+                <a:cs typeface="B Nazanin" panose="00000400000000000000" pitchFamily="2" charset="-78"/>
+              </a:rPr>
+              <a:t>lib-</a:t>
+            </a:r>
+            <a:r>
+              <a:rPr lang="en-US" sz="2400" dirty="0" err="1" smtClean="0">
+                <a:cs typeface="B Nazanin" panose="00000400000000000000" pitchFamily="2" charset="-78"/>
+              </a:rPr>
+              <a:t>svm</a:t>
+            </a:r>
+            <a:r>
+              <a:rPr lang="fa-IR" sz="2400" dirty="0" smtClean="0">
+                <a:cs typeface="B Nazanin" panose="00000400000000000000" pitchFamily="2" charset="-78"/>
+              </a:rPr>
+              <a:t> با استفاده سه لغت‌نامه.</a:t>
+            </a:r>
+          </a:p>
+        </p:txBody>
+      </p:sp>
+      <p:pic>
+        <p:nvPicPr>
+          <p:cNvPr id="4" name="Picture 3"/>
+          <p:cNvPicPr>
+            <a:picLocks noChangeAspect="1"/>
+          </p:cNvPicPr>
+          <p:nvPr/>
+        </p:nvPicPr>
+        <p:blipFill>
+          <a:blip r:embed="rId3">
+            <a:extLst>
+              <a:ext uri="{28A0092B-C50C-407E-A947-70E740481C1C}">
+                <a14:useLocalDpi xmlns:a14="http://schemas.microsoft.com/office/drawing/2010/main" val="0"/>
+              </a:ext>
+            </a:extLst>
+          </a:blip>
+          <a:stretch>
+            <a:fillRect/>
+          </a:stretch>
+        </p:blipFill>
+        <p:spPr>
+          <a:xfrm>
+            <a:off x="947725" y="4588770"/>
+            <a:ext cx="10302354" cy="1361865"/>
+          </a:xfrm>
+          <a:prstGeom prst="rect">
+            <a:avLst/>
+          </a:prstGeom>
+        </p:spPr>
+      </p:pic>
+    </p:spTree>
+    <p:extLst>
+      <p:ext uri="{BB962C8B-B14F-4D97-AF65-F5344CB8AC3E}">
+        <p14:creationId xmlns:p14="http://schemas.microsoft.com/office/powerpoint/2010/main" val="3408853301"/>
+      </p:ext>
+    </p:extLst>
+  </p:cSld>
+  <p:clrMapOvr>
+    <a:masterClrMapping/>
+  </p:clrMapOvr>
+  <p:timing>
+    <p:tnLst>
+      <p:par>
+        <p:cTn id="1" dur="indefinite" restart="never" nodeType="tmRoot"/>
+      </p:par>
+    </p:tnLst>
+  </p:timing>
+</p:sld>
+</file>
+
 <file path=ppt/slides/slide3.xml><?xml version="1.0" encoding="utf-8"?>
 <p:sld xmlns:a="http://schemas.openxmlformats.org/drawingml/2006/main" xmlns:r="http://schemas.openxmlformats.org/officeDocument/2006/relationships" xmlns:p="http://schemas.openxmlformats.org/presentationml/2006/main">
   <p:cSld>
@@ -33839,15 +30933,21 @@
               <a:rPr lang="fa-IR" sz="9600" dirty="0" smtClean="0">
                 <a:cs typeface="B Nazanin" panose="00000400000000000000" pitchFamily="2" charset="-78"/>
               </a:rPr>
-              <a:t>اهداف و نوآوری‌ها</a:t>
+              <a:t>تعریف مساله و انگیزه</a:t>
             </a:r>
           </a:p>
           <a:p>
             <a:r>
+              <a:rPr lang="fa-IR" sz="9600" dirty="0" smtClean="0">
+                <a:cs typeface="B Nazanin" panose="00000400000000000000" pitchFamily="2" charset="-78"/>
+              </a:rPr>
+              <a:t>موضوع </a:t>
+            </a:r>
+            <a:r>
               <a:rPr lang="fa-IR" sz="9600" dirty="0">
                 <a:cs typeface="B Nazanin" panose="00000400000000000000" pitchFamily="2" charset="-78"/>
               </a:rPr>
-              <a:t>موضوع و مدل </a:t>
+              <a:t>و مدل </a:t>
             </a:r>
             <a:r>
               <a:rPr lang="fa-IR" sz="9600" dirty="0" smtClean="0">
@@ -34723,650 +31823,6 @@
         </p:nvSpPr>
         <p:spPr>
           <a:xfrm>
-            <a:off x="3439509" y="0"/>
-            <a:ext cx="5096267" cy="1277273"/>
-          </a:xfrm>
-          <a:prstGeom prst="rect">
-            <a:avLst/>
-          </a:prstGeom>
-        </p:spPr>
-        <p:txBody>
-          <a:bodyPr wrap="none">
-            <a:spAutoFit/>
-          </a:bodyPr>
-          <a:lstStyle/>
-          <a:p>
-            <a:pPr algn="r" rtl="1">
-              <a:lnSpc>
-                <a:spcPct val="200000"/>
-              </a:lnSpc>
-            </a:pPr>
-            <a:r>
-              <a:rPr lang="fa-IR" sz="4400" b="1" dirty="0">
-                <a:cs typeface="B Nazanin" panose="00000400000000000000" pitchFamily="2" charset="-78"/>
-              </a:rPr>
-              <a:t>آماده سازی پایگاه </a:t>
-            </a:r>
-            <a:r>
-              <a:rPr lang="fa-IR" sz="4400" b="1" dirty="0" smtClean="0">
-                <a:cs typeface="B Nazanin" panose="00000400000000000000" pitchFamily="2" charset="-78"/>
-              </a:rPr>
-              <a:t>داده‌ها</a:t>
-            </a:r>
-            <a:endParaRPr lang="fa-IR" sz="4400" b="1" dirty="0">
-              <a:cs typeface="B Nazanin" panose="00000400000000000000" pitchFamily="2" charset="-78"/>
-            </a:endParaRPr>
-          </a:p>
-        </p:txBody>
-      </p:sp>
-      <p:sp>
-        <p:nvSpPr>
-          <p:cNvPr id="3" name="TextBox 2"/>
-          <p:cNvSpPr txBox="1"/>
-          <p:nvPr/>
-        </p:nvSpPr>
-        <p:spPr>
-          <a:xfrm>
-            <a:off x="342900" y="2019300"/>
-            <a:ext cx="10998200" cy="461665"/>
-          </a:xfrm>
-          <a:prstGeom prst="rect">
-            <a:avLst/>
-          </a:prstGeom>
-          <a:noFill/>
-        </p:spPr>
-        <p:txBody>
-          <a:bodyPr wrap="square" rtlCol="1">
-            <a:spAutoFit/>
-          </a:bodyPr>
-          <a:lstStyle/>
-          <a:p>
-            <a:pPr marL="285750" indent="-285750" algn="r" rtl="1">
-              <a:buFont typeface="Arial" panose="020B0604020202020204" pitchFamily="34" charset="0"/>
-              <a:buChar char="•"/>
-            </a:pPr>
-            <a:r>
-              <a:rPr lang="en-US" sz="2400" dirty="0">
-                <a:cs typeface="B Nazanin" panose="00000400000000000000" pitchFamily="2" charset="-78"/>
-              </a:rPr>
-              <a:t>l</a:t>
-            </a:r>
-            <a:r>
-              <a:rPr lang="en-US" sz="2400" dirty="0" smtClean="0">
-                <a:cs typeface="B Nazanin" panose="00000400000000000000" pitchFamily="2" charset="-78"/>
-              </a:rPr>
-              <a:t>ib-</a:t>
-            </a:r>
-            <a:r>
-              <a:rPr lang="en-US" sz="2400" dirty="0" err="1" smtClean="0">
-                <a:cs typeface="B Nazanin" panose="00000400000000000000" pitchFamily="2" charset="-78"/>
-              </a:rPr>
-              <a:t>svm</a:t>
-            </a:r>
-            <a:r>
-              <a:rPr lang="fa-IR" sz="2400" dirty="0" smtClean="0">
-                <a:cs typeface="B Nazanin" panose="00000400000000000000" pitchFamily="2" charset="-78"/>
-              </a:rPr>
-              <a:t>: فرمت وردی به مدل.</a:t>
-            </a:r>
-          </a:p>
-        </p:txBody>
-      </p:sp>
-      <p:pic>
-        <p:nvPicPr>
-          <p:cNvPr id="2" name="Picture 1"/>
-          <p:cNvPicPr>
-            <a:picLocks noChangeAspect="1"/>
-          </p:cNvPicPr>
-          <p:nvPr/>
-        </p:nvPicPr>
-        <p:blipFill>
-          <a:blip r:embed="rId2">
-            <a:extLst>
-              <a:ext uri="{28A0092B-C50C-407E-A947-70E740481C1C}">
-                <a14:useLocalDpi xmlns:a14="http://schemas.microsoft.com/office/drawing/2010/main" val="0"/>
-              </a:ext>
-            </a:extLst>
-          </a:blip>
-          <a:stretch>
-            <a:fillRect/>
-          </a:stretch>
-        </p:blipFill>
-        <p:spPr>
-          <a:xfrm>
-            <a:off x="947725" y="2643247"/>
-            <a:ext cx="10079833" cy="1159490"/>
-          </a:xfrm>
-          <a:prstGeom prst="rect">
-            <a:avLst/>
-          </a:prstGeom>
-        </p:spPr>
-      </p:pic>
-      <p:sp>
-        <p:nvSpPr>
-          <p:cNvPr id="5" name="TextBox 4"/>
-          <p:cNvSpPr txBox="1"/>
-          <p:nvPr/>
-        </p:nvSpPr>
-        <p:spPr>
-          <a:xfrm>
-            <a:off x="326488" y="4028630"/>
-            <a:ext cx="10998200" cy="461665"/>
-          </a:xfrm>
-          <a:prstGeom prst="rect">
-            <a:avLst/>
-          </a:prstGeom>
-          <a:noFill/>
-        </p:spPr>
-        <p:txBody>
-          <a:bodyPr wrap="square" rtlCol="1">
-            <a:spAutoFit/>
-          </a:bodyPr>
-          <a:lstStyle/>
-          <a:p>
-            <a:pPr marL="285750" indent="-285750" algn="r" rtl="1">
-              <a:buFont typeface="Arial" panose="020B0604020202020204" pitchFamily="34" charset="0"/>
-              <a:buChar char="•"/>
-            </a:pPr>
-            <a:r>
-              <a:rPr lang="fa-IR" sz="2400" dirty="0" smtClean="0">
-                <a:cs typeface="B Nazanin" panose="00000400000000000000" pitchFamily="2" charset="-78"/>
-              </a:rPr>
-              <a:t>تبدیل دیتاست </a:t>
-            </a:r>
-            <a:r>
-              <a:rPr lang="en-US" sz="2400" dirty="0" smtClean="0">
-                <a:cs typeface="B Nazanin" panose="00000400000000000000" pitchFamily="2" charset="-78"/>
-              </a:rPr>
-              <a:t>MR</a:t>
-            </a:r>
-            <a:r>
-              <a:rPr lang="fa-IR" sz="2400" dirty="0" smtClean="0">
-                <a:cs typeface="B Nazanin" panose="00000400000000000000" pitchFamily="2" charset="-78"/>
-              </a:rPr>
-              <a:t> به فرمت </a:t>
-            </a:r>
-            <a:r>
-              <a:rPr lang="en-US" sz="2400" dirty="0" smtClean="0">
-                <a:cs typeface="B Nazanin" panose="00000400000000000000" pitchFamily="2" charset="-78"/>
-              </a:rPr>
-              <a:t>lib-</a:t>
-            </a:r>
-            <a:r>
-              <a:rPr lang="en-US" sz="2400" dirty="0" err="1" smtClean="0">
-                <a:cs typeface="B Nazanin" panose="00000400000000000000" pitchFamily="2" charset="-78"/>
-              </a:rPr>
-              <a:t>svm</a:t>
-            </a:r>
-            <a:r>
-              <a:rPr lang="fa-IR" sz="2400" dirty="0" smtClean="0">
-                <a:cs typeface="B Nazanin" panose="00000400000000000000" pitchFamily="2" charset="-78"/>
-              </a:rPr>
-              <a:t> با استفاده سه لغت‌نامه.</a:t>
-            </a:r>
-          </a:p>
-        </p:txBody>
-      </p:sp>
-      <p:pic>
-        <p:nvPicPr>
-          <p:cNvPr id="4" name="Picture 3"/>
-          <p:cNvPicPr>
-            <a:picLocks noChangeAspect="1"/>
-          </p:cNvPicPr>
-          <p:nvPr/>
-        </p:nvPicPr>
-        <p:blipFill>
-          <a:blip r:embed="rId3">
-            <a:extLst>
-              <a:ext uri="{28A0092B-C50C-407E-A947-70E740481C1C}">
-                <a14:useLocalDpi xmlns:a14="http://schemas.microsoft.com/office/drawing/2010/main" val="0"/>
-              </a:ext>
-            </a:extLst>
-          </a:blip>
-          <a:stretch>
-            <a:fillRect/>
-          </a:stretch>
-        </p:blipFill>
-        <p:spPr>
-          <a:xfrm>
-            <a:off x="947725" y="4588770"/>
-            <a:ext cx="10302354" cy="1361865"/>
-          </a:xfrm>
-          <a:prstGeom prst="rect">
-            <a:avLst/>
-          </a:prstGeom>
-        </p:spPr>
-      </p:pic>
-    </p:spTree>
-    <p:extLst>
-      <p:ext uri="{BB962C8B-B14F-4D97-AF65-F5344CB8AC3E}">
-        <p14:creationId xmlns:p14="http://schemas.microsoft.com/office/powerpoint/2010/main" val="3408853301"/>
-      </p:ext>
-    </p:extLst>
-  </p:cSld>
-  <p:clrMapOvr>
-    <a:masterClrMapping/>
-  </p:clrMapOvr>
-  <p:timing>
-    <p:tnLst>
-      <p:par>
-        <p:cTn id="1" dur="indefinite" restart="never" nodeType="tmRoot"/>
-      </p:par>
-    </p:tnLst>
-  </p:timing>
-</p:sld>
-</file>
-
-<file path=ppt/slides/slide31.xml><?xml version="1.0" encoding="utf-8"?>
-<p:sld xmlns:a="http://schemas.openxmlformats.org/drawingml/2006/main" xmlns:r="http://schemas.openxmlformats.org/officeDocument/2006/relationships" xmlns:p="http://schemas.openxmlformats.org/presentationml/2006/main">
-  <p:cSld>
-    <p:spTree>
-      <p:nvGrpSpPr>
-        <p:cNvPr id="1" name=""/>
-        <p:cNvGrpSpPr/>
-        <p:nvPr/>
-      </p:nvGrpSpPr>
-      <p:grpSpPr>
-        <a:xfrm>
-          <a:off x="0" y="0"/>
-          <a:ext cx="0" cy="0"/>
-          <a:chOff x="0" y="0"/>
-          <a:chExt cx="0" cy="0"/>
-        </a:xfrm>
-      </p:grpSpPr>
-      <p:sp>
-        <p:nvSpPr>
-          <p:cNvPr id="6" name="Rectangle 5"/>
-          <p:cNvSpPr/>
-          <p:nvPr/>
-        </p:nvSpPr>
-        <p:spPr>
-          <a:xfrm>
-            <a:off x="3439509" y="0"/>
-            <a:ext cx="5096267" cy="1277273"/>
-          </a:xfrm>
-          <a:prstGeom prst="rect">
-            <a:avLst/>
-          </a:prstGeom>
-        </p:spPr>
-        <p:txBody>
-          <a:bodyPr wrap="none">
-            <a:spAutoFit/>
-          </a:bodyPr>
-          <a:lstStyle/>
-          <a:p>
-            <a:pPr algn="r" rtl="1">
-              <a:lnSpc>
-                <a:spcPct val="200000"/>
-              </a:lnSpc>
-            </a:pPr>
-            <a:r>
-              <a:rPr lang="fa-IR" sz="4400" b="1" dirty="0">
-                <a:cs typeface="B Nazanin" panose="00000400000000000000" pitchFamily="2" charset="-78"/>
-              </a:rPr>
-              <a:t>آماده سازی پایگاه </a:t>
-            </a:r>
-            <a:r>
-              <a:rPr lang="fa-IR" sz="4400" b="1" dirty="0" smtClean="0">
-                <a:cs typeface="B Nazanin" panose="00000400000000000000" pitchFamily="2" charset="-78"/>
-              </a:rPr>
-              <a:t>داده‌ها</a:t>
-            </a:r>
-            <a:endParaRPr lang="fa-IR" sz="4400" b="1" dirty="0">
-              <a:cs typeface="B Nazanin" panose="00000400000000000000" pitchFamily="2" charset="-78"/>
-            </a:endParaRPr>
-          </a:p>
-        </p:txBody>
-      </p:sp>
-      <p:sp>
-        <p:nvSpPr>
-          <p:cNvPr id="3" name="TextBox 2"/>
-          <p:cNvSpPr txBox="1"/>
-          <p:nvPr/>
-        </p:nvSpPr>
-        <p:spPr>
-          <a:xfrm>
-            <a:off x="267286" y="2019300"/>
-            <a:ext cx="11073814" cy="3416320"/>
-          </a:xfrm>
-          <a:prstGeom prst="rect">
-            <a:avLst/>
-          </a:prstGeom>
-          <a:noFill/>
-        </p:spPr>
-        <p:txBody>
-          <a:bodyPr wrap="square" rtlCol="1">
-            <a:spAutoFit/>
-          </a:bodyPr>
-          <a:lstStyle/>
-          <a:p>
-            <a:pPr marL="285750" indent="-285750" algn="r" rtl="1">
-              <a:buFont typeface="Arial" panose="020B0604020202020204" pitchFamily="34" charset="0"/>
-              <a:buChar char="•"/>
-            </a:pPr>
-            <a:r>
-              <a:rPr lang="fa-IR" sz="2400" dirty="0" smtClean="0">
-                <a:cs typeface="B Nazanin" panose="00000400000000000000" pitchFamily="2" charset="-78"/>
-              </a:rPr>
-              <a:t>عدم وجود دیتاستی با برچسب موضوع و احساس.</a:t>
-            </a:r>
-          </a:p>
-          <a:p>
-            <a:pPr marL="285750" indent="-285750" algn="r" rtl="1">
-              <a:buFont typeface="Arial" panose="020B0604020202020204" pitchFamily="34" charset="0"/>
-              <a:buChar char="•"/>
-            </a:pPr>
-            <a:endParaRPr lang="fa-IR" sz="2400" dirty="0">
-              <a:cs typeface="B Nazanin" panose="00000400000000000000" pitchFamily="2" charset="-78"/>
-            </a:endParaRPr>
-          </a:p>
-          <a:p>
-            <a:pPr marL="285750" indent="-285750" algn="r" rtl="1">
-              <a:buFont typeface="Arial" panose="020B0604020202020204" pitchFamily="34" charset="0"/>
-              <a:buChar char="•"/>
-            </a:pPr>
-            <a:r>
-              <a:rPr lang="fa-IR" sz="2400" dirty="0" smtClean="0">
-                <a:cs typeface="B Nazanin" panose="00000400000000000000" pitchFamily="2" charset="-78"/>
-              </a:rPr>
-              <a:t>ایجاد 2 دیتاست دارای برچسب موضوع و احساس.</a:t>
-            </a:r>
-          </a:p>
-          <a:p>
-            <a:pPr marL="285750" indent="-285750" algn="r" rtl="1">
-              <a:buFont typeface="Arial" panose="020B0604020202020204" pitchFamily="34" charset="0"/>
-              <a:buChar char="•"/>
-            </a:pPr>
-            <a:endParaRPr lang="fa-IR" sz="2400" dirty="0">
-              <a:cs typeface="B Nazanin" panose="00000400000000000000" pitchFamily="2" charset="-78"/>
-            </a:endParaRPr>
-          </a:p>
-          <a:p>
-            <a:pPr marL="285750" indent="-285750" algn="r" rtl="1">
-              <a:buFont typeface="Arial" panose="020B0604020202020204" pitchFamily="34" charset="0"/>
-              <a:buChar char="•"/>
-            </a:pPr>
-            <a:r>
-              <a:rPr lang="fa-IR" sz="2400" dirty="0" smtClean="0">
-                <a:cs typeface="B Nazanin" panose="00000400000000000000" pitchFamily="2" charset="-78"/>
-              </a:rPr>
-              <a:t>تخصیص برچسب احساس به بایگاه داده‌ی 20 گروه خبری با شمارش کلمات، یک بایگاه داده با 20 برچسب موضوع و 2 برچسب احساس </a:t>
-            </a:r>
-          </a:p>
-          <a:p>
-            <a:pPr marL="285750" indent="-285750" algn="r" rtl="1">
-              <a:buFont typeface="Arial" panose="020B0604020202020204" pitchFamily="34" charset="0"/>
-              <a:buChar char="•"/>
-            </a:pPr>
-            <a:endParaRPr lang="fa-IR" sz="2400" dirty="0">
-              <a:cs typeface="B Nazanin" panose="00000400000000000000" pitchFamily="2" charset="-78"/>
-            </a:endParaRPr>
-          </a:p>
-          <a:p>
-            <a:pPr marL="285750" indent="-285750" algn="r" rtl="1">
-              <a:buFont typeface="Arial" panose="020B0604020202020204" pitchFamily="34" charset="0"/>
-              <a:buChar char="•"/>
-            </a:pPr>
-            <a:r>
-              <a:rPr lang="fa-IR" sz="2400" dirty="0" smtClean="0">
-                <a:cs typeface="B Nazanin" panose="00000400000000000000" pitchFamily="2" charset="-78"/>
-              </a:rPr>
-              <a:t>ترکیب بایگاه داده‌های بازبینی فبلم و احساس چند دامنه، یک بایگاه داده با 5 برچسب موضوع و 2 برچسب احساس، 10000 سند، 7500 سند برای آموزش و 2500 سند برای تست، </a:t>
-            </a:r>
-            <a:r>
-              <a:rPr lang="en-US" sz="2400" dirty="0" smtClean="0">
-                <a:cs typeface="B Nazanin" panose="00000400000000000000" pitchFamily="2" charset="-78"/>
-              </a:rPr>
-              <a:t>MRMDS</a:t>
-            </a:r>
-            <a:endParaRPr lang="fa-IR" sz="2400" dirty="0" smtClean="0">
-              <a:cs typeface="B Nazanin" panose="00000400000000000000" pitchFamily="2" charset="-78"/>
-            </a:endParaRPr>
-          </a:p>
-        </p:txBody>
-      </p:sp>
-    </p:spTree>
-    <p:extLst>
-      <p:ext uri="{BB962C8B-B14F-4D97-AF65-F5344CB8AC3E}">
-        <p14:creationId xmlns:p14="http://schemas.microsoft.com/office/powerpoint/2010/main" val="3238705657"/>
-      </p:ext>
-    </p:extLst>
-  </p:cSld>
-  <p:clrMapOvr>
-    <a:masterClrMapping/>
-  </p:clrMapOvr>
-  <p:timing>
-    <p:tnLst>
-      <p:par>
-        <p:cTn id="1" dur="indefinite" restart="never" nodeType="tmRoot"/>
-      </p:par>
-    </p:tnLst>
-  </p:timing>
-</p:sld>
-</file>
-
-<file path=ppt/slides/slide32.xml><?xml version="1.0" encoding="utf-8"?>
-<p:sld xmlns:a="http://schemas.openxmlformats.org/drawingml/2006/main" xmlns:r="http://schemas.openxmlformats.org/officeDocument/2006/relationships" xmlns:p="http://schemas.openxmlformats.org/presentationml/2006/main">
-  <p:cSld>
-    <p:spTree>
-      <p:nvGrpSpPr>
-        <p:cNvPr id="1" name=""/>
-        <p:cNvGrpSpPr/>
-        <p:nvPr/>
-      </p:nvGrpSpPr>
-      <p:grpSpPr>
-        <a:xfrm>
-          <a:off x="0" y="0"/>
-          <a:ext cx="0" cy="0"/>
-          <a:chOff x="0" y="0"/>
-          <a:chExt cx="0" cy="0"/>
-        </a:xfrm>
-      </p:grpSpPr>
-      <p:sp>
-        <p:nvSpPr>
-          <p:cNvPr id="6" name="Rectangle 5"/>
-          <p:cNvSpPr/>
-          <p:nvPr/>
-        </p:nvSpPr>
-        <p:spPr>
-          <a:xfrm>
-            <a:off x="2925317" y="130629"/>
-            <a:ext cx="6205545" cy="1277273"/>
-          </a:xfrm>
-          <a:prstGeom prst="rect">
-            <a:avLst/>
-          </a:prstGeom>
-        </p:spPr>
-        <p:txBody>
-          <a:bodyPr wrap="none">
-            <a:spAutoFit/>
-          </a:bodyPr>
-          <a:lstStyle/>
-          <a:p>
-            <a:pPr algn="r" rtl="1">
-              <a:lnSpc>
-                <a:spcPct val="200000"/>
-              </a:lnSpc>
-            </a:pPr>
-            <a:r>
-              <a:rPr lang="fa-IR" sz="4400" b="1" dirty="0">
-                <a:cs typeface="B Nazanin" panose="00000400000000000000" pitchFamily="2" charset="-78"/>
-              </a:rPr>
-              <a:t>جزئیات آموزش مدل پیشنهادی</a:t>
-            </a:r>
-          </a:p>
-        </p:txBody>
-      </p:sp>
-      <p:sp>
-        <p:nvSpPr>
-          <p:cNvPr id="3" name="TextBox 2"/>
-          <p:cNvSpPr txBox="1"/>
-          <p:nvPr/>
-        </p:nvSpPr>
-        <p:spPr>
-          <a:xfrm>
-            <a:off x="267286" y="2019300"/>
-            <a:ext cx="11073814" cy="2677656"/>
-          </a:xfrm>
-          <a:prstGeom prst="rect">
-            <a:avLst/>
-          </a:prstGeom>
-          <a:noFill/>
-        </p:spPr>
-        <p:txBody>
-          <a:bodyPr wrap="square" rtlCol="1">
-            <a:spAutoFit/>
-          </a:bodyPr>
-          <a:lstStyle/>
-          <a:p>
-            <a:pPr marL="285750" indent="-285750" algn="r" rtl="1">
-              <a:buFont typeface="Arial" panose="020B0604020202020204" pitchFamily="34" charset="0"/>
-              <a:buChar char="•"/>
-            </a:pPr>
-            <a:r>
-              <a:rPr lang="fa-IR" sz="2400" dirty="0" smtClean="0">
-                <a:cs typeface="B Nazanin" panose="00000400000000000000" pitchFamily="2" charset="-78"/>
-              </a:rPr>
-              <a:t>برای بیاده‌سازی از زبان بایتون نسخه 2.7 استفاده شده است.</a:t>
-            </a:r>
-          </a:p>
-          <a:p>
-            <a:pPr marL="285750" indent="-285750" algn="r" rtl="1">
-              <a:buFont typeface="Arial" panose="020B0604020202020204" pitchFamily="34" charset="0"/>
-              <a:buChar char="•"/>
-            </a:pPr>
-            <a:endParaRPr lang="fa-IR" sz="2400" dirty="0">
-              <a:cs typeface="B Nazanin" panose="00000400000000000000" pitchFamily="2" charset="-78"/>
-            </a:endParaRPr>
-          </a:p>
-          <a:p>
-            <a:pPr marL="285750" indent="-285750" algn="r" rtl="1">
-              <a:buFont typeface="Arial" panose="020B0604020202020204" pitchFamily="34" charset="0"/>
-              <a:buChar char="•"/>
-            </a:pPr>
-            <a:r>
-              <a:rPr lang="fa-IR" sz="2400" dirty="0" smtClean="0">
-                <a:cs typeface="B Nazanin" panose="00000400000000000000" pitchFamily="2" charset="-78"/>
-              </a:rPr>
-              <a:t>ابتدا مدل </a:t>
-            </a:r>
-            <a:r>
-              <a:rPr lang="en-US" sz="2400" dirty="0" smtClean="0">
-                <a:cs typeface="B Nazanin" panose="00000400000000000000" pitchFamily="2" charset="-78"/>
-              </a:rPr>
-              <a:t>RS</a:t>
-            </a:r>
-            <a:r>
-              <a:rPr lang="fa-IR" sz="2400" dirty="0" smtClean="0">
-                <a:cs typeface="B Nazanin" panose="00000400000000000000" pitchFamily="2" charset="-78"/>
-              </a:rPr>
-              <a:t> بیاده‌سازی گردید و به مدل بیشنهادی گسترش یافت.</a:t>
-            </a:r>
-          </a:p>
-          <a:p>
-            <a:pPr marL="285750" indent="-285750" algn="r" rtl="1">
-              <a:buFont typeface="Arial" panose="020B0604020202020204" pitchFamily="34" charset="0"/>
-              <a:buChar char="•"/>
-            </a:pPr>
-            <a:endParaRPr lang="fa-IR" sz="2400" dirty="0">
-              <a:cs typeface="B Nazanin" panose="00000400000000000000" pitchFamily="2" charset="-78"/>
-            </a:endParaRPr>
-          </a:p>
-          <a:p>
-            <a:pPr marL="285750" indent="-285750" algn="r" rtl="1">
-              <a:buFont typeface="Arial" panose="020B0604020202020204" pitchFamily="34" charset="0"/>
-              <a:buChar char="•"/>
-            </a:pPr>
-            <a:r>
-              <a:rPr lang="fa-IR" sz="2400" dirty="0" smtClean="0">
-                <a:cs typeface="B Nazanin" panose="00000400000000000000" pitchFamily="2" charset="-78"/>
-              </a:rPr>
-              <a:t>آموزش برای هر سه حالت بایگاه داده‌ی </a:t>
-            </a:r>
-            <a:r>
-              <a:rPr lang="en-US" sz="2400" dirty="0" smtClean="0">
-                <a:cs typeface="B Nazanin" panose="00000400000000000000" pitchFamily="2" charset="-78"/>
-              </a:rPr>
-              <a:t>MR</a:t>
-            </a:r>
-            <a:r>
-              <a:rPr lang="fa-IR" sz="2400" dirty="0" smtClean="0">
-                <a:cs typeface="B Nazanin" panose="00000400000000000000" pitchFamily="2" charset="-78"/>
-              </a:rPr>
-              <a:t>، 1000 مرحله آموزش، </a:t>
-            </a:r>
-            <a:r>
-              <a:rPr lang="en-US" sz="2400" dirty="0" smtClean="0">
-                <a:cs typeface="B Nazanin" panose="00000400000000000000" pitchFamily="2" charset="-78"/>
-              </a:rPr>
-              <a:t>CD</a:t>
-            </a:r>
-            <a:r>
-              <a:rPr lang="fa-IR" sz="2400" dirty="0" smtClean="0">
-                <a:cs typeface="B Nazanin" panose="00000400000000000000" pitchFamily="2" charset="-78"/>
-              </a:rPr>
-              <a:t> مرتبه 1، سایز </a:t>
-            </a:r>
-            <a:r>
-              <a:rPr lang="en-US" sz="2400" dirty="0" smtClean="0">
-                <a:cs typeface="B Nazanin" panose="00000400000000000000" pitchFamily="2" charset="-78"/>
-              </a:rPr>
-              <a:t>Batch</a:t>
-            </a:r>
-            <a:r>
-              <a:rPr lang="fa-IR" sz="2400" dirty="0" smtClean="0">
-                <a:cs typeface="B Nazanin" panose="00000400000000000000" pitchFamily="2" charset="-78"/>
-              </a:rPr>
-              <a:t> برابر با 1، ضریب یادگیری برابر با 0.001،  ذخیره‌ی نتایج برای تکرار 200ام و 1000ام، بجز بایاس لایه‌ی مخفی که با صفر مقدار دهی اولیه دیگر بارامترها تصادفی از یک توزیع گوسی با میانگین 0 و واریانس 1.</a:t>
-            </a:r>
-          </a:p>
-        </p:txBody>
-      </p:sp>
-    </p:spTree>
-    <p:extLst>
-      <p:ext uri="{BB962C8B-B14F-4D97-AF65-F5344CB8AC3E}">
-        <p14:creationId xmlns:p14="http://schemas.microsoft.com/office/powerpoint/2010/main" val="3661053316"/>
-      </p:ext>
-    </p:extLst>
-  </p:cSld>
-  <p:clrMapOvr>
-    <a:masterClrMapping/>
-  </p:clrMapOvr>
-  <p:timing>
-    <p:tnLst>
-      <p:par>
-        <p:cTn id="1" dur="indefinite" restart="never" nodeType="tmRoot"/>
-      </p:par>
-    </p:tnLst>
-  </p:timing>
-</p:sld>
-</file>
-
-<file path=ppt/slides/slide33.xml><?xml version="1.0" encoding="utf-8"?>
-<p:sld xmlns:a="http://schemas.openxmlformats.org/drawingml/2006/main" xmlns:r="http://schemas.openxmlformats.org/officeDocument/2006/relationships" xmlns:p="http://schemas.openxmlformats.org/presentationml/2006/main">
-  <p:cSld>
-    <p:spTree>
-      <p:nvGrpSpPr>
-        <p:cNvPr id="1" name=""/>
-        <p:cNvGrpSpPr/>
-        <p:nvPr/>
-      </p:nvGrpSpPr>
-      <p:grpSpPr>
-        <a:xfrm>
-          <a:off x="0" y="0"/>
-          <a:ext cx="0" cy="0"/>
-          <a:chOff x="0" y="0"/>
-          <a:chExt cx="0" cy="0"/>
-        </a:xfrm>
-      </p:grpSpPr>
-      <p:sp>
-        <p:nvSpPr>
-          <p:cNvPr id="6" name="Rectangle 5"/>
-          <p:cNvSpPr/>
-          <p:nvPr/>
-        </p:nvSpPr>
-        <p:spPr>
-          <a:xfrm>
             <a:off x="292514" y="101600"/>
             <a:ext cx="11392862" cy="1277273"/>
           </a:xfrm>
@@ -35406,8 +31862,8 @@
           </a:p>
         </p:txBody>
       </p:sp>
-      <mc:AlternateContent xmlns:mc="http://schemas.openxmlformats.org/markup-compatibility/2006">
-        <mc:Choice xmlns:a14="http://schemas.microsoft.com/office/drawing/2010/main" Requires="a14">
+      <mc:AlternateContent xmlns:mc="http://schemas.openxmlformats.org/markup-compatibility/2006" xmlns:a14="http://schemas.microsoft.com/office/drawing/2010/main">
+        <mc:Choice Requires="a14">
           <p:sp>
             <p:nvSpPr>
               <p:cNvPr id="3" name="TextBox 2"/>
@@ -35784,7 +32240,7 @@
             </p:txBody>
           </p:sp>
         </mc:Choice>
-        <mc:Fallback>
+        <mc:Fallback xmlns="">
           <p:sp>
             <p:nvSpPr>
               <p:cNvPr id="3" name="TextBox 2"/>
@@ -35843,7 +32299,7 @@
 </p:sld>
 </file>
 
-<file path=ppt/slides/slide34.xml><?xml version="1.0" encoding="utf-8"?>
+<file path=ppt/slides/slide31.xml><?xml version="1.0" encoding="utf-8"?>
 <p:sld xmlns:a="http://schemas.openxmlformats.org/drawingml/2006/main" xmlns:r="http://schemas.openxmlformats.org/officeDocument/2006/relationships" xmlns:p="http://schemas.openxmlformats.org/presentationml/2006/main">
   <p:cSld>
     <p:spTree>
@@ -36017,7 +32473,7 @@
 </p:sld>
 </file>
 
-<file path=ppt/slides/slide35.xml><?xml version="1.0" encoding="utf-8"?>
+<file path=ppt/slides/slide32.xml><?xml version="1.0" encoding="utf-8"?>
 <p:sld xmlns:a="http://schemas.openxmlformats.org/drawingml/2006/main" xmlns:r="http://schemas.openxmlformats.org/officeDocument/2006/relationships" xmlns:p="http://schemas.openxmlformats.org/presentationml/2006/main">
   <p:cSld>
     <p:spTree>
@@ -36131,7 +32587,7 @@
 </p:sld>
 </file>
 
-<file path=ppt/slides/slide36.xml><?xml version="1.0" encoding="utf-8"?>
+<file path=ppt/slides/slide33.xml><?xml version="1.0" encoding="utf-8"?>
 <p:sld xmlns:a="http://schemas.openxmlformats.org/drawingml/2006/main" xmlns:r="http://schemas.openxmlformats.org/officeDocument/2006/relationships" xmlns:p="http://schemas.openxmlformats.org/presentationml/2006/main">
   <p:cSld>
     <p:spTree>
@@ -36292,7 +32748,7 @@
 </p:sld>
 </file>
 
-<file path=ppt/slides/slide37.xml><?xml version="1.0" encoding="utf-8"?>
+<file path=ppt/slides/slide34.xml><?xml version="1.0" encoding="utf-8"?>
 <p:sld xmlns:a="http://schemas.openxmlformats.org/drawingml/2006/main" xmlns:r="http://schemas.openxmlformats.org/officeDocument/2006/relationships" xmlns:p="http://schemas.openxmlformats.org/presentationml/2006/main">
   <p:cSld>
     <p:spTree>
@@ -36641,7 +33097,7 @@
 </p:sld>
 </file>
 
-<file path=ppt/slides/slide38.xml><?xml version="1.0" encoding="utf-8"?>
+<file path=ppt/slides/slide35.xml><?xml version="1.0" encoding="utf-8"?>
 <p:sld xmlns:a="http://schemas.openxmlformats.org/drawingml/2006/main" xmlns:r="http://schemas.openxmlformats.org/officeDocument/2006/relationships" xmlns:p="http://schemas.openxmlformats.org/presentationml/2006/main">
   <p:cSld>
     <p:spTree>
@@ -36809,7 +33265,7 @@
 </p:sld>
 </file>
 
-<file path=ppt/slides/slide39.xml><?xml version="1.0" encoding="utf-8"?>
+<file path=ppt/slides/slide36.xml><?xml version="1.0" encoding="utf-8"?>
 <p:sld xmlns:a="http://schemas.openxmlformats.org/drawingml/2006/main" xmlns:r="http://schemas.openxmlformats.org/officeDocument/2006/relationships" xmlns:p="http://schemas.openxmlformats.org/presentationml/2006/main">
   <p:cSld>
     <p:spTree>
@@ -36876,7 +33332,7 @@
         <p:spPr>
           <a:xfrm>
             <a:off x="267286" y="2125320"/>
-            <a:ext cx="11073814" cy="3046988"/>
+            <a:ext cx="11073814" cy="2308324"/>
           </a:xfrm>
           <a:prstGeom prst="rect">
             <a:avLst/>
@@ -36977,90 +33433,6 @@
               </a:rPr>
               <a:t> و دو شبکه عصبی (یک شبکه با مقدار دهی اولیه تصادفی و یک شبکه با مقداردهی اولیه توسط بارامترهای یاد گرفته شده با رویکرد بیشنهادی) برای ارزیابی.</a:t>
             </a:r>
-          </a:p>
-          <a:p>
-            <a:pPr algn="r" rtl="1"/>
-            <a:r>
-              <a:rPr lang="fa-IR" sz="2400" dirty="0">
-                <a:cs typeface="B Nazanin" panose="00000400000000000000" pitchFamily="2" charset="-78"/>
-              </a:rPr>
-              <a:t> </a:t>
-            </a:r>
-            <a:r>
-              <a:rPr lang="fa-IR" sz="2400" dirty="0" smtClean="0">
-                <a:cs typeface="B Nazanin" panose="00000400000000000000" pitchFamily="2" charset="-78"/>
-              </a:rPr>
-              <a:t>  (</a:t>
-            </a:r>
-            <a:r>
-              <a:rPr lang="en-US" sz="2400" dirty="0" smtClean="0">
-                <a:cs typeface="B Nazanin" panose="00000400000000000000" pitchFamily="2" charset="-78"/>
-              </a:rPr>
-              <a:t>MLP</a:t>
-            </a:r>
-            <a:r>
-              <a:rPr lang="fa-IR" sz="2400" dirty="0" smtClean="0">
-                <a:cs typeface="B Nazanin" panose="00000400000000000000" pitchFamily="2" charset="-78"/>
-              </a:rPr>
-              <a:t>، تعداد نورون‌ها در لایه‌ی اول برابر با تعداد موضوع‌ها و در لایه‌ی دوم برابر تعداد احساس‌ها، تابع خطا </a:t>
-            </a:r>
-            <a:r>
-              <a:rPr lang="en-US" sz="2400" dirty="0" smtClean="0">
-                <a:cs typeface="B Nazanin" panose="00000400000000000000" pitchFamily="2" charset="-78"/>
-              </a:rPr>
-              <a:t>Cross</a:t>
-            </a:r>
-            <a:endParaRPr lang="fa-IR" sz="2400" dirty="0">
-              <a:cs typeface="B Nazanin" panose="00000400000000000000" pitchFamily="2" charset="-78"/>
-            </a:endParaRPr>
-          </a:p>
-          <a:p>
-            <a:pPr algn="r" rtl="1"/>
-            <a:r>
-              <a:rPr lang="fa-IR" sz="2400" dirty="0" smtClean="0">
-                <a:cs typeface="B Nazanin" panose="00000400000000000000" pitchFamily="2" charset="-78"/>
-              </a:rPr>
-              <a:t>   </a:t>
-            </a:r>
-            <a:r>
-              <a:rPr lang="en-US" sz="2400" dirty="0" smtClean="0">
-                <a:cs typeface="B Nazanin" panose="00000400000000000000" pitchFamily="2" charset="-78"/>
-              </a:rPr>
-              <a:t>Entropy</a:t>
-            </a:r>
-            <a:r>
-              <a:rPr lang="fa-IR" sz="2400" dirty="0" smtClean="0">
-                <a:cs typeface="B Nazanin" panose="00000400000000000000" pitchFamily="2" charset="-78"/>
-              </a:rPr>
-              <a:t>، لایه‌ی اول </a:t>
-            </a:r>
-            <a:r>
-              <a:rPr lang="en-US" sz="2400" dirty="0" err="1" smtClean="0">
-                <a:cs typeface="B Nazanin" panose="00000400000000000000" pitchFamily="2" charset="-78"/>
-              </a:rPr>
-              <a:t>tanh</a:t>
-            </a:r>
-            <a:r>
-              <a:rPr lang="fa-IR" sz="2400" dirty="0">
-                <a:cs typeface="B Nazanin" panose="00000400000000000000" pitchFamily="2" charset="-78"/>
-              </a:rPr>
-              <a:t> </a:t>
-            </a:r>
-            <a:r>
-              <a:rPr lang="fa-IR" sz="2400" dirty="0" smtClean="0">
-                <a:cs typeface="B Nazanin" panose="00000400000000000000" pitchFamily="2" charset="-78"/>
-              </a:rPr>
-              <a:t>و لایه‌ی دوم </a:t>
-            </a:r>
-            <a:r>
-              <a:rPr lang="en-US" sz="2400" dirty="0" err="1" smtClean="0">
-                <a:cs typeface="B Nazanin" panose="00000400000000000000" pitchFamily="2" charset="-78"/>
-              </a:rPr>
-              <a:t>Softmax</a:t>
-            </a:r>
-            <a:endParaRPr lang="en-US" sz="2400" dirty="0" smtClean="0">
-              <a:cs typeface="B Nazanin" panose="00000400000000000000" pitchFamily="2" charset="-78"/>
-            </a:endParaRPr>
           </a:p>
         </p:txBody>
       </p:sp>
@@ -37144,200 +33516,7 @@
 </p:sld>
 </file>
 
-<file path=ppt/slides/slide4.xml><?xml version="1.0" encoding="utf-8"?>
-<p:sld xmlns:a="http://schemas.openxmlformats.org/drawingml/2006/main" xmlns:r="http://schemas.openxmlformats.org/officeDocument/2006/relationships" xmlns:p="http://schemas.openxmlformats.org/presentationml/2006/main">
-  <p:cSld>
-    <p:spTree>
-      <p:nvGrpSpPr>
-        <p:cNvPr id="1" name=""/>
-        <p:cNvGrpSpPr/>
-        <p:nvPr/>
-      </p:nvGrpSpPr>
-      <p:grpSpPr>
-        <a:xfrm>
-          <a:off x="0" y="0"/>
-          <a:ext cx="0" cy="0"/>
-          <a:chOff x="0" y="0"/>
-          <a:chExt cx="0" cy="0"/>
-        </a:xfrm>
-      </p:grpSpPr>
-      <p:sp>
-        <p:nvSpPr>
-          <p:cNvPr id="2" name="Title 1"/>
-          <p:cNvSpPr>
-            <a:spLocks noGrp="1"/>
-          </p:cNvSpPr>
-          <p:nvPr>
-            <p:ph type="title"/>
-          </p:nvPr>
-        </p:nvSpPr>
-        <p:spPr/>
-        <p:txBody>
-          <a:bodyPr/>
-          <a:lstStyle/>
-          <a:p>
-            <a:pPr algn="ctr"/>
-            <a:r>
-              <a:rPr lang="fa-IR" b="1" dirty="0" smtClean="0">
-                <a:cs typeface="B Nazanin" panose="00000400000000000000" pitchFamily="2" charset="-78"/>
-              </a:rPr>
-              <a:t>مقدمه</a:t>
-            </a:r>
-            <a:r>
-              <a:rPr lang="en-US" b="1" dirty="0" smtClean="0">
-                <a:cs typeface="B Nazanin" panose="00000400000000000000" pitchFamily="2" charset="-78"/>
-              </a:rPr>
-              <a:t>:</a:t>
-            </a:r>
-            <a:r>
-              <a:rPr lang="fa-IR" b="1" dirty="0" smtClean="0">
-                <a:cs typeface="B Nazanin" panose="00000400000000000000" pitchFamily="2" charset="-78"/>
-              </a:rPr>
-              <a:t> </a:t>
-            </a:r>
-            <a:r>
-              <a:rPr lang="fa-IR" b="1" dirty="0">
-                <a:cs typeface="B Nazanin" panose="00000400000000000000" pitchFamily="2" charset="-78"/>
-              </a:rPr>
-              <a:t>اهداف و نوآوری‌ها</a:t>
-            </a:r>
-          </a:p>
-        </p:txBody>
-      </p:sp>
-      <p:sp>
-        <p:nvSpPr>
-          <p:cNvPr id="3" name="TextBox 2"/>
-          <p:cNvSpPr txBox="1"/>
-          <p:nvPr/>
-        </p:nvSpPr>
-        <p:spPr>
-          <a:xfrm>
-            <a:off x="1669774" y="2329242"/>
-            <a:ext cx="9925878" cy="2677656"/>
-          </a:xfrm>
-          <a:prstGeom prst="rect">
-            <a:avLst/>
-          </a:prstGeom>
-          <a:noFill/>
-        </p:spPr>
-        <p:txBody>
-          <a:bodyPr wrap="square" rtlCol="1">
-            <a:spAutoFit/>
-          </a:bodyPr>
-          <a:lstStyle/>
-          <a:p>
-            <a:pPr marL="285750" indent="-285750" algn="r" rtl="1">
-              <a:buFont typeface="Arial" panose="020B0604020202020204" pitchFamily="34" charset="0"/>
-              <a:buChar char="•"/>
-            </a:pPr>
-            <a:r>
-              <a:rPr lang="fa-IR" sz="2400" dirty="0" smtClean="0">
-                <a:cs typeface="B Nazanin" panose="00000400000000000000" pitchFamily="2" charset="-78"/>
-              </a:rPr>
-              <a:t>گسترش روز افزون دنیای تکنولوژی و اینترنت و </a:t>
-            </a:r>
-            <a:r>
-              <a:rPr lang="fa-IR" sz="2400" dirty="0">
-                <a:cs typeface="B Nazanin" panose="00000400000000000000" pitchFamily="2" charset="-78"/>
-              </a:rPr>
-              <a:t>تولید شکل‌های مختلف داده با سرعتی بسیار زیاد</a:t>
-            </a:r>
-            <a:r>
-              <a:rPr lang="fa-IR" sz="2400" dirty="0" smtClean="0">
-                <a:cs typeface="B Nazanin" panose="00000400000000000000" pitchFamily="2" charset="-78"/>
-              </a:rPr>
-              <a:t>.</a:t>
-            </a:r>
-          </a:p>
-          <a:p>
-            <a:pPr algn="r" rtl="1"/>
-            <a:endParaRPr lang="fa-IR" sz="2400" dirty="0" smtClean="0">
-              <a:cs typeface="B Nazanin" panose="00000400000000000000" pitchFamily="2" charset="-78"/>
-            </a:endParaRPr>
-          </a:p>
-          <a:p>
-            <a:pPr marL="285750" indent="-285750" algn="r" rtl="1">
-              <a:buFont typeface="Arial" panose="020B0604020202020204" pitchFamily="34" charset="0"/>
-              <a:buChar char="•"/>
-            </a:pPr>
-            <a:r>
-              <a:rPr lang="fa-IR" sz="2400" dirty="0" smtClean="0">
-                <a:cs typeface="B Nazanin" panose="00000400000000000000" pitchFamily="2" charset="-78"/>
-              </a:rPr>
-              <a:t>نیاز به مدل‌هایی که به صورت اتوماتیک تونایی تعامل با حجم عظیم داده‌ها را داشته باشند.</a:t>
-            </a:r>
-          </a:p>
-          <a:p>
-            <a:pPr algn="r" rtl="1"/>
-            <a:endParaRPr lang="fa-IR" sz="2400" dirty="0" smtClean="0">
-              <a:cs typeface="B Nazanin" panose="00000400000000000000" pitchFamily="2" charset="-78"/>
-            </a:endParaRPr>
-          </a:p>
-          <a:p>
-            <a:pPr marL="285750" indent="-285750" algn="r" rtl="1">
-              <a:buFont typeface="Arial" panose="020B0604020202020204" pitchFamily="34" charset="0"/>
-              <a:buChar char="•"/>
-            </a:pPr>
-            <a:r>
-              <a:rPr lang="fa-IR" sz="2400" dirty="0" smtClean="0">
-                <a:cs typeface="B Nazanin" panose="00000400000000000000" pitchFamily="2" charset="-78"/>
-              </a:rPr>
-              <a:t>بردازش این داده‌ها و استخراج </a:t>
-            </a:r>
-            <a:r>
-              <a:rPr lang="fa-IR" sz="2400" dirty="0">
-                <a:cs typeface="B Nazanin" panose="00000400000000000000" pitchFamily="2" charset="-78"/>
-              </a:rPr>
-              <a:t>اطلاعات مفهومی </a:t>
-            </a:r>
-            <a:r>
-              <a:rPr lang="fa-IR" sz="2400" dirty="0" smtClean="0">
-                <a:cs typeface="B Nazanin" panose="00000400000000000000" pitchFamily="2" charset="-78"/>
-              </a:rPr>
-              <a:t>برای ما بسیار مفید است.</a:t>
-            </a:r>
-          </a:p>
-          <a:p>
-            <a:pPr algn="r" rtl="1"/>
-            <a:endParaRPr lang="fa-IR" sz="2400" dirty="0" smtClean="0">
-              <a:cs typeface="B Nazanin" panose="00000400000000000000" pitchFamily="2" charset="-78"/>
-            </a:endParaRPr>
-          </a:p>
-          <a:p>
-            <a:pPr marL="285750" indent="-285750" algn="r" rtl="1">
-              <a:buFont typeface="Arial" panose="020B0604020202020204" pitchFamily="34" charset="0"/>
-              <a:buChar char="•"/>
-            </a:pPr>
-            <a:r>
-              <a:rPr lang="fa-IR" sz="2400" dirty="0" smtClean="0">
-                <a:cs typeface="B Nazanin" panose="00000400000000000000" pitchFamily="2" charset="-78"/>
-              </a:rPr>
-              <a:t>استخراج اطلاعات مفهومی و کاوش عقاید در داده‌های متی در حوزه‌ی مباحث مربوط به کاوش متن</a:t>
-            </a:r>
-          </a:p>
-        </p:txBody>
-      </p:sp>
-    </p:spTree>
-    <p:extLst>
-      <p:ext uri="{BB962C8B-B14F-4D97-AF65-F5344CB8AC3E}">
-        <p14:creationId xmlns:p14="http://schemas.microsoft.com/office/powerpoint/2010/main" val="885827132"/>
-      </p:ext>
-    </p:extLst>
-  </p:cSld>
-  <p:clrMapOvr>
-    <a:masterClrMapping/>
-  </p:clrMapOvr>
-  <p:timing>
-    <p:tnLst>
-      <p:par>
-        <p:cTn id="1" dur="indefinite" restart="never" nodeType="tmRoot"/>
-      </p:par>
-    </p:tnLst>
-  </p:timing>
-</p:sld>
-</file>
-
-<file path=ppt/slides/slide40.xml><?xml version="1.0" encoding="utf-8"?>
+<file path=ppt/slides/slide37.xml><?xml version="1.0" encoding="utf-8"?>
 <p:sld xmlns:a="http://schemas.openxmlformats.org/drawingml/2006/main" xmlns:r="http://schemas.openxmlformats.org/officeDocument/2006/relationships" xmlns:p="http://schemas.openxmlformats.org/presentationml/2006/main">
   <p:cSld>
     <p:spTree>
@@ -37505,7 +33684,7 @@
 </p:sld>
 </file>
 
-<file path=ppt/slides/slide41.xml><?xml version="1.0" encoding="utf-8"?>
+<file path=ppt/slides/slide38.xml><?xml version="1.0" encoding="utf-8"?>
 <p:sld xmlns:a="http://schemas.openxmlformats.org/drawingml/2006/main" xmlns:r="http://schemas.openxmlformats.org/officeDocument/2006/relationships" xmlns:p="http://schemas.openxmlformats.org/presentationml/2006/main">
   <p:cSld>
     <p:spTree>
@@ -37643,7 +33822,7 @@
 </p:sld>
 </file>
 
-<file path=ppt/slides/slide42.xml><?xml version="1.0" encoding="utf-8"?>
+<file path=ppt/slides/slide39.xml><?xml version="1.0" encoding="utf-8"?>
 <p:sld xmlns:a="http://schemas.openxmlformats.org/drawingml/2006/main" xmlns:r="http://schemas.openxmlformats.org/officeDocument/2006/relationships" xmlns:p="http://schemas.openxmlformats.org/presentationml/2006/main">
   <p:cSld>
     <p:spTree>
@@ -37781,7 +33960,391 @@
 </p:sld>
 </file>
 
-<file path=ppt/slides/slide43.xml><?xml version="1.0" encoding="utf-8"?>
+<file path=ppt/slides/slide4.xml><?xml version="1.0" encoding="utf-8"?>
+<p:sld xmlns:a="http://schemas.openxmlformats.org/drawingml/2006/main" xmlns:r="http://schemas.openxmlformats.org/officeDocument/2006/relationships" xmlns:p="http://schemas.openxmlformats.org/presentationml/2006/main">
+  <p:cSld>
+    <p:spTree>
+      <p:nvGrpSpPr>
+        <p:cNvPr id="1" name=""/>
+        <p:cNvGrpSpPr/>
+        <p:nvPr/>
+      </p:nvGrpSpPr>
+      <p:grpSpPr>
+        <a:xfrm>
+          <a:off x="0" y="0"/>
+          <a:ext cx="0" cy="0"/>
+          <a:chOff x="0" y="0"/>
+          <a:chExt cx="0" cy="0"/>
+        </a:xfrm>
+      </p:grpSpPr>
+      <p:sp>
+        <p:nvSpPr>
+          <p:cNvPr id="2" name="Title 1"/>
+          <p:cNvSpPr>
+            <a:spLocks noGrp="1"/>
+          </p:cNvSpPr>
+          <p:nvPr>
+            <p:ph type="title"/>
+          </p:nvPr>
+        </p:nvSpPr>
+        <p:spPr/>
+        <p:txBody>
+          <a:bodyPr/>
+          <a:lstStyle/>
+          <a:p>
+            <a:pPr algn="ctr"/>
+            <a:r>
+              <a:rPr lang="fa-IR" b="1" dirty="0" smtClean="0">
+                <a:cs typeface="B Nazanin" panose="00000400000000000000" pitchFamily="2" charset="-78"/>
+              </a:rPr>
+              <a:t>مقدمه</a:t>
+            </a:r>
+            <a:r>
+              <a:rPr lang="en-US" b="1" dirty="0" smtClean="0">
+                <a:cs typeface="B Nazanin" panose="00000400000000000000" pitchFamily="2" charset="-78"/>
+              </a:rPr>
+              <a:t>:</a:t>
+            </a:r>
+            <a:r>
+              <a:rPr lang="fa-IR" b="1" dirty="0" smtClean="0">
+                <a:cs typeface="B Nazanin" panose="00000400000000000000" pitchFamily="2" charset="-78"/>
+              </a:rPr>
+              <a:t> </a:t>
+            </a:r>
+            <a:r>
+              <a:rPr lang="fa-IR" b="1" dirty="0">
+                <a:cs typeface="B Nazanin" panose="00000400000000000000" pitchFamily="2" charset="-78"/>
+              </a:rPr>
+              <a:t>تعریف مساله و </a:t>
+            </a:r>
+            <a:r>
+              <a:rPr lang="fa-IR" b="1" dirty="0" smtClean="0">
+                <a:cs typeface="B Nazanin" panose="00000400000000000000" pitchFamily="2" charset="-78"/>
+              </a:rPr>
+              <a:t>انگیزه</a:t>
+            </a:r>
+            <a:endParaRPr lang="fa-IR" b="1" dirty="0">
+              <a:cs typeface="B Nazanin" panose="00000400000000000000" pitchFamily="2" charset="-78"/>
+            </a:endParaRPr>
+          </a:p>
+        </p:txBody>
+      </p:sp>
+      <p:sp>
+        <p:nvSpPr>
+          <p:cNvPr id="3" name="TextBox 2"/>
+          <p:cNvSpPr txBox="1"/>
+          <p:nvPr/>
+        </p:nvSpPr>
+        <p:spPr>
+          <a:xfrm>
+            <a:off x="1669774" y="2329242"/>
+            <a:ext cx="9925878" cy="2677656"/>
+          </a:xfrm>
+          <a:prstGeom prst="rect">
+            <a:avLst/>
+          </a:prstGeom>
+          <a:noFill/>
+        </p:spPr>
+        <p:txBody>
+          <a:bodyPr wrap="square" rtlCol="1">
+            <a:spAutoFit/>
+          </a:bodyPr>
+          <a:lstStyle/>
+          <a:p>
+            <a:pPr marL="285750" indent="-285750" algn="r" rtl="1">
+              <a:buFont typeface="Arial" panose="020B0604020202020204" pitchFamily="34" charset="0"/>
+              <a:buChar char="•"/>
+            </a:pPr>
+            <a:r>
+              <a:rPr lang="fa-IR" sz="2400" dirty="0" smtClean="0">
+                <a:cs typeface="B Nazanin" panose="00000400000000000000" pitchFamily="2" charset="-78"/>
+              </a:rPr>
+              <a:t>گسترش روز افزون دنیای تکنولوژی و اینترنت و </a:t>
+            </a:r>
+            <a:r>
+              <a:rPr lang="fa-IR" sz="2400" dirty="0">
+                <a:cs typeface="B Nazanin" panose="00000400000000000000" pitchFamily="2" charset="-78"/>
+              </a:rPr>
+              <a:t>تولید شکل‌های مختلف داده با سرعتی بسیار زیاد</a:t>
+            </a:r>
+            <a:r>
+              <a:rPr lang="fa-IR" sz="2400" dirty="0" smtClean="0">
+                <a:cs typeface="B Nazanin" panose="00000400000000000000" pitchFamily="2" charset="-78"/>
+              </a:rPr>
+              <a:t>.</a:t>
+            </a:r>
+          </a:p>
+          <a:p>
+            <a:pPr algn="r" rtl="1"/>
+            <a:endParaRPr lang="fa-IR" sz="2400" dirty="0" smtClean="0">
+              <a:cs typeface="B Nazanin" panose="00000400000000000000" pitchFamily="2" charset="-78"/>
+            </a:endParaRPr>
+          </a:p>
+          <a:p>
+            <a:pPr marL="285750" indent="-285750" algn="r" rtl="1">
+              <a:buFont typeface="Arial" panose="020B0604020202020204" pitchFamily="34" charset="0"/>
+              <a:buChar char="•"/>
+            </a:pPr>
+            <a:r>
+              <a:rPr lang="fa-IR" sz="2400" dirty="0" smtClean="0">
+                <a:cs typeface="B Nazanin" panose="00000400000000000000" pitchFamily="2" charset="-78"/>
+              </a:rPr>
+              <a:t>نیاز به مدل‌هایی که به صورت اتوماتیک تونایی تعامل با حجم عظیم داده‌ها را داشته باشند.</a:t>
+            </a:r>
+          </a:p>
+          <a:p>
+            <a:pPr algn="r" rtl="1"/>
+            <a:endParaRPr lang="fa-IR" sz="2400" dirty="0" smtClean="0">
+              <a:cs typeface="B Nazanin" panose="00000400000000000000" pitchFamily="2" charset="-78"/>
+            </a:endParaRPr>
+          </a:p>
+          <a:p>
+            <a:pPr marL="285750" indent="-285750" algn="r" rtl="1">
+              <a:buFont typeface="Arial" panose="020B0604020202020204" pitchFamily="34" charset="0"/>
+              <a:buChar char="•"/>
+            </a:pPr>
+            <a:r>
+              <a:rPr lang="fa-IR" sz="2400" dirty="0" smtClean="0">
+                <a:cs typeface="B Nazanin" panose="00000400000000000000" pitchFamily="2" charset="-78"/>
+              </a:rPr>
+              <a:t>بردازش این داده‌ها و استخراج </a:t>
+            </a:r>
+            <a:r>
+              <a:rPr lang="fa-IR" sz="2400" dirty="0">
+                <a:cs typeface="B Nazanin" panose="00000400000000000000" pitchFamily="2" charset="-78"/>
+              </a:rPr>
+              <a:t>اطلاعات مفهومی </a:t>
+            </a:r>
+            <a:r>
+              <a:rPr lang="fa-IR" sz="2400" dirty="0" smtClean="0">
+                <a:cs typeface="B Nazanin" panose="00000400000000000000" pitchFamily="2" charset="-78"/>
+              </a:rPr>
+              <a:t>برای ما بسیار مفید است.</a:t>
+            </a:r>
+          </a:p>
+          <a:p>
+            <a:pPr algn="r" rtl="1"/>
+            <a:endParaRPr lang="fa-IR" sz="2400" dirty="0" smtClean="0">
+              <a:cs typeface="B Nazanin" panose="00000400000000000000" pitchFamily="2" charset="-78"/>
+            </a:endParaRPr>
+          </a:p>
+          <a:p>
+            <a:pPr marL="285750" indent="-285750" algn="r" rtl="1">
+              <a:buFont typeface="Arial" panose="020B0604020202020204" pitchFamily="34" charset="0"/>
+              <a:buChar char="•"/>
+            </a:pPr>
+            <a:r>
+              <a:rPr lang="fa-IR" sz="2400" dirty="0" smtClean="0">
+                <a:cs typeface="B Nazanin" panose="00000400000000000000" pitchFamily="2" charset="-78"/>
+              </a:rPr>
+              <a:t>استخراج اطلاعات مفهومی و کاوش عقاید در داده‌های متی در حوزه‌ی مباحث مربوط به کاوش متن</a:t>
+            </a:r>
+          </a:p>
+        </p:txBody>
+      </p:sp>
+    </p:spTree>
+    <p:extLst>
+      <p:ext uri="{BB962C8B-B14F-4D97-AF65-F5344CB8AC3E}">
+        <p14:creationId xmlns:p14="http://schemas.microsoft.com/office/powerpoint/2010/main" val="885827132"/>
+      </p:ext>
+    </p:extLst>
+  </p:cSld>
+  <p:clrMapOvr>
+    <a:masterClrMapping/>
+  </p:clrMapOvr>
+  <p:timing>
+    <p:tnLst>
+      <p:par>
+        <p:cTn id="1" dur="indefinite" restart="never" nodeType="tmRoot"/>
+      </p:par>
+    </p:tnLst>
+  </p:timing>
+</p:sld>
+</file>
+
+<file path=ppt/slides/slide40.xml><?xml version="1.0" encoding="utf-8"?>
+<p:sld xmlns:a="http://schemas.openxmlformats.org/drawingml/2006/main" xmlns:r="http://schemas.openxmlformats.org/officeDocument/2006/relationships" xmlns:p="http://schemas.openxmlformats.org/presentationml/2006/main">
+  <p:cSld>
+    <p:spTree>
+      <p:nvGrpSpPr>
+        <p:cNvPr id="1" name=""/>
+        <p:cNvGrpSpPr/>
+        <p:nvPr/>
+      </p:nvGrpSpPr>
+      <p:grpSpPr>
+        <a:xfrm>
+          <a:off x="0" y="0"/>
+          <a:ext cx="0" cy="0"/>
+          <a:chOff x="0" y="0"/>
+          <a:chExt cx="0" cy="0"/>
+        </a:xfrm>
+      </p:grpSpPr>
+      <p:sp>
+        <p:nvSpPr>
+          <p:cNvPr id="6" name="Rectangle 5"/>
+          <p:cNvSpPr/>
+          <p:nvPr/>
+        </p:nvSpPr>
+        <p:spPr>
+          <a:xfrm>
+            <a:off x="4481645" y="0"/>
+            <a:ext cx="3284874" cy="1277273"/>
+          </a:xfrm>
+          <a:prstGeom prst="rect">
+            <a:avLst/>
+          </a:prstGeom>
+        </p:spPr>
+        <p:txBody>
+          <a:bodyPr wrap="none">
+            <a:spAutoFit/>
+          </a:bodyPr>
+          <a:lstStyle/>
+          <a:p>
+            <a:pPr algn="r" rtl="1">
+              <a:lnSpc>
+                <a:spcPct val="200000"/>
+              </a:lnSpc>
+            </a:pPr>
+            <a:r>
+              <a:rPr lang="fa-IR" sz="4400" b="1" dirty="0">
+                <a:cs typeface="B Nazanin" panose="00000400000000000000" pitchFamily="2" charset="-78"/>
+              </a:rPr>
+              <a:t>بازیابی اطلاعات </a:t>
+            </a:r>
+            <a:endParaRPr lang="en-US" sz="4400" b="1" dirty="0">
+              <a:cs typeface="B Nazanin" panose="00000400000000000000" pitchFamily="2" charset="-78"/>
+            </a:endParaRPr>
+          </a:p>
+        </p:txBody>
+      </p:sp>
+      <p:sp>
+        <p:nvSpPr>
+          <p:cNvPr id="8" name="TextBox 7"/>
+          <p:cNvSpPr txBox="1"/>
+          <p:nvPr/>
+        </p:nvSpPr>
+        <p:spPr>
+          <a:xfrm>
+            <a:off x="267286" y="2019300"/>
+            <a:ext cx="11073814" cy="3416320"/>
+          </a:xfrm>
+          <a:prstGeom prst="rect">
+            <a:avLst/>
+          </a:prstGeom>
+          <a:noFill/>
+        </p:spPr>
+        <p:txBody>
+          <a:bodyPr wrap="square" rtlCol="1">
+            <a:spAutoFit/>
+          </a:bodyPr>
+          <a:lstStyle/>
+          <a:p>
+            <a:pPr marL="285750" indent="-285750" algn="r" rtl="1">
+              <a:buFont typeface="Arial" panose="020B0604020202020204" pitchFamily="34" charset="0"/>
+              <a:buChar char="•"/>
+            </a:pPr>
+            <a:r>
+              <a:rPr lang="fa-IR" sz="2400" dirty="0" smtClean="0">
+                <a:cs typeface="B Nazanin" panose="00000400000000000000" pitchFamily="2" charset="-78"/>
+              </a:rPr>
+              <a:t>عدم وجود دیتاستی با برچسب موضوع و احساس.</a:t>
+            </a:r>
+          </a:p>
+          <a:p>
+            <a:pPr marL="285750" indent="-285750" algn="r" rtl="1">
+              <a:buFont typeface="Arial" panose="020B0604020202020204" pitchFamily="34" charset="0"/>
+              <a:buChar char="•"/>
+            </a:pPr>
+            <a:endParaRPr lang="fa-IR" sz="2400" dirty="0">
+              <a:cs typeface="B Nazanin" panose="00000400000000000000" pitchFamily="2" charset="-78"/>
+            </a:endParaRPr>
+          </a:p>
+          <a:p>
+            <a:pPr marL="285750" indent="-285750" algn="r" rtl="1">
+              <a:buFont typeface="Arial" panose="020B0604020202020204" pitchFamily="34" charset="0"/>
+              <a:buChar char="•"/>
+            </a:pPr>
+            <a:r>
+              <a:rPr lang="fa-IR" sz="2400" dirty="0" smtClean="0">
+                <a:cs typeface="B Nazanin" panose="00000400000000000000" pitchFamily="2" charset="-78"/>
+              </a:rPr>
+              <a:t>ایجاد 2 دیتاست دارای برچسب موضوع و احساس.</a:t>
+            </a:r>
+          </a:p>
+          <a:p>
+            <a:pPr marL="285750" indent="-285750" algn="r" rtl="1">
+              <a:buFont typeface="Arial" panose="020B0604020202020204" pitchFamily="34" charset="0"/>
+              <a:buChar char="•"/>
+            </a:pPr>
+            <a:endParaRPr lang="fa-IR" sz="2400" dirty="0">
+              <a:cs typeface="B Nazanin" panose="00000400000000000000" pitchFamily="2" charset="-78"/>
+            </a:endParaRPr>
+          </a:p>
+          <a:p>
+            <a:pPr marL="285750" indent="-285750" algn="r" rtl="1">
+              <a:buFont typeface="Arial" panose="020B0604020202020204" pitchFamily="34" charset="0"/>
+              <a:buChar char="•"/>
+            </a:pPr>
+            <a:r>
+              <a:rPr lang="fa-IR" sz="2400" dirty="0" smtClean="0">
+                <a:cs typeface="B Nazanin" panose="00000400000000000000" pitchFamily="2" charset="-78"/>
+              </a:rPr>
+              <a:t>تخصیص برچسب احساس به بایگاه داده‌ی 20 گروه خبری با شمارش کلمات، یک بایگاه داده با 20 برچسب موضوع و 2 برچسب احساس </a:t>
+            </a:r>
+          </a:p>
+          <a:p>
+            <a:pPr marL="285750" indent="-285750" algn="r" rtl="1">
+              <a:buFont typeface="Arial" panose="020B0604020202020204" pitchFamily="34" charset="0"/>
+              <a:buChar char="•"/>
+            </a:pPr>
+            <a:endParaRPr lang="fa-IR" sz="2400" dirty="0">
+              <a:cs typeface="B Nazanin" panose="00000400000000000000" pitchFamily="2" charset="-78"/>
+            </a:endParaRPr>
+          </a:p>
+          <a:p>
+            <a:pPr marL="285750" indent="-285750" algn="r" rtl="1">
+              <a:buFont typeface="Arial" panose="020B0604020202020204" pitchFamily="34" charset="0"/>
+              <a:buChar char="•"/>
+            </a:pPr>
+            <a:r>
+              <a:rPr lang="fa-IR" sz="2400" dirty="0" smtClean="0">
+                <a:cs typeface="B Nazanin" panose="00000400000000000000" pitchFamily="2" charset="-78"/>
+              </a:rPr>
+              <a:t>ترکیب بایگاه داده‌های بازبینی فبلم و احساس چند دامنه، یک بایگاه داده با 5 برچسب موضوع و 2 برچسب احساس، 10000 سند، 7500 سند برای آموزش و 2500 سند برای تست، </a:t>
+            </a:r>
+            <a:r>
+              <a:rPr lang="en-US" sz="2400" dirty="0" smtClean="0">
+                <a:cs typeface="B Nazanin" panose="00000400000000000000" pitchFamily="2" charset="-78"/>
+              </a:rPr>
+              <a:t>MRMDS</a:t>
+            </a:r>
+            <a:endParaRPr lang="fa-IR" sz="2400" dirty="0" smtClean="0">
+              <a:cs typeface="B Nazanin" panose="00000400000000000000" pitchFamily="2" charset="-78"/>
+            </a:endParaRPr>
+          </a:p>
+        </p:txBody>
+      </p:sp>
+    </p:spTree>
+    <p:extLst>
+      <p:ext uri="{BB962C8B-B14F-4D97-AF65-F5344CB8AC3E}">
+        <p14:creationId xmlns:p14="http://schemas.microsoft.com/office/powerpoint/2010/main" val="3847004844"/>
+      </p:ext>
+    </p:extLst>
+  </p:cSld>
+  <p:clrMapOvr>
+    <a:masterClrMapping/>
+  </p:clrMapOvr>
+  <p:timing>
+    <p:tnLst>
+      <p:par>
+        <p:cTn id="1" dur="indefinite" restart="never" nodeType="tmRoot"/>
+      </p:par>
+    </p:tnLst>
+  </p:timing>
+</p:sld>
+</file>
+
+<file path=ppt/slides/slide41.xml><?xml version="1.0" encoding="utf-8"?>
 <p:sld xmlns:a="http://schemas.openxmlformats.org/drawingml/2006/main" xmlns:r="http://schemas.openxmlformats.org/officeDocument/2006/relationships" xmlns:p="http://schemas.openxmlformats.org/presentationml/2006/main">
   <p:cSld>
     <p:spTree>
@@ -37994,7 +34557,7 @@
     </p:spTree>
     <p:extLst>
       <p:ext uri="{BB962C8B-B14F-4D97-AF65-F5344CB8AC3E}">
-        <p14:creationId xmlns:p14="http://schemas.microsoft.com/office/powerpoint/2010/main" val="3847004844"/>
+        <p14:creationId xmlns:p14="http://schemas.microsoft.com/office/powerpoint/2010/main" val="1232632373"/>
       </p:ext>
     </p:extLst>
   </p:cSld>
@@ -38011,7 +34574,7 @@
 </p:sld>
 </file>
 
-<file path=ppt/slides/slide44.xml><?xml version="1.0" encoding="utf-8"?>
+<file path=ppt/slides/slide42.xml><?xml version="1.0" encoding="utf-8"?>
 <p:sld xmlns:a="http://schemas.openxmlformats.org/drawingml/2006/main" xmlns:r="http://schemas.openxmlformats.org/officeDocument/2006/relationships" xmlns:p="http://schemas.openxmlformats.org/presentationml/2006/main">
   <p:cSld>
     <p:spTree>
@@ -38068,7 +34631,7 @@
       </p:sp>
       <p:pic>
         <p:nvPicPr>
-          <p:cNvPr id="8" name="Picture 7"/>
+          <p:cNvPr id="2" name="Picture 1"/>
           <p:cNvPicPr>
             <a:picLocks noChangeAspect="1"/>
           </p:cNvPicPr>
@@ -38088,7 +34651,7 @@
         </p:blipFill>
         <p:spPr>
           <a:xfrm>
-            <a:off x="6124082" y="1264020"/>
+            <a:off x="6124082" y="1277273"/>
             <a:ext cx="5852172" cy="4389129"/>
           </a:xfrm>
           <a:prstGeom prst="rect">
@@ -38098,7 +34661,7 @@
       </p:pic>
       <p:pic>
         <p:nvPicPr>
-          <p:cNvPr id="9" name="Picture 8"/>
+          <p:cNvPr id="3" name="Picture 2"/>
           <p:cNvPicPr>
             <a:picLocks noChangeAspect="1"/>
           </p:cNvPicPr>
@@ -38118,7 +34681,7 @@
         </p:blipFill>
         <p:spPr>
           <a:xfrm>
-            <a:off x="135167" y="1277273"/>
+            <a:off x="271910" y="1277039"/>
             <a:ext cx="5852172" cy="4389129"/>
           </a:xfrm>
           <a:prstGeom prst="rect">
@@ -38146,7 +34709,7 @@
 </p:sld>
 </file>
 
-<file path=ppt/slides/slide45.xml><?xml version="1.0" encoding="utf-8"?>
+<file path=ppt/slides/slide43.xml><?xml version="1.0" encoding="utf-8"?>
 <p:sld xmlns:a="http://schemas.openxmlformats.org/drawingml/2006/main" xmlns:r="http://schemas.openxmlformats.org/officeDocument/2006/relationships" xmlns:p="http://schemas.openxmlformats.org/presentationml/2006/main">
   <p:cSld>
     <p:spTree>
@@ -38209,8 +34772,8 @@
         </p:nvSpPr>
         <p:spPr>
           <a:xfrm>
-            <a:off x="280538" y="1568729"/>
-            <a:ext cx="11073814" cy="4893647"/>
+            <a:off x="0" y="1568729"/>
+            <a:ext cx="11354352" cy="4154984"/>
           </a:xfrm>
           <a:prstGeom prst="rect">
             <a:avLst/>
@@ -38231,22 +34794,31 @@
               <a:rPr lang="fa-IR" sz="2400" dirty="0" smtClean="0">
                 <a:cs typeface="B Nazanin" panose="00000400000000000000" pitchFamily="2" charset="-78"/>
               </a:rPr>
-              <a:t>رشد چشمگیر دنیای دنیای امروز و افزایش استفاده از اینترنت و رسانه‌های اجتماعی منجر به تولید حجم عظمی</a:t>
-            </a:r>
-          </a:p>
-          <a:p>
-            <a:pPr algn="r" rtl="1"/>
+              <a:t>رشد چشمگیر دنیای امروز و افزایش استفاده از اینترنت و رسانه‌های اجتماعی </a:t>
+            </a:r>
             <a:r>
               <a:rPr lang="fa-IR" sz="2400" dirty="0">
                 <a:cs typeface="B Nazanin" panose="00000400000000000000" pitchFamily="2" charset="-78"/>
               </a:rPr>
+              <a:t>و</a:t>
+            </a:r>
+            <a:r>
+              <a:rPr lang="fa-IR" sz="2400" dirty="0" smtClean="0">
+                <a:cs typeface="B Nazanin" panose="00000400000000000000" pitchFamily="2" charset="-78"/>
+              </a:rPr>
+              <a:t> تولید حجم عظیمی</a:t>
+            </a:r>
+            <a:r>
+              <a:rPr lang="fa-IR" sz="2400" dirty="0">
+                <a:cs typeface="B Nazanin" panose="00000400000000000000" pitchFamily="2" charset="-78"/>
+              </a:rPr>
               <a:t> </a:t>
             </a:r>
             <a:r>
               <a:rPr lang="fa-IR" sz="2400" dirty="0" smtClean="0">
                 <a:cs typeface="B Nazanin" panose="00000400000000000000" pitchFamily="2" charset="-78"/>
               </a:rPr>
-              <a:t>   از داده‌ها گردیده است.</a:t>
+              <a:t>از داده‌ها.</a:t>
             </a:r>
           </a:p>
           <a:p>
@@ -38264,7 +34836,7 @@
               <a:rPr lang="fa-IR" sz="2400" dirty="0" smtClean="0">
                 <a:cs typeface="B Nazanin" panose="00000400000000000000" pitchFamily="2" charset="-78"/>
               </a:rPr>
-              <a:t>نیاز به ساختارهایی داریم که به صورت اتواماتیک توانایی بردازش و استخراج اطلاعات مفید از این داده‌ها را داشته باشند.</a:t>
+              <a:t>نیاز به ساختارهایی با توانایی اتوماتیک بردازش و استخراج اطلاعات مفید از داده‌ها.</a:t>
             </a:r>
           </a:p>
           <a:p>
@@ -38285,7 +34857,7 @@
               <a:rPr lang="fa-IR" sz="2400" dirty="0" smtClean="0">
                 <a:cs typeface="B Nazanin" panose="00000400000000000000" pitchFamily="2" charset="-78"/>
               </a:rPr>
-              <a:t>مدل‌های موضوعی دسته روش‌هایی که به صورت خودکار اطلاعات مفهومی را استخراج می‌کنند.</a:t>
+              <a:t>مدل‌های موضوعی دسته روش‌هایی با توانایی خودکار استخراج اطلاعات اطلاعات مفهومی.</a:t>
             </a:r>
           </a:p>
           <a:p>
@@ -38370,7 +34942,7 @@
 </p:sld>
 </file>
 
-<file path=ppt/slides/slide46.xml><?xml version="1.0" encoding="utf-8"?>
+<file path=ppt/slides/slide44.xml><?xml version="1.0" encoding="utf-8"?>
 <p:sld xmlns:a="http://schemas.openxmlformats.org/drawingml/2006/main" xmlns:r="http://schemas.openxmlformats.org/officeDocument/2006/relationships" xmlns:p="http://schemas.openxmlformats.org/presentationml/2006/main">
   <p:cSld>
     <p:spTree>
@@ -38395,8 +34967,8 @@
         </p:nvSpPr>
         <p:spPr>
           <a:xfrm>
-            <a:off x="4239386" y="0"/>
-            <a:ext cx="3759362" cy="1277273"/>
+            <a:off x="5262100" y="0"/>
+            <a:ext cx="2736648" cy="1277273"/>
           </a:xfrm>
           <a:prstGeom prst="rect">
             <a:avLst/>
@@ -38417,11 +34989,106 @@
               <a:rPr lang="fa-IR" sz="4400" b="1" dirty="0" smtClean="0">
                 <a:cs typeface="B Nazanin" panose="00000400000000000000" pitchFamily="2" charset="-78"/>
               </a:rPr>
-              <a:t>پیشنهاد‌های آینده</a:t>
+              <a:t>کارهای آینده</a:t>
             </a:r>
             <a:endParaRPr lang="en-US" sz="4400" b="1" dirty="0">
               <a:cs typeface="B Nazanin" panose="00000400000000000000" pitchFamily="2" charset="-78"/>
             </a:endParaRPr>
+          </a:p>
+        </p:txBody>
+      </p:sp>
+      <p:sp>
+        <p:nvSpPr>
+          <p:cNvPr id="3" name="TextBox 2"/>
+          <p:cNvSpPr txBox="1"/>
+          <p:nvPr/>
+        </p:nvSpPr>
+        <p:spPr>
+          <a:xfrm>
+            <a:off x="0" y="1900033"/>
+            <a:ext cx="11354352" cy="2677656"/>
+          </a:xfrm>
+          <a:prstGeom prst="rect">
+            <a:avLst/>
+          </a:prstGeom>
+          <a:noFill/>
+        </p:spPr>
+        <p:txBody>
+          <a:bodyPr wrap="square" rtlCol="1">
+            <a:spAutoFit/>
+          </a:bodyPr>
+          <a:lstStyle/>
+          <a:p>
+            <a:pPr marL="285750" indent="-285750" algn="r" rtl="1">
+              <a:buFont typeface="Arial" panose="020B0604020202020204" pitchFamily="34" charset="0"/>
+              <a:buChar char="•"/>
+            </a:pPr>
+            <a:r>
+              <a:rPr lang="fa-IR" sz="2400" dirty="0" smtClean="0">
+                <a:cs typeface="B Nazanin" panose="00000400000000000000" pitchFamily="2" charset="-78"/>
+              </a:rPr>
+              <a:t>ساخت مدل‌های نیمه نظارتی، نظارت شده‌ی ظعیف و بدون نظارت.</a:t>
+            </a:r>
+          </a:p>
+          <a:p>
+            <a:pPr algn="r" rtl="1"/>
+            <a:endParaRPr lang="fa-IR" sz="2400" dirty="0" smtClean="0">
+              <a:cs typeface="B Nazanin" panose="00000400000000000000" pitchFamily="2" charset="-78"/>
+            </a:endParaRPr>
+          </a:p>
+          <a:p>
+            <a:pPr marL="342900" indent="-342900" algn="r" rtl="1">
+              <a:buFont typeface="Arial" panose="020B0604020202020204" pitchFamily="34" charset="0"/>
+              <a:buChar char="•"/>
+            </a:pPr>
+            <a:r>
+              <a:rPr lang="fa-IR" sz="2400" dirty="0" smtClean="0">
+                <a:cs typeface="B Nazanin" panose="00000400000000000000" pitchFamily="2" charset="-78"/>
+              </a:rPr>
+              <a:t>استفاده از ایده‌ی ماشین بلتزمن محدود شرطی، اضافه کردن لایه و ایجاد وابستگی بین لایه‌ها.</a:t>
+            </a:r>
+          </a:p>
+          <a:p>
+            <a:pPr marL="342900" indent="-342900" algn="r" rtl="1">
+              <a:buFont typeface="Arial" panose="020B0604020202020204" pitchFamily="34" charset="0"/>
+              <a:buChar char="•"/>
+            </a:pPr>
+            <a:endParaRPr lang="fa-IR" sz="2400" dirty="0">
+              <a:cs typeface="B Nazanin" panose="00000400000000000000" pitchFamily="2" charset="-78"/>
+            </a:endParaRPr>
+          </a:p>
+          <a:p>
+            <a:pPr marL="342900" indent="-342900" algn="r" rtl="1">
+              <a:buFont typeface="Arial" panose="020B0604020202020204" pitchFamily="34" charset="0"/>
+              <a:buChar char="•"/>
+            </a:pPr>
+            <a:r>
+              <a:rPr lang="fa-IR" sz="2400" dirty="0" smtClean="0">
+                <a:cs typeface="B Nazanin" panose="00000400000000000000" pitchFamily="2" charset="-78"/>
+              </a:rPr>
+              <a:t>استفاده از شبکه‌های عصبی عمیق و استخراج ویژگی‌هایی با تمایز بیشتر.</a:t>
+            </a:r>
+          </a:p>
+          <a:p>
+            <a:pPr marL="342900" indent="-342900" algn="r" rtl="1">
+              <a:buFont typeface="Arial" panose="020B0604020202020204" pitchFamily="34" charset="0"/>
+              <a:buChar char="•"/>
+            </a:pPr>
+            <a:endParaRPr lang="fa-IR" sz="2400" dirty="0" smtClean="0">
+              <a:cs typeface="B Nazanin" panose="00000400000000000000" pitchFamily="2" charset="-78"/>
+            </a:endParaRPr>
+          </a:p>
+          <a:p>
+            <a:pPr marL="342900" indent="-342900" algn="r" rtl="1">
+              <a:buFont typeface="Arial" panose="020B0604020202020204" pitchFamily="34" charset="0"/>
+              <a:buChar char="•"/>
+            </a:pPr>
+            <a:r>
+              <a:rPr lang="fa-IR" sz="2400" dirty="0" smtClean="0">
+                <a:cs typeface="B Nazanin" panose="00000400000000000000" pitchFamily="2" charset="-78"/>
+              </a:rPr>
+              <a:t>استفاده از شبکه‌های عصبی بازگشتی و استخراج ویژگی از داده‌های دارای توالی.</a:t>
+            </a:r>
           </a:p>
         </p:txBody>
       </p:sp>
@@ -38442,6 +35109,98 @@
       </p:par>
     </p:tnLst>
   </p:timing>
+</p:sld>
+</file>
+
+<file path=ppt/slides/slide45.xml><?xml version="1.0" encoding="utf-8"?>
+<p:sld xmlns:a="http://schemas.openxmlformats.org/drawingml/2006/main" xmlns:r="http://schemas.openxmlformats.org/officeDocument/2006/relationships" xmlns:p="http://schemas.openxmlformats.org/presentationml/2006/main">
+  <p:cSld>
+    <p:spTree>
+      <p:nvGrpSpPr>
+        <p:cNvPr id="1" name=""/>
+        <p:cNvGrpSpPr/>
+        <p:nvPr/>
+      </p:nvGrpSpPr>
+      <p:grpSpPr>
+        <a:xfrm>
+          <a:off x="0" y="0"/>
+          <a:ext cx="0" cy="0"/>
+          <a:chOff x="0" y="0"/>
+          <a:chExt cx="0" cy="0"/>
+        </a:xfrm>
+      </p:grpSpPr>
+      <p:sp>
+        <p:nvSpPr>
+          <p:cNvPr id="4" name="Slide Number Placeholder 3"/>
+          <p:cNvSpPr>
+            <a:spLocks noGrp="1"/>
+          </p:cNvSpPr>
+          <p:nvPr>
+            <p:ph type="sldNum" sz="quarter" idx="12"/>
+          </p:nvPr>
+        </p:nvSpPr>
+        <p:spPr/>
+        <p:txBody>
+          <a:bodyPr/>
+          <a:lstStyle/>
+          <a:p>
+            <a:fld id="{C5340C19-D4FB-4687-9346-DA33A5DE63D9}" type="slidenum">
+              <a:rPr lang="en-US" smtClean="0"/>
+              <a:pPr/>
+              <a:t>45</a:t>
+            </a:fld>
+            <a:r>
+              <a:rPr lang="fa-IR" smtClean="0"/>
+              <a:t> </a:t>
+            </a:r>
+            <a:r>
+              <a:rPr lang="en-US" smtClean="0"/>
+              <a:t>/ 49</a:t>
+            </a:r>
+            <a:endParaRPr lang="en-US" dirty="0" smtClean="0"/>
+          </a:p>
+        </p:txBody>
+      </p:sp>
+      <p:pic>
+        <p:nvPicPr>
+          <p:cNvPr id="5" name="Picture 4"/>
+          <p:cNvPicPr>
+            <a:picLocks noChangeAspect="1"/>
+          </p:cNvPicPr>
+          <p:nvPr/>
+        </p:nvPicPr>
+        <p:blipFill>
+          <a:blip r:embed="rId2">
+            <a:extLst>
+              <a:ext uri="{28A0092B-C50C-407E-A947-70E740481C1C}">
+                <a14:useLocalDpi xmlns:a14="http://schemas.microsoft.com/office/drawing/2010/main" val="0"/>
+              </a:ext>
+            </a:extLst>
+          </a:blip>
+          <a:stretch>
+            <a:fillRect/>
+          </a:stretch>
+        </p:blipFill>
+        <p:spPr>
+          <a:xfrm>
+            <a:off x="6281807" y="221140"/>
+            <a:ext cx="5350754" cy="3078651"/>
+          </a:xfrm>
+          <a:prstGeom prst="rect">
+            <a:avLst/>
+          </a:prstGeom>
+        </p:spPr>
+      </p:pic>
+    </p:spTree>
+    <p:extLst>
+      <p:ext uri="{BB962C8B-B14F-4D97-AF65-F5344CB8AC3E}">
+        <p14:creationId xmlns:p14="http://schemas.microsoft.com/office/powerpoint/2010/main" val="4020881322"/>
+      </p:ext>
+    </p:extLst>
+  </p:cSld>
+  <p:clrMapOvr>
+    <a:masterClrMapping/>
+  </p:clrMapOvr>
 </p:sld>
 </file>
 
@@ -38500,7 +35259,7 @@
               <a:rPr lang="fa-IR" b="1" dirty="0">
                 <a:cs typeface="B Nazanin" panose="00000400000000000000" pitchFamily="2" charset="-78"/>
               </a:rPr>
-              <a:t>اهداف و نوآوری‌ها</a:t>
+              <a:t>تعریف مساله و انگیزه</a:t>
             </a:r>
           </a:p>
         </p:txBody>
@@ -38571,7 +35330,19 @@
               <a:rPr lang="fa-IR" sz="2400" dirty="0">
                 <a:cs typeface="B Nazanin" panose="00000400000000000000" pitchFamily="2" charset="-78"/>
               </a:rPr>
-              <a:t>بیشتر ساختارهای موجود برای مدل‌سازی موضوعی رویکردهایی احتمالاتی بر بایه‌ی مدل‌های گرافی و شبکه‌های بیزی هستند</a:t>
+              <a:t>بیشتر ساختارهای موجود برای مدل‌سازی موضوعی رویکردهایی احتمالاتی بر بایه‌ی </a:t>
+            </a:r>
+            <a:r>
+              <a:rPr lang="fa-IR" sz="2400" dirty="0" smtClean="0">
+                <a:cs typeface="B Nazanin" panose="00000400000000000000" pitchFamily="2" charset="-78"/>
+              </a:rPr>
+              <a:t>مدل‌ها </a:t>
+            </a:r>
+            <a:r>
+              <a:rPr lang="fa-IR" sz="2400" dirty="0">
+                <a:cs typeface="B Nazanin" panose="00000400000000000000" pitchFamily="2" charset="-78"/>
+              </a:rPr>
+              <a:t>و شبکه‌های بیزی هستند</a:t>
             </a:r>
             <a:r>
               <a:rPr lang="fa-IR" sz="2400" dirty="0" smtClean="0">
